--- a/Finals/finals feynman diagrams.pptx
+++ b/Finals/finals feynman diagrams.pptx
@@ -6,8 +6,13 @@
   </p:sldMasterIdLst>
   <p:sldIdLst>
     <p:sldId id="256" r:id="rId2"/>
-    <p:sldId id="257" r:id="rId3"/>
-    <p:sldId id="258" r:id="rId4"/>
+    <p:sldId id="259" r:id="rId3"/>
+    <p:sldId id="261" r:id="rId4"/>
+    <p:sldId id="263" r:id="rId5"/>
+    <p:sldId id="262" r:id="rId6"/>
+    <p:sldId id="260" r:id="rId7"/>
+    <p:sldId id="257" r:id="rId8"/>
+    <p:sldId id="258" r:id="rId9"/>
   </p:sldIdLst>
   <p:sldSz cx="12192000" cy="6858000"/>
   <p:notesSz cx="6858000" cy="9144000"/>
@@ -263,7 +268,7 @@
           <a:p>
             <a:fld id="{F4625807-EAD8-418E-A310-BD4173863CA0}" type="datetimeFigureOut">
               <a:rPr lang="en-PH" smtClean="0"/>
-              <a:t>15/01/2022</a:t>
+              <a:t>18/01/2022</a:t>
             </a:fld>
             <a:endParaRPr lang="en-PH"/>
           </a:p>
@@ -463,7 +468,7 @@
           <a:p>
             <a:fld id="{F4625807-EAD8-418E-A310-BD4173863CA0}" type="datetimeFigureOut">
               <a:rPr lang="en-PH" smtClean="0"/>
-              <a:t>15/01/2022</a:t>
+              <a:t>18/01/2022</a:t>
             </a:fld>
             <a:endParaRPr lang="en-PH"/>
           </a:p>
@@ -673,7 +678,7 @@
           <a:p>
             <a:fld id="{F4625807-EAD8-418E-A310-BD4173863CA0}" type="datetimeFigureOut">
               <a:rPr lang="en-PH" smtClean="0"/>
-              <a:t>15/01/2022</a:t>
+              <a:t>18/01/2022</a:t>
             </a:fld>
             <a:endParaRPr lang="en-PH"/>
           </a:p>
@@ -873,7 +878,7 @@
           <a:p>
             <a:fld id="{F4625807-EAD8-418E-A310-BD4173863CA0}" type="datetimeFigureOut">
               <a:rPr lang="en-PH" smtClean="0"/>
-              <a:t>15/01/2022</a:t>
+              <a:t>18/01/2022</a:t>
             </a:fld>
             <a:endParaRPr lang="en-PH"/>
           </a:p>
@@ -1149,7 +1154,7 @@
           <a:p>
             <a:fld id="{F4625807-EAD8-418E-A310-BD4173863CA0}" type="datetimeFigureOut">
               <a:rPr lang="en-PH" smtClean="0"/>
-              <a:t>15/01/2022</a:t>
+              <a:t>18/01/2022</a:t>
             </a:fld>
             <a:endParaRPr lang="en-PH"/>
           </a:p>
@@ -1417,7 +1422,7 @@
           <a:p>
             <a:fld id="{F4625807-EAD8-418E-A310-BD4173863CA0}" type="datetimeFigureOut">
               <a:rPr lang="en-PH" smtClean="0"/>
-              <a:t>15/01/2022</a:t>
+              <a:t>18/01/2022</a:t>
             </a:fld>
             <a:endParaRPr lang="en-PH"/>
           </a:p>
@@ -1832,7 +1837,7 @@
           <a:p>
             <a:fld id="{F4625807-EAD8-418E-A310-BD4173863CA0}" type="datetimeFigureOut">
               <a:rPr lang="en-PH" smtClean="0"/>
-              <a:t>15/01/2022</a:t>
+              <a:t>18/01/2022</a:t>
             </a:fld>
             <a:endParaRPr lang="en-PH"/>
           </a:p>
@@ -1974,7 +1979,7 @@
           <a:p>
             <a:fld id="{F4625807-EAD8-418E-A310-BD4173863CA0}" type="datetimeFigureOut">
               <a:rPr lang="en-PH" smtClean="0"/>
-              <a:t>15/01/2022</a:t>
+              <a:t>18/01/2022</a:t>
             </a:fld>
             <a:endParaRPr lang="en-PH"/>
           </a:p>
@@ -2087,7 +2092,7 @@
           <a:p>
             <a:fld id="{F4625807-EAD8-418E-A310-BD4173863CA0}" type="datetimeFigureOut">
               <a:rPr lang="en-PH" smtClean="0"/>
-              <a:t>15/01/2022</a:t>
+              <a:t>18/01/2022</a:t>
             </a:fld>
             <a:endParaRPr lang="en-PH"/>
           </a:p>
@@ -2400,7 +2405,7 @@
           <a:p>
             <a:fld id="{F4625807-EAD8-418E-A310-BD4173863CA0}" type="datetimeFigureOut">
               <a:rPr lang="en-PH" smtClean="0"/>
-              <a:t>15/01/2022</a:t>
+              <a:t>18/01/2022</a:t>
             </a:fld>
             <a:endParaRPr lang="en-PH"/>
           </a:p>
@@ -2689,7 +2694,7 @@
           <a:p>
             <a:fld id="{F4625807-EAD8-418E-A310-BD4173863CA0}" type="datetimeFigureOut">
               <a:rPr lang="en-PH" smtClean="0"/>
-              <a:t>15/01/2022</a:t>
+              <a:t>18/01/2022</a:t>
             </a:fld>
             <a:endParaRPr lang="en-PH"/>
           </a:p>
@@ -2932,7 +2937,7 @@
           <a:p>
             <a:fld id="{F4625807-EAD8-418E-A310-BD4173863CA0}" type="datetimeFigureOut">
               <a:rPr lang="en-PH" smtClean="0"/>
-              <a:t>15/01/2022</a:t>
+              <a:t>18/01/2022</a:t>
             </a:fld>
             <a:endParaRPr lang="en-PH"/>
           </a:p>
@@ -5657,6 +5662,5133 @@
           <a:chExt cx="0" cy="0"/>
         </a:xfrm>
       </p:grpSpPr>
+      <p:sp>
+        <p:nvSpPr>
+          <p:cNvPr id="2" name="Title 1">
+            <a:extLst>
+              <a:ext uri="{FF2B5EF4-FFF2-40B4-BE49-F238E27FC236}">
+                <a16:creationId xmlns:a16="http://schemas.microsoft.com/office/drawing/2014/main" id="{6C04F2E3-B1DC-46A0-A1F4-18CEF2A057EE}"/>
+              </a:ext>
+            </a:extLst>
+          </p:cNvPr>
+          <p:cNvSpPr>
+            <a:spLocks noGrp="1"/>
+          </p:cNvSpPr>
+          <p:nvPr>
+            <p:ph type="title"/>
+          </p:nvPr>
+        </p:nvSpPr>
+        <p:spPr/>
+        <p:txBody>
+          <a:bodyPr/>
+          <a:lstStyle/>
+          <a:p>
+            <a:r>
+              <a:rPr lang="en-PH" dirty="0"/>
+              <a:t>Bhabha</a:t>
+            </a:r>
+          </a:p>
+        </p:txBody>
+      </p:sp>
+      <p:sp>
+        <p:nvSpPr>
+          <p:cNvPr id="3" name="Content Placeholder 2">
+            <a:extLst>
+              <a:ext uri="{FF2B5EF4-FFF2-40B4-BE49-F238E27FC236}">
+                <a16:creationId xmlns:a16="http://schemas.microsoft.com/office/drawing/2014/main" id="{22681602-0522-4C75-BF3A-BBA2CB83B04A}"/>
+              </a:ext>
+            </a:extLst>
+          </p:cNvPr>
+          <p:cNvSpPr>
+            <a:spLocks noGrp="1"/>
+          </p:cNvSpPr>
+          <p:nvPr>
+            <p:ph idx="1"/>
+          </p:nvPr>
+        </p:nvSpPr>
+        <p:spPr/>
+        <p:txBody>
+          <a:bodyPr/>
+          <a:lstStyle/>
+          <a:p>
+            <a:endParaRPr lang="en-PH"/>
+          </a:p>
+        </p:txBody>
+      </p:sp>
+    </p:spTree>
+    <p:extLst>
+      <p:ext uri="{BB962C8B-B14F-4D97-AF65-F5344CB8AC3E}">
+        <p14:creationId xmlns:p14="http://schemas.microsoft.com/office/powerpoint/2010/main" val="2784406725"/>
+      </p:ext>
+    </p:extLst>
+  </p:cSld>
+  <p:clrMapOvr>
+    <a:masterClrMapping/>
+  </p:clrMapOvr>
+</p:sld>
+</file>
+
+<file path=ppt/slides/slide3.xml><?xml version="1.0" encoding="utf-8"?>
+<p:sld xmlns:a="http://schemas.openxmlformats.org/drawingml/2006/main" xmlns:r="http://schemas.openxmlformats.org/officeDocument/2006/relationships" xmlns:p="http://schemas.openxmlformats.org/presentationml/2006/main">
+  <p:cSld>
+    <p:spTree>
+      <p:nvGrpSpPr>
+        <p:cNvPr id="1" name=""/>
+        <p:cNvGrpSpPr/>
+        <p:nvPr/>
+      </p:nvGrpSpPr>
+      <p:grpSpPr>
+        <a:xfrm>
+          <a:off x="0" y="0"/>
+          <a:ext cx="0" cy="0"/>
+          <a:chOff x="0" y="0"/>
+          <a:chExt cx="0" cy="0"/>
+        </a:xfrm>
+      </p:grpSpPr>
+      <mc:AlternateContent xmlns:mc="http://schemas.openxmlformats.org/markup-compatibility/2006">
+        <mc:Choice xmlns:a14="http://schemas.microsoft.com/office/drawing/2010/main" Requires="a14">
+          <p:sp>
+            <p:nvSpPr>
+              <p:cNvPr id="3" name="Subtitle 2">
+                <a:extLst>
+                  <a:ext uri="{FF2B5EF4-FFF2-40B4-BE49-F238E27FC236}">
+                    <a16:creationId xmlns:a16="http://schemas.microsoft.com/office/drawing/2014/main" id="{009F0F80-A38A-48B5-852C-2AB810B006CB}"/>
+                  </a:ext>
+                </a:extLst>
+              </p:cNvPr>
+              <p:cNvSpPr>
+                <a:spLocks noGrp="1"/>
+              </p:cNvSpPr>
+              <p:nvPr>
+                <p:ph type="subTitle" idx="1"/>
+              </p:nvPr>
+            </p:nvSpPr>
+            <p:spPr>
+              <a:xfrm>
+                <a:off x="3332573" y="984851"/>
+                <a:ext cx="1227589" cy="483401"/>
+              </a:xfrm>
+            </p:spPr>
+            <p:txBody>
+              <a:bodyPr/>
+              <a:lstStyle/>
+              <a:p>
+                <a:pPr/>
+                <a14:m>
+                  <m:oMathPara xmlns:m="http://schemas.openxmlformats.org/officeDocument/2006/math">
+                    <m:oMathParaPr>
+                      <m:jc m:val="centerGroup"/>
+                    </m:oMathParaPr>
+                    <m:oMath xmlns:m="http://schemas.openxmlformats.org/officeDocument/2006/math">
+                      <m:sSup>
+                        <m:sSupPr>
+                          <m:ctrlPr>
+                            <a:rPr lang="en-PH" b="0" i="1" smtClean="0">
+                              <a:latin typeface="Cambria Math" panose="02040503050406030204" pitchFamily="18" charset="0"/>
+                            </a:rPr>
+                          </m:ctrlPr>
+                        </m:sSupPr>
+                        <m:e>
+                          <m:r>
+                            <a:rPr lang="en-PH" b="0" i="1" smtClean="0">
+                              <a:latin typeface="Cambria Math" panose="02040503050406030204" pitchFamily="18" charset="0"/>
+                            </a:rPr>
+                            <m:t>𝑒</m:t>
+                          </m:r>
+                        </m:e>
+                        <m:sup>
+                          <m:r>
+                            <a:rPr lang="en-PH" b="0" i="1" smtClean="0">
+                              <a:latin typeface="Cambria Math" panose="02040503050406030204" pitchFamily="18" charset="0"/>
+                            </a:rPr>
+                            <m:t>−</m:t>
+                          </m:r>
+                        </m:sup>
+                      </m:sSup>
+                    </m:oMath>
+                  </m:oMathPara>
+                </a14:m>
+                <a:endParaRPr lang="en-PH" dirty="0"/>
+              </a:p>
+            </p:txBody>
+          </p:sp>
+        </mc:Choice>
+        <mc:Fallback>
+          <p:sp>
+            <p:nvSpPr>
+              <p:cNvPr id="3" name="Subtitle 2">
+                <a:extLst>
+                  <a:ext uri="{FF2B5EF4-FFF2-40B4-BE49-F238E27FC236}">
+                    <a16:creationId xmlns:a16="http://schemas.microsoft.com/office/drawing/2014/main" id="{009F0F80-A38A-48B5-852C-2AB810B006CB}"/>
+                  </a:ext>
+                </a:extLst>
+              </p:cNvPr>
+              <p:cNvSpPr>
+                <a:spLocks noGrp="1" noRot="1" noChangeAspect="1" noMove="1" noResize="1" noEditPoints="1" noAdjustHandles="1" noChangeArrowheads="1" noChangeShapeType="1" noTextEdit="1"/>
+              </p:cNvSpPr>
+              <p:nvPr>
+                <p:ph type="subTitle" idx="1"/>
+              </p:nvPr>
+            </p:nvSpPr>
+            <p:spPr>
+              <a:xfrm>
+                <a:off x="3332573" y="984851"/>
+                <a:ext cx="1227589" cy="483401"/>
+              </a:xfrm>
+              <a:blipFill>
+                <a:blip r:embed="rId2"/>
+                <a:stretch>
+                  <a:fillRect/>
+                </a:stretch>
+              </a:blipFill>
+            </p:spPr>
+            <p:txBody>
+              <a:bodyPr/>
+              <a:lstStyle/>
+              <a:p>
+                <a:r>
+                  <a:rPr lang="en-PH">
+                    <a:noFill/>
+                  </a:rPr>
+                  <a:t> </a:t>
+                </a:r>
+              </a:p>
+            </p:txBody>
+          </p:sp>
+        </mc:Fallback>
+      </mc:AlternateContent>
+      <mc:AlternateContent xmlns:mc="http://schemas.openxmlformats.org/markup-compatibility/2006">
+        <mc:Choice xmlns:a14="http://schemas.microsoft.com/office/drawing/2010/main" Requires="a14">
+          <p:sp>
+            <p:nvSpPr>
+              <p:cNvPr id="5" name="Subtitle 2">
+                <a:extLst>
+                  <a:ext uri="{FF2B5EF4-FFF2-40B4-BE49-F238E27FC236}">
+                    <a16:creationId xmlns:a16="http://schemas.microsoft.com/office/drawing/2014/main" id="{835E549A-AF36-48F1-98E6-2D0872BD5D15}"/>
+                  </a:ext>
+                </a:extLst>
+              </p:cNvPr>
+              <p:cNvSpPr txBox="1">
+                <a:spLocks/>
+              </p:cNvSpPr>
+              <p:nvPr/>
+            </p:nvSpPr>
+            <p:spPr>
+              <a:xfrm>
+                <a:off x="3414817" y="4976483"/>
+                <a:ext cx="1227589" cy="483401"/>
+              </a:xfrm>
+              <a:prstGeom prst="rect">
+                <a:avLst/>
+              </a:prstGeom>
+            </p:spPr>
+            <p:txBody>
+              <a:bodyPr vert="horz" lIns="91440" tIns="45720" rIns="91440" bIns="45720" rtlCol="0">
+                <a:normAutofit/>
+              </a:bodyPr>
+              <a:lstStyle>
+                <a:lvl1pPr marL="0" indent="0" algn="ctr" defTabSz="914400" rtl="0" eaLnBrk="1" latinLnBrk="0" hangingPunct="1">
+                  <a:lnSpc>
+                    <a:spcPct val="90000"/>
+                  </a:lnSpc>
+                  <a:spcBef>
+                    <a:spcPts val="1000"/>
+                  </a:spcBef>
+                  <a:buFont typeface="Arial" panose="020B0604020202020204" pitchFamily="34" charset="0"/>
+                  <a:buNone/>
+                  <a:defRPr sz="2400" kern="1200">
+                    <a:solidFill>
+                      <a:schemeClr val="tx1"/>
+                    </a:solidFill>
+                    <a:latin typeface="+mn-lt"/>
+                    <a:ea typeface="+mn-ea"/>
+                    <a:cs typeface="+mn-cs"/>
+                  </a:defRPr>
+                </a:lvl1pPr>
+                <a:lvl2pPr marL="457200" indent="0" algn="ctr" defTabSz="914400" rtl="0" eaLnBrk="1" latinLnBrk="0" hangingPunct="1">
+                  <a:lnSpc>
+                    <a:spcPct val="90000"/>
+                  </a:lnSpc>
+                  <a:spcBef>
+                    <a:spcPts val="500"/>
+                  </a:spcBef>
+                  <a:buFont typeface="Arial" panose="020B0604020202020204" pitchFamily="34" charset="0"/>
+                  <a:buNone/>
+                  <a:defRPr sz="2000" kern="1200">
+                    <a:solidFill>
+                      <a:schemeClr val="tx1"/>
+                    </a:solidFill>
+                    <a:latin typeface="+mn-lt"/>
+                    <a:ea typeface="+mn-ea"/>
+                    <a:cs typeface="+mn-cs"/>
+                  </a:defRPr>
+                </a:lvl2pPr>
+                <a:lvl3pPr marL="914400" indent="0" algn="ctr" defTabSz="914400" rtl="0" eaLnBrk="1" latinLnBrk="0" hangingPunct="1">
+                  <a:lnSpc>
+                    <a:spcPct val="90000"/>
+                  </a:lnSpc>
+                  <a:spcBef>
+                    <a:spcPts val="500"/>
+                  </a:spcBef>
+                  <a:buFont typeface="Arial" panose="020B0604020202020204" pitchFamily="34" charset="0"/>
+                  <a:buNone/>
+                  <a:defRPr sz="1800" kern="1200">
+                    <a:solidFill>
+                      <a:schemeClr val="tx1"/>
+                    </a:solidFill>
+                    <a:latin typeface="+mn-lt"/>
+                    <a:ea typeface="+mn-ea"/>
+                    <a:cs typeface="+mn-cs"/>
+                  </a:defRPr>
+                </a:lvl3pPr>
+                <a:lvl4pPr marL="1371600" indent="0" algn="ctr" defTabSz="914400" rtl="0" eaLnBrk="1" latinLnBrk="0" hangingPunct="1">
+                  <a:lnSpc>
+                    <a:spcPct val="90000"/>
+                  </a:lnSpc>
+                  <a:spcBef>
+                    <a:spcPts val="500"/>
+                  </a:spcBef>
+                  <a:buFont typeface="Arial" panose="020B0604020202020204" pitchFamily="34" charset="0"/>
+                  <a:buNone/>
+                  <a:defRPr sz="1600" kern="1200">
+                    <a:solidFill>
+                      <a:schemeClr val="tx1"/>
+                    </a:solidFill>
+                    <a:latin typeface="+mn-lt"/>
+                    <a:ea typeface="+mn-ea"/>
+                    <a:cs typeface="+mn-cs"/>
+                  </a:defRPr>
+                </a:lvl4pPr>
+                <a:lvl5pPr marL="1828800" indent="0" algn="ctr" defTabSz="914400" rtl="0" eaLnBrk="1" latinLnBrk="0" hangingPunct="1">
+                  <a:lnSpc>
+                    <a:spcPct val="90000"/>
+                  </a:lnSpc>
+                  <a:spcBef>
+                    <a:spcPts val="500"/>
+                  </a:spcBef>
+                  <a:buFont typeface="Arial" panose="020B0604020202020204" pitchFamily="34" charset="0"/>
+                  <a:buNone/>
+                  <a:defRPr sz="1600" kern="1200">
+                    <a:solidFill>
+                      <a:schemeClr val="tx1"/>
+                    </a:solidFill>
+                    <a:latin typeface="+mn-lt"/>
+                    <a:ea typeface="+mn-ea"/>
+                    <a:cs typeface="+mn-cs"/>
+                  </a:defRPr>
+                </a:lvl5pPr>
+                <a:lvl6pPr marL="2286000" indent="0" algn="ctr" defTabSz="914400" rtl="0" eaLnBrk="1" latinLnBrk="0" hangingPunct="1">
+                  <a:lnSpc>
+                    <a:spcPct val="90000"/>
+                  </a:lnSpc>
+                  <a:spcBef>
+                    <a:spcPts val="500"/>
+                  </a:spcBef>
+                  <a:buFont typeface="Arial" panose="020B0604020202020204" pitchFamily="34" charset="0"/>
+                  <a:buNone/>
+                  <a:defRPr sz="1600" kern="1200">
+                    <a:solidFill>
+                      <a:schemeClr val="tx1"/>
+                    </a:solidFill>
+                    <a:latin typeface="+mn-lt"/>
+                    <a:ea typeface="+mn-ea"/>
+                    <a:cs typeface="+mn-cs"/>
+                  </a:defRPr>
+                </a:lvl6pPr>
+                <a:lvl7pPr marL="2743200" indent="0" algn="ctr" defTabSz="914400" rtl="0" eaLnBrk="1" latinLnBrk="0" hangingPunct="1">
+                  <a:lnSpc>
+                    <a:spcPct val="90000"/>
+                  </a:lnSpc>
+                  <a:spcBef>
+                    <a:spcPts val="500"/>
+                  </a:spcBef>
+                  <a:buFont typeface="Arial" panose="020B0604020202020204" pitchFamily="34" charset="0"/>
+                  <a:buNone/>
+                  <a:defRPr sz="1600" kern="1200">
+                    <a:solidFill>
+                      <a:schemeClr val="tx1"/>
+                    </a:solidFill>
+                    <a:latin typeface="+mn-lt"/>
+                    <a:ea typeface="+mn-ea"/>
+                    <a:cs typeface="+mn-cs"/>
+                  </a:defRPr>
+                </a:lvl7pPr>
+                <a:lvl8pPr marL="3200400" indent="0" algn="ctr" defTabSz="914400" rtl="0" eaLnBrk="1" latinLnBrk="0" hangingPunct="1">
+                  <a:lnSpc>
+                    <a:spcPct val="90000"/>
+                  </a:lnSpc>
+                  <a:spcBef>
+                    <a:spcPts val="500"/>
+                  </a:spcBef>
+                  <a:buFont typeface="Arial" panose="020B0604020202020204" pitchFamily="34" charset="0"/>
+                  <a:buNone/>
+                  <a:defRPr sz="1600" kern="1200">
+                    <a:solidFill>
+                      <a:schemeClr val="tx1"/>
+                    </a:solidFill>
+                    <a:latin typeface="+mn-lt"/>
+                    <a:ea typeface="+mn-ea"/>
+                    <a:cs typeface="+mn-cs"/>
+                  </a:defRPr>
+                </a:lvl8pPr>
+                <a:lvl9pPr marL="3657600" indent="0" algn="ctr" defTabSz="914400" rtl="0" eaLnBrk="1" latinLnBrk="0" hangingPunct="1">
+                  <a:lnSpc>
+                    <a:spcPct val="90000"/>
+                  </a:lnSpc>
+                  <a:spcBef>
+                    <a:spcPts val="500"/>
+                  </a:spcBef>
+                  <a:buFont typeface="Arial" panose="020B0604020202020204" pitchFamily="34" charset="0"/>
+                  <a:buNone/>
+                  <a:defRPr sz="1600" kern="1200">
+                    <a:solidFill>
+                      <a:schemeClr val="tx1"/>
+                    </a:solidFill>
+                    <a:latin typeface="+mn-lt"/>
+                    <a:ea typeface="+mn-ea"/>
+                    <a:cs typeface="+mn-cs"/>
+                  </a:defRPr>
+                </a:lvl9pPr>
+              </a:lstStyle>
+              <a:p>
+                <a:pPr/>
+                <a14:m>
+                  <m:oMathPara xmlns:m="http://schemas.openxmlformats.org/officeDocument/2006/math">
+                    <m:oMathParaPr>
+                      <m:jc m:val="centerGroup"/>
+                    </m:oMathParaPr>
+                    <m:oMath xmlns:m="http://schemas.openxmlformats.org/officeDocument/2006/math">
+                      <m:sSup>
+                        <m:sSupPr>
+                          <m:ctrlPr>
+                            <a:rPr lang="en-PH" i="1" smtClean="0">
+                              <a:latin typeface="Cambria Math" panose="02040503050406030204" pitchFamily="18" charset="0"/>
+                            </a:rPr>
+                          </m:ctrlPr>
+                        </m:sSupPr>
+                        <m:e>
+                          <m:r>
+                            <a:rPr lang="en-PH" b="0" i="1" smtClean="0">
+                              <a:latin typeface="Cambria Math" panose="02040503050406030204" pitchFamily="18" charset="0"/>
+                            </a:rPr>
+                            <m:t>𝑒</m:t>
+                          </m:r>
+                        </m:e>
+                        <m:sup>
+                          <m:r>
+                            <a:rPr lang="en-PH" b="0" i="1" smtClean="0">
+                              <a:latin typeface="Cambria Math" panose="02040503050406030204" pitchFamily="18" charset="0"/>
+                            </a:rPr>
+                            <m:t>+</m:t>
+                          </m:r>
+                        </m:sup>
+                      </m:sSup>
+                    </m:oMath>
+                  </m:oMathPara>
+                </a14:m>
+                <a:endParaRPr lang="en-PH" dirty="0"/>
+              </a:p>
+            </p:txBody>
+          </p:sp>
+        </mc:Choice>
+        <mc:Fallback>
+          <p:sp>
+            <p:nvSpPr>
+              <p:cNvPr id="5" name="Subtitle 2">
+                <a:extLst>
+                  <a:ext uri="{FF2B5EF4-FFF2-40B4-BE49-F238E27FC236}">
+                    <a16:creationId xmlns:a16="http://schemas.microsoft.com/office/drawing/2014/main" id="{835E549A-AF36-48F1-98E6-2D0872BD5D15}"/>
+                  </a:ext>
+                </a:extLst>
+              </p:cNvPr>
+              <p:cNvSpPr txBox="1">
+                <a:spLocks noRot="1" noChangeAspect="1" noMove="1" noResize="1" noEditPoints="1" noAdjustHandles="1" noChangeArrowheads="1" noChangeShapeType="1" noTextEdit="1"/>
+              </p:cNvSpPr>
+              <p:nvPr/>
+            </p:nvSpPr>
+            <p:spPr>
+              <a:xfrm>
+                <a:off x="3414817" y="4976483"/>
+                <a:ext cx="1227589" cy="483401"/>
+              </a:xfrm>
+              <a:prstGeom prst="rect">
+                <a:avLst/>
+              </a:prstGeom>
+              <a:blipFill>
+                <a:blip r:embed="rId3"/>
+                <a:stretch>
+                  <a:fillRect/>
+                </a:stretch>
+              </a:blipFill>
+            </p:spPr>
+            <p:txBody>
+              <a:bodyPr/>
+              <a:lstStyle/>
+              <a:p>
+                <a:r>
+                  <a:rPr lang="en-PH">
+                    <a:noFill/>
+                  </a:rPr>
+                  <a:t> </a:t>
+                </a:r>
+              </a:p>
+            </p:txBody>
+          </p:sp>
+        </mc:Fallback>
+      </mc:AlternateContent>
+      <mc:AlternateContent xmlns:mc="http://schemas.openxmlformats.org/markup-compatibility/2006">
+        <mc:Choice xmlns:a14="http://schemas.microsoft.com/office/drawing/2010/main" Requires="a14">
+          <p:sp>
+            <p:nvSpPr>
+              <p:cNvPr id="7" name="Subtitle 2">
+                <a:extLst>
+                  <a:ext uri="{FF2B5EF4-FFF2-40B4-BE49-F238E27FC236}">
+                    <a16:creationId xmlns:a16="http://schemas.microsoft.com/office/drawing/2014/main" id="{D77FC54E-E034-4EB9-80AB-D6BAEB458C58}"/>
+                  </a:ext>
+                </a:extLst>
+              </p:cNvPr>
+              <p:cNvSpPr txBox="1">
+                <a:spLocks/>
+              </p:cNvSpPr>
+              <p:nvPr/>
+            </p:nvSpPr>
+            <p:spPr>
+              <a:xfrm>
+                <a:off x="8347707" y="1226551"/>
+                <a:ext cx="1227589" cy="483401"/>
+              </a:xfrm>
+              <a:prstGeom prst="rect">
+                <a:avLst/>
+              </a:prstGeom>
+            </p:spPr>
+            <p:txBody>
+              <a:bodyPr vert="horz" lIns="91440" tIns="45720" rIns="91440" bIns="45720" rtlCol="0">
+                <a:normAutofit/>
+              </a:bodyPr>
+              <a:lstStyle>
+                <a:lvl1pPr marL="0" indent="0" algn="ctr" defTabSz="914400" rtl="0" eaLnBrk="1" latinLnBrk="0" hangingPunct="1">
+                  <a:lnSpc>
+                    <a:spcPct val="90000"/>
+                  </a:lnSpc>
+                  <a:spcBef>
+                    <a:spcPts val="1000"/>
+                  </a:spcBef>
+                  <a:buFont typeface="Arial" panose="020B0604020202020204" pitchFamily="34" charset="0"/>
+                  <a:buNone/>
+                  <a:defRPr sz="2400" kern="1200">
+                    <a:solidFill>
+                      <a:schemeClr val="tx1"/>
+                    </a:solidFill>
+                    <a:latin typeface="+mn-lt"/>
+                    <a:ea typeface="+mn-ea"/>
+                    <a:cs typeface="+mn-cs"/>
+                  </a:defRPr>
+                </a:lvl1pPr>
+                <a:lvl2pPr marL="457200" indent="0" algn="ctr" defTabSz="914400" rtl="0" eaLnBrk="1" latinLnBrk="0" hangingPunct="1">
+                  <a:lnSpc>
+                    <a:spcPct val="90000"/>
+                  </a:lnSpc>
+                  <a:spcBef>
+                    <a:spcPts val="500"/>
+                  </a:spcBef>
+                  <a:buFont typeface="Arial" panose="020B0604020202020204" pitchFamily="34" charset="0"/>
+                  <a:buNone/>
+                  <a:defRPr sz="2000" kern="1200">
+                    <a:solidFill>
+                      <a:schemeClr val="tx1"/>
+                    </a:solidFill>
+                    <a:latin typeface="+mn-lt"/>
+                    <a:ea typeface="+mn-ea"/>
+                    <a:cs typeface="+mn-cs"/>
+                  </a:defRPr>
+                </a:lvl2pPr>
+                <a:lvl3pPr marL="914400" indent="0" algn="ctr" defTabSz="914400" rtl="0" eaLnBrk="1" latinLnBrk="0" hangingPunct="1">
+                  <a:lnSpc>
+                    <a:spcPct val="90000"/>
+                  </a:lnSpc>
+                  <a:spcBef>
+                    <a:spcPts val="500"/>
+                  </a:spcBef>
+                  <a:buFont typeface="Arial" panose="020B0604020202020204" pitchFamily="34" charset="0"/>
+                  <a:buNone/>
+                  <a:defRPr sz="1800" kern="1200">
+                    <a:solidFill>
+                      <a:schemeClr val="tx1"/>
+                    </a:solidFill>
+                    <a:latin typeface="+mn-lt"/>
+                    <a:ea typeface="+mn-ea"/>
+                    <a:cs typeface="+mn-cs"/>
+                  </a:defRPr>
+                </a:lvl3pPr>
+                <a:lvl4pPr marL="1371600" indent="0" algn="ctr" defTabSz="914400" rtl="0" eaLnBrk="1" latinLnBrk="0" hangingPunct="1">
+                  <a:lnSpc>
+                    <a:spcPct val="90000"/>
+                  </a:lnSpc>
+                  <a:spcBef>
+                    <a:spcPts val="500"/>
+                  </a:spcBef>
+                  <a:buFont typeface="Arial" panose="020B0604020202020204" pitchFamily="34" charset="0"/>
+                  <a:buNone/>
+                  <a:defRPr sz="1600" kern="1200">
+                    <a:solidFill>
+                      <a:schemeClr val="tx1"/>
+                    </a:solidFill>
+                    <a:latin typeface="+mn-lt"/>
+                    <a:ea typeface="+mn-ea"/>
+                    <a:cs typeface="+mn-cs"/>
+                  </a:defRPr>
+                </a:lvl4pPr>
+                <a:lvl5pPr marL="1828800" indent="0" algn="ctr" defTabSz="914400" rtl="0" eaLnBrk="1" latinLnBrk="0" hangingPunct="1">
+                  <a:lnSpc>
+                    <a:spcPct val="90000"/>
+                  </a:lnSpc>
+                  <a:spcBef>
+                    <a:spcPts val="500"/>
+                  </a:spcBef>
+                  <a:buFont typeface="Arial" panose="020B0604020202020204" pitchFamily="34" charset="0"/>
+                  <a:buNone/>
+                  <a:defRPr sz="1600" kern="1200">
+                    <a:solidFill>
+                      <a:schemeClr val="tx1"/>
+                    </a:solidFill>
+                    <a:latin typeface="+mn-lt"/>
+                    <a:ea typeface="+mn-ea"/>
+                    <a:cs typeface="+mn-cs"/>
+                  </a:defRPr>
+                </a:lvl5pPr>
+                <a:lvl6pPr marL="2286000" indent="0" algn="ctr" defTabSz="914400" rtl="0" eaLnBrk="1" latinLnBrk="0" hangingPunct="1">
+                  <a:lnSpc>
+                    <a:spcPct val="90000"/>
+                  </a:lnSpc>
+                  <a:spcBef>
+                    <a:spcPts val="500"/>
+                  </a:spcBef>
+                  <a:buFont typeface="Arial" panose="020B0604020202020204" pitchFamily="34" charset="0"/>
+                  <a:buNone/>
+                  <a:defRPr sz="1600" kern="1200">
+                    <a:solidFill>
+                      <a:schemeClr val="tx1"/>
+                    </a:solidFill>
+                    <a:latin typeface="+mn-lt"/>
+                    <a:ea typeface="+mn-ea"/>
+                    <a:cs typeface="+mn-cs"/>
+                  </a:defRPr>
+                </a:lvl6pPr>
+                <a:lvl7pPr marL="2743200" indent="0" algn="ctr" defTabSz="914400" rtl="0" eaLnBrk="1" latinLnBrk="0" hangingPunct="1">
+                  <a:lnSpc>
+                    <a:spcPct val="90000"/>
+                  </a:lnSpc>
+                  <a:spcBef>
+                    <a:spcPts val="500"/>
+                  </a:spcBef>
+                  <a:buFont typeface="Arial" panose="020B0604020202020204" pitchFamily="34" charset="0"/>
+                  <a:buNone/>
+                  <a:defRPr sz="1600" kern="1200">
+                    <a:solidFill>
+                      <a:schemeClr val="tx1"/>
+                    </a:solidFill>
+                    <a:latin typeface="+mn-lt"/>
+                    <a:ea typeface="+mn-ea"/>
+                    <a:cs typeface="+mn-cs"/>
+                  </a:defRPr>
+                </a:lvl7pPr>
+                <a:lvl8pPr marL="3200400" indent="0" algn="ctr" defTabSz="914400" rtl="0" eaLnBrk="1" latinLnBrk="0" hangingPunct="1">
+                  <a:lnSpc>
+                    <a:spcPct val="90000"/>
+                  </a:lnSpc>
+                  <a:spcBef>
+                    <a:spcPts val="500"/>
+                  </a:spcBef>
+                  <a:buFont typeface="Arial" panose="020B0604020202020204" pitchFamily="34" charset="0"/>
+                  <a:buNone/>
+                  <a:defRPr sz="1600" kern="1200">
+                    <a:solidFill>
+                      <a:schemeClr val="tx1"/>
+                    </a:solidFill>
+                    <a:latin typeface="+mn-lt"/>
+                    <a:ea typeface="+mn-ea"/>
+                    <a:cs typeface="+mn-cs"/>
+                  </a:defRPr>
+                </a:lvl8pPr>
+                <a:lvl9pPr marL="3657600" indent="0" algn="ctr" defTabSz="914400" rtl="0" eaLnBrk="1" latinLnBrk="0" hangingPunct="1">
+                  <a:lnSpc>
+                    <a:spcPct val="90000"/>
+                  </a:lnSpc>
+                  <a:spcBef>
+                    <a:spcPts val="500"/>
+                  </a:spcBef>
+                  <a:buFont typeface="Arial" panose="020B0604020202020204" pitchFamily="34" charset="0"/>
+                  <a:buNone/>
+                  <a:defRPr sz="1600" kern="1200">
+                    <a:solidFill>
+                      <a:schemeClr val="tx1"/>
+                    </a:solidFill>
+                    <a:latin typeface="+mn-lt"/>
+                    <a:ea typeface="+mn-ea"/>
+                    <a:cs typeface="+mn-cs"/>
+                  </a:defRPr>
+                </a:lvl9pPr>
+              </a:lstStyle>
+              <a:p>
+                <a:pPr/>
+                <a14:m>
+                  <m:oMathPara xmlns:m="http://schemas.openxmlformats.org/officeDocument/2006/math">
+                    <m:oMathParaPr>
+                      <m:jc m:val="centerGroup"/>
+                    </m:oMathParaPr>
+                    <m:oMath xmlns:m="http://schemas.openxmlformats.org/officeDocument/2006/math">
+                      <m:sSup>
+                        <m:sSupPr>
+                          <m:ctrlPr>
+                            <a:rPr lang="en-PH" i="1" smtClean="0">
+                              <a:latin typeface="Cambria Math" panose="02040503050406030204" pitchFamily="18" charset="0"/>
+                            </a:rPr>
+                          </m:ctrlPr>
+                        </m:sSupPr>
+                        <m:e>
+                          <m:r>
+                            <a:rPr lang="en-PH" b="0" i="1" smtClean="0">
+                              <a:latin typeface="Cambria Math" panose="02040503050406030204" pitchFamily="18" charset="0"/>
+                            </a:rPr>
+                            <m:t>𝑒</m:t>
+                          </m:r>
+                        </m:e>
+                        <m:sup>
+                          <m:r>
+                            <a:rPr lang="en-PH" i="1">
+                              <a:latin typeface="Cambria Math" panose="02040503050406030204" pitchFamily="18" charset="0"/>
+                            </a:rPr>
+                            <m:t>−</m:t>
+                          </m:r>
+                        </m:sup>
+                      </m:sSup>
+                    </m:oMath>
+                  </m:oMathPara>
+                </a14:m>
+                <a:endParaRPr lang="en-PH" dirty="0"/>
+              </a:p>
+            </p:txBody>
+          </p:sp>
+        </mc:Choice>
+        <mc:Fallback>
+          <p:sp>
+            <p:nvSpPr>
+              <p:cNvPr id="7" name="Subtitle 2">
+                <a:extLst>
+                  <a:ext uri="{FF2B5EF4-FFF2-40B4-BE49-F238E27FC236}">
+                    <a16:creationId xmlns:a16="http://schemas.microsoft.com/office/drawing/2014/main" id="{D77FC54E-E034-4EB9-80AB-D6BAEB458C58}"/>
+                  </a:ext>
+                </a:extLst>
+              </p:cNvPr>
+              <p:cNvSpPr txBox="1">
+                <a:spLocks noRot="1" noChangeAspect="1" noMove="1" noResize="1" noEditPoints="1" noAdjustHandles="1" noChangeArrowheads="1" noChangeShapeType="1" noTextEdit="1"/>
+              </p:cNvSpPr>
+              <p:nvPr/>
+            </p:nvSpPr>
+            <p:spPr>
+              <a:xfrm>
+                <a:off x="8347707" y="1226551"/>
+                <a:ext cx="1227589" cy="483401"/>
+              </a:xfrm>
+              <a:prstGeom prst="rect">
+                <a:avLst/>
+              </a:prstGeom>
+              <a:blipFill>
+                <a:blip r:embed="rId4"/>
+                <a:stretch>
+                  <a:fillRect/>
+                </a:stretch>
+              </a:blipFill>
+            </p:spPr>
+            <p:txBody>
+              <a:bodyPr/>
+              <a:lstStyle/>
+              <a:p>
+                <a:r>
+                  <a:rPr lang="en-PH">
+                    <a:noFill/>
+                  </a:rPr>
+                  <a:t> </a:t>
+                </a:r>
+              </a:p>
+            </p:txBody>
+          </p:sp>
+        </mc:Fallback>
+      </mc:AlternateContent>
+      <mc:AlternateContent xmlns:mc="http://schemas.openxmlformats.org/markup-compatibility/2006">
+        <mc:Choice xmlns:a14="http://schemas.microsoft.com/office/drawing/2010/main" Requires="a14">
+          <p:sp>
+            <p:nvSpPr>
+              <p:cNvPr id="8" name="Subtitle 2">
+                <a:extLst>
+                  <a:ext uri="{FF2B5EF4-FFF2-40B4-BE49-F238E27FC236}">
+                    <a16:creationId xmlns:a16="http://schemas.microsoft.com/office/drawing/2014/main" id="{B967AC0D-C9AC-4D83-8D1F-26CC70E3221D}"/>
+                  </a:ext>
+                </a:extLst>
+              </p:cNvPr>
+              <p:cNvSpPr txBox="1">
+                <a:spLocks/>
+              </p:cNvSpPr>
+              <p:nvPr/>
+            </p:nvSpPr>
+            <p:spPr>
+              <a:xfrm>
+                <a:off x="8777184" y="5063787"/>
+                <a:ext cx="1227589" cy="483401"/>
+              </a:xfrm>
+              <a:prstGeom prst="rect">
+                <a:avLst/>
+              </a:prstGeom>
+            </p:spPr>
+            <p:txBody>
+              <a:bodyPr vert="horz" lIns="91440" tIns="45720" rIns="91440" bIns="45720" rtlCol="0">
+                <a:normAutofit/>
+              </a:bodyPr>
+              <a:lstStyle>
+                <a:lvl1pPr marL="0" indent="0" algn="ctr" defTabSz="914400" rtl="0" eaLnBrk="1" latinLnBrk="0" hangingPunct="1">
+                  <a:lnSpc>
+                    <a:spcPct val="90000"/>
+                  </a:lnSpc>
+                  <a:spcBef>
+                    <a:spcPts val="1000"/>
+                  </a:spcBef>
+                  <a:buFont typeface="Arial" panose="020B0604020202020204" pitchFamily="34" charset="0"/>
+                  <a:buNone/>
+                  <a:defRPr sz="2400" kern="1200">
+                    <a:solidFill>
+                      <a:schemeClr val="tx1"/>
+                    </a:solidFill>
+                    <a:latin typeface="+mn-lt"/>
+                    <a:ea typeface="+mn-ea"/>
+                    <a:cs typeface="+mn-cs"/>
+                  </a:defRPr>
+                </a:lvl1pPr>
+                <a:lvl2pPr marL="457200" indent="0" algn="ctr" defTabSz="914400" rtl="0" eaLnBrk="1" latinLnBrk="0" hangingPunct="1">
+                  <a:lnSpc>
+                    <a:spcPct val="90000"/>
+                  </a:lnSpc>
+                  <a:spcBef>
+                    <a:spcPts val="500"/>
+                  </a:spcBef>
+                  <a:buFont typeface="Arial" panose="020B0604020202020204" pitchFamily="34" charset="0"/>
+                  <a:buNone/>
+                  <a:defRPr sz="2000" kern="1200">
+                    <a:solidFill>
+                      <a:schemeClr val="tx1"/>
+                    </a:solidFill>
+                    <a:latin typeface="+mn-lt"/>
+                    <a:ea typeface="+mn-ea"/>
+                    <a:cs typeface="+mn-cs"/>
+                  </a:defRPr>
+                </a:lvl2pPr>
+                <a:lvl3pPr marL="914400" indent="0" algn="ctr" defTabSz="914400" rtl="0" eaLnBrk="1" latinLnBrk="0" hangingPunct="1">
+                  <a:lnSpc>
+                    <a:spcPct val="90000"/>
+                  </a:lnSpc>
+                  <a:spcBef>
+                    <a:spcPts val="500"/>
+                  </a:spcBef>
+                  <a:buFont typeface="Arial" panose="020B0604020202020204" pitchFamily="34" charset="0"/>
+                  <a:buNone/>
+                  <a:defRPr sz="1800" kern="1200">
+                    <a:solidFill>
+                      <a:schemeClr val="tx1"/>
+                    </a:solidFill>
+                    <a:latin typeface="+mn-lt"/>
+                    <a:ea typeface="+mn-ea"/>
+                    <a:cs typeface="+mn-cs"/>
+                  </a:defRPr>
+                </a:lvl3pPr>
+                <a:lvl4pPr marL="1371600" indent="0" algn="ctr" defTabSz="914400" rtl="0" eaLnBrk="1" latinLnBrk="0" hangingPunct="1">
+                  <a:lnSpc>
+                    <a:spcPct val="90000"/>
+                  </a:lnSpc>
+                  <a:spcBef>
+                    <a:spcPts val="500"/>
+                  </a:spcBef>
+                  <a:buFont typeface="Arial" panose="020B0604020202020204" pitchFamily="34" charset="0"/>
+                  <a:buNone/>
+                  <a:defRPr sz="1600" kern="1200">
+                    <a:solidFill>
+                      <a:schemeClr val="tx1"/>
+                    </a:solidFill>
+                    <a:latin typeface="+mn-lt"/>
+                    <a:ea typeface="+mn-ea"/>
+                    <a:cs typeface="+mn-cs"/>
+                  </a:defRPr>
+                </a:lvl4pPr>
+                <a:lvl5pPr marL="1828800" indent="0" algn="ctr" defTabSz="914400" rtl="0" eaLnBrk="1" latinLnBrk="0" hangingPunct="1">
+                  <a:lnSpc>
+                    <a:spcPct val="90000"/>
+                  </a:lnSpc>
+                  <a:spcBef>
+                    <a:spcPts val="500"/>
+                  </a:spcBef>
+                  <a:buFont typeface="Arial" panose="020B0604020202020204" pitchFamily="34" charset="0"/>
+                  <a:buNone/>
+                  <a:defRPr sz="1600" kern="1200">
+                    <a:solidFill>
+                      <a:schemeClr val="tx1"/>
+                    </a:solidFill>
+                    <a:latin typeface="+mn-lt"/>
+                    <a:ea typeface="+mn-ea"/>
+                    <a:cs typeface="+mn-cs"/>
+                  </a:defRPr>
+                </a:lvl5pPr>
+                <a:lvl6pPr marL="2286000" indent="0" algn="ctr" defTabSz="914400" rtl="0" eaLnBrk="1" latinLnBrk="0" hangingPunct="1">
+                  <a:lnSpc>
+                    <a:spcPct val="90000"/>
+                  </a:lnSpc>
+                  <a:spcBef>
+                    <a:spcPts val="500"/>
+                  </a:spcBef>
+                  <a:buFont typeface="Arial" panose="020B0604020202020204" pitchFamily="34" charset="0"/>
+                  <a:buNone/>
+                  <a:defRPr sz="1600" kern="1200">
+                    <a:solidFill>
+                      <a:schemeClr val="tx1"/>
+                    </a:solidFill>
+                    <a:latin typeface="+mn-lt"/>
+                    <a:ea typeface="+mn-ea"/>
+                    <a:cs typeface="+mn-cs"/>
+                  </a:defRPr>
+                </a:lvl6pPr>
+                <a:lvl7pPr marL="2743200" indent="0" algn="ctr" defTabSz="914400" rtl="0" eaLnBrk="1" latinLnBrk="0" hangingPunct="1">
+                  <a:lnSpc>
+                    <a:spcPct val="90000"/>
+                  </a:lnSpc>
+                  <a:spcBef>
+                    <a:spcPts val="500"/>
+                  </a:spcBef>
+                  <a:buFont typeface="Arial" panose="020B0604020202020204" pitchFamily="34" charset="0"/>
+                  <a:buNone/>
+                  <a:defRPr sz="1600" kern="1200">
+                    <a:solidFill>
+                      <a:schemeClr val="tx1"/>
+                    </a:solidFill>
+                    <a:latin typeface="+mn-lt"/>
+                    <a:ea typeface="+mn-ea"/>
+                    <a:cs typeface="+mn-cs"/>
+                  </a:defRPr>
+                </a:lvl7pPr>
+                <a:lvl8pPr marL="3200400" indent="0" algn="ctr" defTabSz="914400" rtl="0" eaLnBrk="1" latinLnBrk="0" hangingPunct="1">
+                  <a:lnSpc>
+                    <a:spcPct val="90000"/>
+                  </a:lnSpc>
+                  <a:spcBef>
+                    <a:spcPts val="500"/>
+                  </a:spcBef>
+                  <a:buFont typeface="Arial" panose="020B0604020202020204" pitchFamily="34" charset="0"/>
+                  <a:buNone/>
+                  <a:defRPr sz="1600" kern="1200">
+                    <a:solidFill>
+                      <a:schemeClr val="tx1"/>
+                    </a:solidFill>
+                    <a:latin typeface="+mn-lt"/>
+                    <a:ea typeface="+mn-ea"/>
+                    <a:cs typeface="+mn-cs"/>
+                  </a:defRPr>
+                </a:lvl8pPr>
+                <a:lvl9pPr marL="3657600" indent="0" algn="ctr" defTabSz="914400" rtl="0" eaLnBrk="1" latinLnBrk="0" hangingPunct="1">
+                  <a:lnSpc>
+                    <a:spcPct val="90000"/>
+                  </a:lnSpc>
+                  <a:spcBef>
+                    <a:spcPts val="500"/>
+                  </a:spcBef>
+                  <a:buFont typeface="Arial" panose="020B0604020202020204" pitchFamily="34" charset="0"/>
+                  <a:buNone/>
+                  <a:defRPr sz="1600" kern="1200">
+                    <a:solidFill>
+                      <a:schemeClr val="tx1"/>
+                    </a:solidFill>
+                    <a:latin typeface="+mn-lt"/>
+                    <a:ea typeface="+mn-ea"/>
+                    <a:cs typeface="+mn-cs"/>
+                  </a:defRPr>
+                </a:lvl9pPr>
+              </a:lstStyle>
+              <a:p>
+                <a:pPr/>
+                <a14:m>
+                  <m:oMathPara xmlns:m="http://schemas.openxmlformats.org/officeDocument/2006/math">
+                    <m:oMathParaPr>
+                      <m:jc m:val="centerGroup"/>
+                    </m:oMathParaPr>
+                    <m:oMath xmlns:m="http://schemas.openxmlformats.org/officeDocument/2006/math">
+                      <m:sSup>
+                        <m:sSupPr>
+                          <m:ctrlPr>
+                            <a:rPr lang="en-PH" i="1" smtClean="0">
+                              <a:latin typeface="Cambria Math" panose="02040503050406030204" pitchFamily="18" charset="0"/>
+                            </a:rPr>
+                          </m:ctrlPr>
+                        </m:sSupPr>
+                        <m:e>
+                          <m:r>
+                            <a:rPr lang="en-PH" b="0" i="1" smtClean="0">
+                              <a:latin typeface="Cambria Math" panose="02040503050406030204" pitchFamily="18" charset="0"/>
+                            </a:rPr>
+                            <m:t>𝑒</m:t>
+                          </m:r>
+                        </m:e>
+                        <m:sup>
+                          <m:r>
+                            <a:rPr lang="en-PH" b="0" i="1" smtClean="0">
+                              <a:latin typeface="Cambria Math" panose="02040503050406030204" pitchFamily="18" charset="0"/>
+                            </a:rPr>
+                            <m:t>+</m:t>
+                          </m:r>
+                        </m:sup>
+                      </m:sSup>
+                    </m:oMath>
+                  </m:oMathPara>
+                </a14:m>
+                <a:endParaRPr lang="en-PH" dirty="0"/>
+              </a:p>
+            </p:txBody>
+          </p:sp>
+        </mc:Choice>
+        <mc:Fallback>
+          <p:sp>
+            <p:nvSpPr>
+              <p:cNvPr id="8" name="Subtitle 2">
+                <a:extLst>
+                  <a:ext uri="{FF2B5EF4-FFF2-40B4-BE49-F238E27FC236}">
+                    <a16:creationId xmlns:a16="http://schemas.microsoft.com/office/drawing/2014/main" id="{B967AC0D-C9AC-4D83-8D1F-26CC70E3221D}"/>
+                  </a:ext>
+                </a:extLst>
+              </p:cNvPr>
+              <p:cNvSpPr txBox="1">
+                <a:spLocks noRot="1" noChangeAspect="1" noMove="1" noResize="1" noEditPoints="1" noAdjustHandles="1" noChangeArrowheads="1" noChangeShapeType="1" noTextEdit="1"/>
+              </p:cNvSpPr>
+              <p:nvPr/>
+            </p:nvSpPr>
+            <p:spPr>
+              <a:xfrm>
+                <a:off x="8777184" y="5063787"/>
+                <a:ext cx="1227589" cy="483401"/>
+              </a:xfrm>
+              <a:prstGeom prst="rect">
+                <a:avLst/>
+              </a:prstGeom>
+              <a:blipFill>
+                <a:blip r:embed="rId5"/>
+                <a:stretch>
+                  <a:fillRect/>
+                </a:stretch>
+              </a:blipFill>
+            </p:spPr>
+            <p:txBody>
+              <a:bodyPr/>
+              <a:lstStyle/>
+              <a:p>
+                <a:r>
+                  <a:rPr lang="en-PH">
+                    <a:noFill/>
+                  </a:rPr>
+                  <a:t> </a:t>
+                </a:r>
+              </a:p>
+            </p:txBody>
+          </p:sp>
+        </mc:Fallback>
+      </mc:AlternateContent>
+      <p:sp>
+        <p:nvSpPr>
+          <p:cNvPr id="9" name="Freeform: Shape 8">
+            <a:extLst>
+              <a:ext uri="{FF2B5EF4-FFF2-40B4-BE49-F238E27FC236}">
+                <a16:creationId xmlns:a16="http://schemas.microsoft.com/office/drawing/2014/main" id="{8CBC1092-53CC-40A6-BA1F-432CF2CBF719}"/>
+              </a:ext>
+            </a:extLst>
+          </p:cNvPr>
+          <p:cNvSpPr/>
+          <p:nvPr/>
+        </p:nvSpPr>
+        <p:spPr>
+          <a:xfrm rot="16428099">
+            <a:off x="6400800" y="2281805"/>
+            <a:ext cx="295400" cy="1904301"/>
+          </a:xfrm>
+          <a:custGeom>
+            <a:avLst/>
+            <a:gdLst>
+              <a:gd name="connsiteX0" fmla="*/ 176169 w 295400"/>
+              <a:gd name="connsiteY0" fmla="*/ 0 h 1904301"/>
+              <a:gd name="connsiteX1" fmla="*/ 58723 w 295400"/>
+              <a:gd name="connsiteY1" fmla="*/ 41945 h 1904301"/>
+              <a:gd name="connsiteX2" fmla="*/ 0 w 295400"/>
+              <a:gd name="connsiteY2" fmla="*/ 209725 h 1904301"/>
+              <a:gd name="connsiteX3" fmla="*/ 16778 w 295400"/>
+              <a:gd name="connsiteY3" fmla="*/ 327171 h 1904301"/>
+              <a:gd name="connsiteX4" fmla="*/ 83890 w 295400"/>
+              <a:gd name="connsiteY4" fmla="*/ 411061 h 1904301"/>
+              <a:gd name="connsiteX5" fmla="*/ 209725 w 295400"/>
+              <a:gd name="connsiteY5" fmla="*/ 637564 h 1904301"/>
+              <a:gd name="connsiteX6" fmla="*/ 209725 w 295400"/>
+              <a:gd name="connsiteY6" fmla="*/ 796954 h 1904301"/>
+              <a:gd name="connsiteX7" fmla="*/ 167780 w 295400"/>
+              <a:gd name="connsiteY7" fmla="*/ 847288 h 1904301"/>
+              <a:gd name="connsiteX8" fmla="*/ 58723 w 295400"/>
+              <a:gd name="connsiteY8" fmla="*/ 956345 h 1904301"/>
+              <a:gd name="connsiteX9" fmla="*/ 50334 w 295400"/>
+              <a:gd name="connsiteY9" fmla="*/ 1006679 h 1904301"/>
+              <a:gd name="connsiteX10" fmla="*/ 67112 w 295400"/>
+              <a:gd name="connsiteY10" fmla="*/ 1082180 h 1904301"/>
+              <a:gd name="connsiteX11" fmla="*/ 243281 w 295400"/>
+              <a:gd name="connsiteY11" fmla="*/ 1333850 h 1904301"/>
+              <a:gd name="connsiteX12" fmla="*/ 276837 w 295400"/>
+              <a:gd name="connsiteY12" fmla="*/ 1417740 h 1904301"/>
+              <a:gd name="connsiteX13" fmla="*/ 293615 w 295400"/>
+              <a:gd name="connsiteY13" fmla="*/ 1468074 h 1904301"/>
+              <a:gd name="connsiteX14" fmla="*/ 151002 w 295400"/>
+              <a:gd name="connsiteY14" fmla="*/ 1593909 h 1904301"/>
+              <a:gd name="connsiteX15" fmla="*/ 109057 w 295400"/>
+              <a:gd name="connsiteY15" fmla="*/ 1694577 h 1904301"/>
+              <a:gd name="connsiteX16" fmla="*/ 125835 w 295400"/>
+              <a:gd name="connsiteY16" fmla="*/ 1795244 h 1904301"/>
+              <a:gd name="connsiteX17" fmla="*/ 184558 w 295400"/>
+              <a:gd name="connsiteY17" fmla="*/ 1904301 h 1904301"/>
+            </a:gdLst>
+            <a:ahLst/>
+            <a:cxnLst>
+              <a:cxn ang="0">
+                <a:pos x="connsiteX0" y="connsiteY0"/>
+              </a:cxn>
+              <a:cxn ang="0">
+                <a:pos x="connsiteX1" y="connsiteY1"/>
+              </a:cxn>
+              <a:cxn ang="0">
+                <a:pos x="connsiteX2" y="connsiteY2"/>
+              </a:cxn>
+              <a:cxn ang="0">
+                <a:pos x="connsiteX3" y="connsiteY3"/>
+              </a:cxn>
+              <a:cxn ang="0">
+                <a:pos x="connsiteX4" y="connsiteY4"/>
+              </a:cxn>
+              <a:cxn ang="0">
+                <a:pos x="connsiteX5" y="connsiteY5"/>
+              </a:cxn>
+              <a:cxn ang="0">
+                <a:pos x="connsiteX6" y="connsiteY6"/>
+              </a:cxn>
+              <a:cxn ang="0">
+                <a:pos x="connsiteX7" y="connsiteY7"/>
+              </a:cxn>
+              <a:cxn ang="0">
+                <a:pos x="connsiteX8" y="connsiteY8"/>
+              </a:cxn>
+              <a:cxn ang="0">
+                <a:pos x="connsiteX9" y="connsiteY9"/>
+              </a:cxn>
+              <a:cxn ang="0">
+                <a:pos x="connsiteX10" y="connsiteY10"/>
+              </a:cxn>
+              <a:cxn ang="0">
+                <a:pos x="connsiteX11" y="connsiteY11"/>
+              </a:cxn>
+              <a:cxn ang="0">
+                <a:pos x="connsiteX12" y="connsiteY12"/>
+              </a:cxn>
+              <a:cxn ang="0">
+                <a:pos x="connsiteX13" y="connsiteY13"/>
+              </a:cxn>
+              <a:cxn ang="0">
+                <a:pos x="connsiteX14" y="connsiteY14"/>
+              </a:cxn>
+              <a:cxn ang="0">
+                <a:pos x="connsiteX15" y="connsiteY15"/>
+              </a:cxn>
+              <a:cxn ang="0">
+                <a:pos x="connsiteX16" y="connsiteY16"/>
+              </a:cxn>
+              <a:cxn ang="0">
+                <a:pos x="connsiteX17" y="connsiteY17"/>
+              </a:cxn>
+            </a:cxnLst>
+            <a:rect l="l" t="t" r="r" b="b"/>
+            <a:pathLst>
+              <a:path w="295400" h="1904301">
+                <a:moveTo>
+                  <a:pt x="176169" y="0"/>
+                </a:moveTo>
+                <a:cubicBezTo>
+                  <a:pt x="137020" y="13982"/>
+                  <a:pt x="92190" y="17285"/>
+                  <a:pt x="58723" y="41945"/>
+                </a:cubicBezTo>
+                <a:cubicBezTo>
+                  <a:pt x="14346" y="74644"/>
+                  <a:pt x="8081" y="165279"/>
+                  <a:pt x="0" y="209725"/>
+                </a:cubicBezTo>
+                <a:cubicBezTo>
+                  <a:pt x="5593" y="248874"/>
+                  <a:pt x="1568" y="290667"/>
+                  <a:pt x="16778" y="327171"/>
+                </a:cubicBezTo>
+                <a:cubicBezTo>
+                  <a:pt x="30551" y="360227"/>
+                  <a:pt x="62605" y="382263"/>
+                  <a:pt x="83890" y="411061"/>
+                </a:cubicBezTo>
+                <a:cubicBezTo>
+                  <a:pt x="174326" y="533415"/>
+                  <a:pt x="150942" y="500405"/>
+                  <a:pt x="209725" y="637564"/>
+                </a:cubicBezTo>
+                <a:cubicBezTo>
+                  <a:pt x="213040" y="674028"/>
+                  <a:pt x="227138" y="756323"/>
+                  <a:pt x="209725" y="796954"/>
+                </a:cubicBezTo>
+                <a:cubicBezTo>
+                  <a:pt x="201122" y="817028"/>
+                  <a:pt x="182800" y="831433"/>
+                  <a:pt x="167780" y="847288"/>
+                </a:cubicBezTo>
+                <a:cubicBezTo>
+                  <a:pt x="132423" y="884609"/>
+                  <a:pt x="58723" y="956345"/>
+                  <a:pt x="58723" y="956345"/>
+                </a:cubicBezTo>
+                <a:cubicBezTo>
+                  <a:pt x="55927" y="973123"/>
+                  <a:pt x="49203" y="989707"/>
+                  <a:pt x="50334" y="1006679"/>
+                </a:cubicBezTo>
+                <a:cubicBezTo>
+                  <a:pt x="52049" y="1032403"/>
+                  <a:pt x="55582" y="1059121"/>
+                  <a:pt x="67112" y="1082180"/>
+                </a:cubicBezTo>
+                <a:cubicBezTo>
+                  <a:pt x="138165" y="1224286"/>
+                  <a:pt x="157455" y="1237296"/>
+                  <a:pt x="243281" y="1333850"/>
+                </a:cubicBezTo>
+                <a:cubicBezTo>
+                  <a:pt x="254466" y="1361813"/>
+                  <a:pt x="266262" y="1389540"/>
+                  <a:pt x="276837" y="1417740"/>
+                </a:cubicBezTo>
+                <a:cubicBezTo>
+                  <a:pt x="283047" y="1434300"/>
+                  <a:pt x="301094" y="1452048"/>
+                  <a:pt x="293615" y="1468074"/>
+                </a:cubicBezTo>
+                <a:cubicBezTo>
+                  <a:pt x="276515" y="1504718"/>
+                  <a:pt x="185168" y="1568284"/>
+                  <a:pt x="151002" y="1593909"/>
+                </a:cubicBezTo>
+                <a:cubicBezTo>
+                  <a:pt x="142013" y="1611886"/>
+                  <a:pt x="109057" y="1671867"/>
+                  <a:pt x="109057" y="1694577"/>
+                </a:cubicBezTo>
+                <a:cubicBezTo>
+                  <a:pt x="109057" y="1728596"/>
+                  <a:pt x="116060" y="1762660"/>
+                  <a:pt x="125835" y="1795244"/>
+                </a:cubicBezTo>
+                <a:cubicBezTo>
+                  <a:pt x="134005" y="1822476"/>
+                  <a:pt x="167826" y="1876415"/>
+                  <a:pt x="184558" y="1904301"/>
+                </a:cubicBezTo>
+              </a:path>
+            </a:pathLst>
+          </a:custGeom>
+          <a:ln w="76200"/>
+        </p:spPr>
+        <p:style>
+          <a:lnRef idx="1">
+            <a:schemeClr val="dk1"/>
+          </a:lnRef>
+          <a:fillRef idx="0">
+            <a:schemeClr val="dk1"/>
+          </a:fillRef>
+          <a:effectRef idx="0">
+            <a:schemeClr val="dk1"/>
+          </a:effectRef>
+          <a:fontRef idx="minor">
+            <a:schemeClr val="tx1"/>
+          </a:fontRef>
+        </p:style>
+        <p:txBody>
+          <a:bodyPr rtlCol="0" anchor="ctr"/>
+          <a:lstStyle/>
+          <a:p>
+            <a:pPr algn="ctr"/>
+            <a:endParaRPr lang="en-PH"/>
+          </a:p>
+        </p:txBody>
+      </p:sp>
+      <p:cxnSp>
+        <p:nvCxnSpPr>
+          <p:cNvPr id="11" name="Straight Connector 10">
+            <a:extLst>
+              <a:ext uri="{FF2B5EF4-FFF2-40B4-BE49-F238E27FC236}">
+                <a16:creationId xmlns:a16="http://schemas.microsoft.com/office/drawing/2014/main" id="{89EFF960-F506-4199-A5E7-0B854F708863}"/>
+              </a:ext>
+            </a:extLst>
+          </p:cNvPr>
+          <p:cNvCxnSpPr>
+            <a:cxnSpLocks/>
+          </p:cNvCxnSpPr>
+          <p:nvPr/>
+        </p:nvCxnSpPr>
+        <p:spPr>
+          <a:xfrm flipV="1">
+            <a:off x="4329588" y="3172009"/>
+            <a:ext cx="1274164" cy="1580988"/>
+          </a:xfrm>
+          <a:prstGeom prst="line">
+            <a:avLst/>
+          </a:prstGeom>
+          <a:ln w="76200"/>
+        </p:spPr>
+        <p:style>
+          <a:lnRef idx="1">
+            <a:schemeClr val="dk1"/>
+          </a:lnRef>
+          <a:fillRef idx="0">
+            <a:schemeClr val="dk1"/>
+          </a:fillRef>
+          <a:effectRef idx="0">
+            <a:schemeClr val="dk1"/>
+          </a:effectRef>
+          <a:fontRef idx="minor">
+            <a:schemeClr val="tx1"/>
+          </a:fontRef>
+        </p:style>
+      </p:cxnSp>
+      <p:cxnSp>
+        <p:nvCxnSpPr>
+          <p:cNvPr id="13" name="Straight Connector 12">
+            <a:extLst>
+              <a:ext uri="{FF2B5EF4-FFF2-40B4-BE49-F238E27FC236}">
+                <a16:creationId xmlns:a16="http://schemas.microsoft.com/office/drawing/2014/main" id="{FE8E197C-2DB6-47F7-B65D-F7A9937232F0}"/>
+              </a:ext>
+            </a:extLst>
+          </p:cNvPr>
+          <p:cNvCxnSpPr>
+            <a:cxnSpLocks/>
+          </p:cNvCxnSpPr>
+          <p:nvPr/>
+        </p:nvCxnSpPr>
+        <p:spPr>
+          <a:xfrm>
+            <a:off x="4329589" y="1682969"/>
+            <a:ext cx="1195784" cy="1477463"/>
+          </a:xfrm>
+          <a:prstGeom prst="line">
+            <a:avLst/>
+          </a:prstGeom>
+          <a:ln w="76200"/>
+        </p:spPr>
+        <p:style>
+          <a:lnRef idx="1">
+            <a:schemeClr val="dk1"/>
+          </a:lnRef>
+          <a:fillRef idx="0">
+            <a:schemeClr val="dk1"/>
+          </a:fillRef>
+          <a:effectRef idx="0">
+            <a:schemeClr val="dk1"/>
+          </a:effectRef>
+          <a:fontRef idx="minor">
+            <a:schemeClr val="tx1"/>
+          </a:fontRef>
+        </p:style>
+      </p:cxnSp>
+      <p:cxnSp>
+        <p:nvCxnSpPr>
+          <p:cNvPr id="15" name="Straight Connector 14">
+            <a:extLst>
+              <a:ext uri="{FF2B5EF4-FFF2-40B4-BE49-F238E27FC236}">
+                <a16:creationId xmlns:a16="http://schemas.microsoft.com/office/drawing/2014/main" id="{D66917D6-BAE4-4594-BE7E-821358643BAC}"/>
+              </a:ext>
+            </a:extLst>
+          </p:cNvPr>
+          <p:cNvCxnSpPr>
+            <a:cxnSpLocks/>
+          </p:cNvCxnSpPr>
+          <p:nvPr/>
+        </p:nvCxnSpPr>
+        <p:spPr>
+          <a:xfrm flipV="1">
+            <a:off x="7575227" y="1831181"/>
+            <a:ext cx="1020845" cy="1408829"/>
+          </a:xfrm>
+          <a:prstGeom prst="line">
+            <a:avLst/>
+          </a:prstGeom>
+          <a:ln w="76200"/>
+        </p:spPr>
+        <p:style>
+          <a:lnRef idx="1">
+            <a:schemeClr val="dk1"/>
+          </a:lnRef>
+          <a:fillRef idx="0">
+            <a:schemeClr val="dk1"/>
+          </a:fillRef>
+          <a:effectRef idx="0">
+            <a:schemeClr val="dk1"/>
+          </a:effectRef>
+          <a:fontRef idx="minor">
+            <a:schemeClr val="tx1"/>
+          </a:fontRef>
+        </p:style>
+      </p:cxnSp>
+      <p:cxnSp>
+        <p:nvCxnSpPr>
+          <p:cNvPr id="16" name="Straight Connector 15">
+            <a:extLst>
+              <a:ext uri="{FF2B5EF4-FFF2-40B4-BE49-F238E27FC236}">
+                <a16:creationId xmlns:a16="http://schemas.microsoft.com/office/drawing/2014/main" id="{324EE58C-3DA2-46B0-8CD0-8C048B860E91}"/>
+              </a:ext>
+            </a:extLst>
+          </p:cNvPr>
+          <p:cNvCxnSpPr>
+            <a:cxnSpLocks/>
+          </p:cNvCxnSpPr>
+          <p:nvPr/>
+        </p:nvCxnSpPr>
+        <p:spPr>
+          <a:xfrm rot="900000">
+            <a:off x="7418406" y="3533135"/>
+            <a:ext cx="1858602" cy="1125387"/>
+          </a:xfrm>
+          <a:prstGeom prst="line">
+            <a:avLst/>
+          </a:prstGeom>
+          <a:ln w="76200"/>
+        </p:spPr>
+        <p:style>
+          <a:lnRef idx="1">
+            <a:schemeClr val="dk1"/>
+          </a:lnRef>
+          <a:fillRef idx="0">
+            <a:schemeClr val="dk1"/>
+          </a:fillRef>
+          <a:effectRef idx="0">
+            <a:schemeClr val="dk1"/>
+          </a:effectRef>
+          <a:fontRef idx="minor">
+            <a:schemeClr val="tx1"/>
+          </a:fontRef>
+        </p:style>
+      </p:cxnSp>
+      <p:sp>
+        <p:nvSpPr>
+          <p:cNvPr id="17" name="Oval 16">
+            <a:extLst>
+              <a:ext uri="{FF2B5EF4-FFF2-40B4-BE49-F238E27FC236}">
+                <a16:creationId xmlns:a16="http://schemas.microsoft.com/office/drawing/2014/main" id="{510EADB2-EBFC-4CAA-BFA9-F9802675CFD3}"/>
+              </a:ext>
+            </a:extLst>
+          </p:cNvPr>
+          <p:cNvSpPr/>
+          <p:nvPr/>
+        </p:nvSpPr>
+        <p:spPr>
+          <a:xfrm>
+            <a:off x="5410610" y="3066193"/>
+            <a:ext cx="276836" cy="276836"/>
+          </a:xfrm>
+          <a:prstGeom prst="ellipse">
+            <a:avLst/>
+          </a:prstGeom>
+        </p:spPr>
+        <p:style>
+          <a:lnRef idx="2">
+            <a:schemeClr val="dk1">
+              <a:shade val="50000"/>
+            </a:schemeClr>
+          </a:lnRef>
+          <a:fillRef idx="1">
+            <a:schemeClr val="dk1"/>
+          </a:fillRef>
+          <a:effectRef idx="0">
+            <a:schemeClr val="dk1"/>
+          </a:effectRef>
+          <a:fontRef idx="minor">
+            <a:schemeClr val="lt1"/>
+          </a:fontRef>
+        </p:style>
+        <p:txBody>
+          <a:bodyPr rtlCol="0" anchor="ctr"/>
+          <a:lstStyle/>
+          <a:p>
+            <a:pPr algn="ctr"/>
+            <a:endParaRPr lang="en-PH"/>
+          </a:p>
+        </p:txBody>
+      </p:sp>
+      <p:sp>
+        <p:nvSpPr>
+          <p:cNvPr id="18" name="Oval 17">
+            <a:extLst>
+              <a:ext uri="{FF2B5EF4-FFF2-40B4-BE49-F238E27FC236}">
+                <a16:creationId xmlns:a16="http://schemas.microsoft.com/office/drawing/2014/main" id="{A9FFC33E-EB89-4276-AAD3-A14E4AA19ECA}"/>
+              </a:ext>
+            </a:extLst>
+          </p:cNvPr>
+          <p:cNvSpPr/>
+          <p:nvPr/>
+        </p:nvSpPr>
+        <p:spPr>
+          <a:xfrm>
+            <a:off x="7413768" y="3095537"/>
+            <a:ext cx="276836" cy="276836"/>
+          </a:xfrm>
+          <a:prstGeom prst="ellipse">
+            <a:avLst/>
+          </a:prstGeom>
+        </p:spPr>
+        <p:style>
+          <a:lnRef idx="2">
+            <a:schemeClr val="dk1">
+              <a:shade val="50000"/>
+            </a:schemeClr>
+          </a:lnRef>
+          <a:fillRef idx="1">
+            <a:schemeClr val="dk1"/>
+          </a:fillRef>
+          <a:effectRef idx="0">
+            <a:schemeClr val="dk1"/>
+          </a:effectRef>
+          <a:fontRef idx="minor">
+            <a:schemeClr val="lt1"/>
+          </a:fontRef>
+        </p:style>
+        <p:txBody>
+          <a:bodyPr rtlCol="0" anchor="ctr"/>
+          <a:lstStyle/>
+          <a:p>
+            <a:pPr algn="ctr"/>
+            <a:endParaRPr lang="en-PH"/>
+          </a:p>
+        </p:txBody>
+      </p:sp>
+      <p:sp>
+        <p:nvSpPr>
+          <p:cNvPr id="19" name="Isosceles Triangle 18">
+            <a:extLst>
+              <a:ext uri="{FF2B5EF4-FFF2-40B4-BE49-F238E27FC236}">
+                <a16:creationId xmlns:a16="http://schemas.microsoft.com/office/drawing/2014/main" id="{782255AA-9C76-4AC4-BFFC-F9C480A3DC75}"/>
+              </a:ext>
+            </a:extLst>
+          </p:cNvPr>
+          <p:cNvSpPr/>
+          <p:nvPr/>
+        </p:nvSpPr>
+        <p:spPr>
+          <a:xfrm rot="8179389">
+            <a:off x="4518863" y="1925751"/>
+            <a:ext cx="360726" cy="478174"/>
+          </a:xfrm>
+          <a:prstGeom prst="triangle">
+            <a:avLst/>
+          </a:prstGeom>
+        </p:spPr>
+        <p:style>
+          <a:lnRef idx="2">
+            <a:schemeClr val="dk1">
+              <a:shade val="50000"/>
+            </a:schemeClr>
+          </a:lnRef>
+          <a:fillRef idx="1">
+            <a:schemeClr val="dk1"/>
+          </a:fillRef>
+          <a:effectRef idx="0">
+            <a:schemeClr val="dk1"/>
+          </a:effectRef>
+          <a:fontRef idx="minor">
+            <a:schemeClr val="lt1"/>
+          </a:fontRef>
+        </p:style>
+        <p:txBody>
+          <a:bodyPr rtlCol="0" anchor="ctr"/>
+          <a:lstStyle/>
+          <a:p>
+            <a:pPr algn="ctr"/>
+            <a:endParaRPr lang="en-PH"/>
+          </a:p>
+        </p:txBody>
+      </p:sp>
+      <p:sp>
+        <p:nvSpPr>
+          <p:cNvPr id="20" name="Isosceles Triangle 19">
+            <a:extLst>
+              <a:ext uri="{FF2B5EF4-FFF2-40B4-BE49-F238E27FC236}">
+                <a16:creationId xmlns:a16="http://schemas.microsoft.com/office/drawing/2014/main" id="{9AD8BFE2-25C6-45D8-8B60-11B70592F15F}"/>
+              </a:ext>
+            </a:extLst>
+          </p:cNvPr>
+          <p:cNvSpPr/>
+          <p:nvPr/>
+        </p:nvSpPr>
+        <p:spPr>
+          <a:xfrm rot="2374060">
+            <a:off x="7943611" y="2238426"/>
+            <a:ext cx="360726" cy="478174"/>
+          </a:xfrm>
+          <a:prstGeom prst="triangle">
+            <a:avLst/>
+          </a:prstGeom>
+        </p:spPr>
+        <p:style>
+          <a:lnRef idx="2">
+            <a:schemeClr val="dk1">
+              <a:shade val="50000"/>
+            </a:schemeClr>
+          </a:lnRef>
+          <a:fillRef idx="1">
+            <a:schemeClr val="dk1"/>
+          </a:fillRef>
+          <a:effectRef idx="0">
+            <a:schemeClr val="dk1"/>
+          </a:effectRef>
+          <a:fontRef idx="minor">
+            <a:schemeClr val="lt1"/>
+          </a:fontRef>
+        </p:style>
+        <p:txBody>
+          <a:bodyPr rtlCol="0" anchor="ctr"/>
+          <a:lstStyle/>
+          <a:p>
+            <a:pPr algn="ctr"/>
+            <a:endParaRPr lang="en-PH"/>
+          </a:p>
+        </p:txBody>
+      </p:sp>
+      <p:sp>
+        <p:nvSpPr>
+          <p:cNvPr id="21" name="Isosceles Triangle 20">
+            <a:extLst>
+              <a:ext uri="{FF2B5EF4-FFF2-40B4-BE49-F238E27FC236}">
+                <a16:creationId xmlns:a16="http://schemas.microsoft.com/office/drawing/2014/main" id="{207C825B-6DA2-46B0-AC2F-5D52DFC2DDDC}"/>
+              </a:ext>
+            </a:extLst>
+          </p:cNvPr>
+          <p:cNvSpPr/>
+          <p:nvPr/>
+        </p:nvSpPr>
+        <p:spPr>
+          <a:xfrm rot="12868183">
+            <a:off x="4819650" y="3652380"/>
+            <a:ext cx="360726" cy="478174"/>
+          </a:xfrm>
+          <a:prstGeom prst="triangle">
+            <a:avLst/>
+          </a:prstGeom>
+        </p:spPr>
+        <p:style>
+          <a:lnRef idx="2">
+            <a:schemeClr val="dk1">
+              <a:shade val="50000"/>
+            </a:schemeClr>
+          </a:lnRef>
+          <a:fillRef idx="1">
+            <a:schemeClr val="dk1"/>
+          </a:fillRef>
+          <a:effectRef idx="0">
+            <a:schemeClr val="dk1"/>
+          </a:effectRef>
+          <a:fontRef idx="minor">
+            <a:schemeClr val="lt1"/>
+          </a:fontRef>
+        </p:style>
+        <p:txBody>
+          <a:bodyPr rtlCol="0" anchor="ctr"/>
+          <a:lstStyle/>
+          <a:p>
+            <a:pPr algn="ctr"/>
+            <a:endParaRPr lang="en-PH"/>
+          </a:p>
+        </p:txBody>
+      </p:sp>
+      <p:sp>
+        <p:nvSpPr>
+          <p:cNvPr id="23" name="Isosceles Triangle 22">
+            <a:extLst>
+              <a:ext uri="{FF2B5EF4-FFF2-40B4-BE49-F238E27FC236}">
+                <a16:creationId xmlns:a16="http://schemas.microsoft.com/office/drawing/2014/main" id="{1237730E-1F54-4AA1-98FB-FC7C3D63D7CA}"/>
+              </a:ext>
+            </a:extLst>
+          </p:cNvPr>
+          <p:cNvSpPr/>
+          <p:nvPr/>
+        </p:nvSpPr>
+        <p:spPr>
+          <a:xfrm rot="19227929">
+            <a:off x="8065270" y="3791587"/>
+            <a:ext cx="360726" cy="478174"/>
+          </a:xfrm>
+          <a:prstGeom prst="triangle">
+            <a:avLst/>
+          </a:prstGeom>
+        </p:spPr>
+        <p:style>
+          <a:lnRef idx="2">
+            <a:schemeClr val="dk1">
+              <a:shade val="50000"/>
+            </a:schemeClr>
+          </a:lnRef>
+          <a:fillRef idx="1">
+            <a:schemeClr val="dk1"/>
+          </a:fillRef>
+          <a:effectRef idx="0">
+            <a:schemeClr val="dk1"/>
+          </a:effectRef>
+          <a:fontRef idx="minor">
+            <a:schemeClr val="lt1"/>
+          </a:fontRef>
+        </p:style>
+        <p:txBody>
+          <a:bodyPr rtlCol="0" anchor="ctr"/>
+          <a:lstStyle/>
+          <a:p>
+            <a:pPr algn="ctr"/>
+            <a:endParaRPr lang="en-PH"/>
+          </a:p>
+        </p:txBody>
+      </p:sp>
+      <mc:AlternateContent xmlns:mc="http://schemas.openxmlformats.org/markup-compatibility/2006">
+        <mc:Choice xmlns:a14="http://schemas.microsoft.com/office/drawing/2010/main" Requires="a14">
+          <p:sp>
+            <p:nvSpPr>
+              <p:cNvPr id="2" name="TextBox 1">
+                <a:extLst>
+                  <a:ext uri="{FF2B5EF4-FFF2-40B4-BE49-F238E27FC236}">
+                    <a16:creationId xmlns:a16="http://schemas.microsoft.com/office/drawing/2014/main" id="{42617DA8-C274-4923-9987-5792ABE96507}"/>
+                  </a:ext>
+                </a:extLst>
+              </p:cNvPr>
+              <p:cNvSpPr txBox="1"/>
+              <p:nvPr/>
+            </p:nvSpPr>
+            <p:spPr>
+              <a:xfrm>
+                <a:off x="4857699" y="1786476"/>
+                <a:ext cx="606320" cy="646331"/>
+              </a:xfrm>
+              <a:prstGeom prst="rect">
+                <a:avLst/>
+              </a:prstGeom>
+              <a:noFill/>
+            </p:spPr>
+            <p:txBody>
+              <a:bodyPr wrap="none" rtlCol="0">
+                <a:spAutoFit/>
+              </a:bodyPr>
+              <a:lstStyle/>
+              <a:p>
+                <a:pPr/>
+                <a14:m>
+                  <m:oMathPara xmlns:m="http://schemas.openxmlformats.org/officeDocument/2006/math">
+                    <m:oMathParaPr>
+                      <m:jc m:val="centerGroup"/>
+                    </m:oMathParaPr>
+                    <m:oMath xmlns:m="http://schemas.openxmlformats.org/officeDocument/2006/math">
+                      <m:sSub>
+                        <m:sSubPr>
+                          <m:ctrlPr>
+                            <a:rPr lang="en-PH" b="0" i="1" smtClean="0">
+                              <a:latin typeface="Cambria Math" panose="02040503050406030204" pitchFamily="18" charset="0"/>
+                            </a:rPr>
+                          </m:ctrlPr>
+                        </m:sSubPr>
+                        <m:e>
+                          <m:r>
+                            <a:rPr lang="en-PH" b="0" i="1" smtClean="0">
+                              <a:latin typeface="Cambria Math" panose="02040503050406030204" pitchFamily="18" charset="0"/>
+                            </a:rPr>
+                            <m:t>𝑝</m:t>
+                          </m:r>
+                        </m:e>
+                        <m:sub>
+                          <m:r>
+                            <a:rPr lang="en-PH" b="0" i="1" smtClean="0">
+                              <a:latin typeface="Cambria Math" panose="02040503050406030204" pitchFamily="18" charset="0"/>
+                            </a:rPr>
+                            <m:t>1</m:t>
+                          </m:r>
+                        </m:sub>
+                      </m:sSub>
+                    </m:oMath>
+                  </m:oMathPara>
+                </a14:m>
+                <a:endParaRPr lang="en-PH" b="0" dirty="0"/>
+              </a:p>
+              <a:p>
+                <a:endParaRPr lang="en-PH" dirty="0"/>
+              </a:p>
+            </p:txBody>
+          </p:sp>
+        </mc:Choice>
+        <mc:Fallback>
+          <p:sp>
+            <p:nvSpPr>
+              <p:cNvPr id="2" name="TextBox 1">
+                <a:extLst>
+                  <a:ext uri="{FF2B5EF4-FFF2-40B4-BE49-F238E27FC236}">
+                    <a16:creationId xmlns:a16="http://schemas.microsoft.com/office/drawing/2014/main" id="{42617DA8-C274-4923-9987-5792ABE96507}"/>
+                  </a:ext>
+                </a:extLst>
+              </p:cNvPr>
+              <p:cNvSpPr txBox="1">
+                <a:spLocks noRot="1" noChangeAspect="1" noMove="1" noResize="1" noEditPoints="1" noAdjustHandles="1" noChangeArrowheads="1" noChangeShapeType="1" noTextEdit="1"/>
+              </p:cNvSpPr>
+              <p:nvPr/>
+            </p:nvSpPr>
+            <p:spPr>
+              <a:xfrm>
+                <a:off x="4857699" y="1786476"/>
+                <a:ext cx="606320" cy="646331"/>
+              </a:xfrm>
+              <a:prstGeom prst="rect">
+                <a:avLst/>
+              </a:prstGeom>
+              <a:blipFill>
+                <a:blip r:embed="rId6"/>
+                <a:stretch>
+                  <a:fillRect/>
+                </a:stretch>
+              </a:blipFill>
+            </p:spPr>
+            <p:txBody>
+              <a:bodyPr/>
+              <a:lstStyle/>
+              <a:p>
+                <a:r>
+                  <a:rPr lang="en-PH">
+                    <a:noFill/>
+                  </a:rPr>
+                  <a:t> </a:t>
+                </a:r>
+              </a:p>
+            </p:txBody>
+          </p:sp>
+        </mc:Fallback>
+      </mc:AlternateContent>
+      <mc:AlternateContent xmlns:mc="http://schemas.openxmlformats.org/markup-compatibility/2006">
+        <mc:Choice xmlns:a14="http://schemas.microsoft.com/office/drawing/2010/main" Requires="a14">
+          <p:sp>
+            <p:nvSpPr>
+              <p:cNvPr id="22" name="TextBox 21">
+                <a:extLst>
+                  <a:ext uri="{FF2B5EF4-FFF2-40B4-BE49-F238E27FC236}">
+                    <a16:creationId xmlns:a16="http://schemas.microsoft.com/office/drawing/2014/main" id="{1D11856D-B928-4A4A-AF5C-BB632CECE99A}"/>
+                  </a:ext>
+                </a:extLst>
+              </p:cNvPr>
+              <p:cNvSpPr txBox="1"/>
+              <p:nvPr/>
+            </p:nvSpPr>
+            <p:spPr>
+              <a:xfrm>
+                <a:off x="7492198" y="1817178"/>
+                <a:ext cx="564898" cy="646331"/>
+              </a:xfrm>
+              <a:prstGeom prst="rect">
+                <a:avLst/>
+              </a:prstGeom>
+              <a:noFill/>
+            </p:spPr>
+            <p:txBody>
+              <a:bodyPr wrap="none" rtlCol="0">
+                <a:spAutoFit/>
+              </a:bodyPr>
+              <a:lstStyle/>
+              <a:p>
+                <a:pPr/>
+                <a14:m>
+                  <m:oMathPara xmlns:m="http://schemas.openxmlformats.org/officeDocument/2006/math">
+                    <m:oMathParaPr>
+                      <m:jc m:val="centerGroup"/>
+                    </m:oMathParaPr>
+                    <m:oMath xmlns:m="http://schemas.openxmlformats.org/officeDocument/2006/math">
+                      <m:sSub>
+                        <m:sSubPr>
+                          <m:ctrlPr>
+                            <a:rPr lang="en-PH" b="0" i="1" smtClean="0">
+                              <a:latin typeface="Cambria Math" panose="02040503050406030204" pitchFamily="18" charset="0"/>
+                            </a:rPr>
+                          </m:ctrlPr>
+                        </m:sSubPr>
+                        <m:e>
+                          <m:r>
+                            <a:rPr lang="en-PH" b="0" i="1" smtClean="0">
+                              <a:latin typeface="Cambria Math" panose="02040503050406030204" pitchFamily="18" charset="0"/>
+                            </a:rPr>
+                            <m:t>𝑝</m:t>
+                          </m:r>
+                        </m:e>
+                        <m:sub>
+                          <m:r>
+                            <a:rPr lang="en-PH" b="0" i="1" smtClean="0">
+                              <a:latin typeface="Cambria Math" panose="02040503050406030204" pitchFamily="18" charset="0"/>
+                            </a:rPr>
+                            <m:t>3</m:t>
+                          </m:r>
+                        </m:sub>
+                      </m:sSub>
+                    </m:oMath>
+                  </m:oMathPara>
+                </a14:m>
+                <a:endParaRPr lang="en-PH" b="0" dirty="0"/>
+              </a:p>
+              <a:p>
+                <a:endParaRPr lang="en-PH" dirty="0"/>
+              </a:p>
+            </p:txBody>
+          </p:sp>
+        </mc:Choice>
+        <mc:Fallback>
+          <p:sp>
+            <p:nvSpPr>
+              <p:cNvPr id="22" name="TextBox 21">
+                <a:extLst>
+                  <a:ext uri="{FF2B5EF4-FFF2-40B4-BE49-F238E27FC236}">
+                    <a16:creationId xmlns:a16="http://schemas.microsoft.com/office/drawing/2014/main" id="{1D11856D-B928-4A4A-AF5C-BB632CECE99A}"/>
+                  </a:ext>
+                </a:extLst>
+              </p:cNvPr>
+              <p:cNvSpPr txBox="1">
+                <a:spLocks noRot="1" noChangeAspect="1" noMove="1" noResize="1" noEditPoints="1" noAdjustHandles="1" noChangeArrowheads="1" noChangeShapeType="1" noTextEdit="1"/>
+              </p:cNvSpPr>
+              <p:nvPr/>
+            </p:nvSpPr>
+            <p:spPr>
+              <a:xfrm>
+                <a:off x="7492198" y="1817178"/>
+                <a:ext cx="564898" cy="646331"/>
+              </a:xfrm>
+              <a:prstGeom prst="rect">
+                <a:avLst/>
+              </a:prstGeom>
+              <a:blipFill>
+                <a:blip r:embed="rId7"/>
+                <a:stretch>
+                  <a:fillRect/>
+                </a:stretch>
+              </a:blipFill>
+            </p:spPr>
+            <p:txBody>
+              <a:bodyPr/>
+              <a:lstStyle/>
+              <a:p>
+                <a:r>
+                  <a:rPr lang="en-PH">
+                    <a:noFill/>
+                  </a:rPr>
+                  <a:t> </a:t>
+                </a:r>
+              </a:p>
+            </p:txBody>
+          </p:sp>
+        </mc:Fallback>
+      </mc:AlternateContent>
+      <mc:AlternateContent xmlns:mc="http://schemas.openxmlformats.org/markup-compatibility/2006">
+        <mc:Choice xmlns:a14="http://schemas.microsoft.com/office/drawing/2010/main" Requires="a14">
+          <p:sp>
+            <p:nvSpPr>
+              <p:cNvPr id="24" name="TextBox 23">
+                <a:extLst>
+                  <a:ext uri="{FF2B5EF4-FFF2-40B4-BE49-F238E27FC236}">
+                    <a16:creationId xmlns:a16="http://schemas.microsoft.com/office/drawing/2014/main" id="{04DD67E0-0435-46E2-A0A4-709237C39944}"/>
+                  </a:ext>
+                </a:extLst>
+              </p:cNvPr>
+              <p:cNvSpPr txBox="1"/>
+              <p:nvPr/>
+            </p:nvSpPr>
+            <p:spPr>
+              <a:xfrm>
+                <a:off x="4835802" y="4312467"/>
+                <a:ext cx="564898" cy="646331"/>
+              </a:xfrm>
+              <a:prstGeom prst="rect">
+                <a:avLst/>
+              </a:prstGeom>
+              <a:noFill/>
+            </p:spPr>
+            <p:txBody>
+              <a:bodyPr wrap="none" rtlCol="0">
+                <a:spAutoFit/>
+              </a:bodyPr>
+              <a:lstStyle/>
+              <a:p>
+                <a:pPr/>
+                <a14:m>
+                  <m:oMathPara xmlns:m="http://schemas.openxmlformats.org/officeDocument/2006/math">
+                    <m:oMathParaPr>
+                      <m:jc m:val="centerGroup"/>
+                    </m:oMathParaPr>
+                    <m:oMath xmlns:m="http://schemas.openxmlformats.org/officeDocument/2006/math">
+                      <m:sSub>
+                        <m:sSubPr>
+                          <m:ctrlPr>
+                            <a:rPr lang="en-PH" b="0" i="1" smtClean="0">
+                              <a:latin typeface="Cambria Math" panose="02040503050406030204" pitchFamily="18" charset="0"/>
+                            </a:rPr>
+                          </m:ctrlPr>
+                        </m:sSubPr>
+                        <m:e>
+                          <m:r>
+                            <a:rPr lang="en-PH" b="0" i="1" smtClean="0">
+                              <a:latin typeface="Cambria Math" panose="02040503050406030204" pitchFamily="18" charset="0"/>
+                            </a:rPr>
+                            <m:t>𝑝</m:t>
+                          </m:r>
+                        </m:e>
+                        <m:sub>
+                          <m:r>
+                            <a:rPr lang="en-PH" b="0" i="1" smtClean="0">
+                              <a:latin typeface="Cambria Math" panose="02040503050406030204" pitchFamily="18" charset="0"/>
+                            </a:rPr>
+                            <m:t>2</m:t>
+                          </m:r>
+                        </m:sub>
+                      </m:sSub>
+                    </m:oMath>
+                  </m:oMathPara>
+                </a14:m>
+                <a:endParaRPr lang="en-PH" b="0" dirty="0"/>
+              </a:p>
+              <a:p>
+                <a:endParaRPr lang="en-PH" dirty="0"/>
+              </a:p>
+            </p:txBody>
+          </p:sp>
+        </mc:Choice>
+        <mc:Fallback>
+          <p:sp>
+            <p:nvSpPr>
+              <p:cNvPr id="24" name="TextBox 23">
+                <a:extLst>
+                  <a:ext uri="{FF2B5EF4-FFF2-40B4-BE49-F238E27FC236}">
+                    <a16:creationId xmlns:a16="http://schemas.microsoft.com/office/drawing/2014/main" id="{04DD67E0-0435-46E2-A0A4-709237C39944}"/>
+                  </a:ext>
+                </a:extLst>
+              </p:cNvPr>
+              <p:cNvSpPr txBox="1">
+                <a:spLocks noRot="1" noChangeAspect="1" noMove="1" noResize="1" noEditPoints="1" noAdjustHandles="1" noChangeArrowheads="1" noChangeShapeType="1" noTextEdit="1"/>
+              </p:cNvSpPr>
+              <p:nvPr/>
+            </p:nvSpPr>
+            <p:spPr>
+              <a:xfrm>
+                <a:off x="4835802" y="4312467"/>
+                <a:ext cx="564898" cy="646331"/>
+              </a:xfrm>
+              <a:prstGeom prst="rect">
+                <a:avLst/>
+              </a:prstGeom>
+              <a:blipFill>
+                <a:blip r:embed="rId8"/>
+                <a:stretch>
+                  <a:fillRect/>
+                </a:stretch>
+              </a:blipFill>
+            </p:spPr>
+            <p:txBody>
+              <a:bodyPr/>
+              <a:lstStyle/>
+              <a:p>
+                <a:r>
+                  <a:rPr lang="en-PH">
+                    <a:noFill/>
+                  </a:rPr>
+                  <a:t> </a:t>
+                </a:r>
+              </a:p>
+            </p:txBody>
+          </p:sp>
+        </mc:Fallback>
+      </mc:AlternateContent>
+      <mc:AlternateContent xmlns:mc="http://schemas.openxmlformats.org/markup-compatibility/2006">
+        <mc:Choice xmlns:a14="http://schemas.microsoft.com/office/drawing/2010/main" Requires="a14">
+          <p:sp>
+            <p:nvSpPr>
+              <p:cNvPr id="25" name="TextBox 24">
+                <a:extLst>
+                  <a:ext uri="{FF2B5EF4-FFF2-40B4-BE49-F238E27FC236}">
+                    <a16:creationId xmlns:a16="http://schemas.microsoft.com/office/drawing/2014/main" id="{6E6D2518-EC3D-430E-9762-056166412C44}"/>
+                  </a:ext>
+                </a:extLst>
+              </p:cNvPr>
+              <p:cNvSpPr txBox="1"/>
+              <p:nvPr/>
+            </p:nvSpPr>
+            <p:spPr>
+              <a:xfrm>
+                <a:off x="7956996" y="4330152"/>
+                <a:ext cx="564001" cy="646331"/>
+              </a:xfrm>
+              <a:prstGeom prst="rect">
+                <a:avLst/>
+              </a:prstGeom>
+              <a:noFill/>
+            </p:spPr>
+            <p:txBody>
+              <a:bodyPr wrap="none" rtlCol="0">
+                <a:spAutoFit/>
+              </a:bodyPr>
+              <a:lstStyle/>
+              <a:p>
+                <a:pPr/>
+                <a14:m>
+                  <m:oMathPara xmlns:m="http://schemas.openxmlformats.org/officeDocument/2006/math">
+                    <m:oMathParaPr>
+                      <m:jc m:val="centerGroup"/>
+                    </m:oMathParaPr>
+                    <m:oMath xmlns:m="http://schemas.openxmlformats.org/officeDocument/2006/math">
+                      <m:sSub>
+                        <m:sSubPr>
+                          <m:ctrlPr>
+                            <a:rPr lang="en-PH" b="0" i="1" smtClean="0">
+                              <a:latin typeface="Cambria Math" panose="02040503050406030204" pitchFamily="18" charset="0"/>
+                            </a:rPr>
+                          </m:ctrlPr>
+                        </m:sSubPr>
+                        <m:e>
+                          <m:r>
+                            <a:rPr lang="en-PH" b="0" i="1" smtClean="0">
+                              <a:latin typeface="Cambria Math" panose="02040503050406030204" pitchFamily="18" charset="0"/>
+                            </a:rPr>
+                            <m:t>𝑝</m:t>
+                          </m:r>
+                        </m:e>
+                        <m:sub>
+                          <m:r>
+                            <a:rPr lang="en-PH" b="0" i="1" smtClean="0">
+                              <a:latin typeface="Cambria Math" panose="02040503050406030204" pitchFamily="18" charset="0"/>
+                            </a:rPr>
+                            <m:t>4</m:t>
+                          </m:r>
+                        </m:sub>
+                      </m:sSub>
+                    </m:oMath>
+                  </m:oMathPara>
+                </a14:m>
+                <a:endParaRPr lang="en-PH" b="0" dirty="0"/>
+              </a:p>
+              <a:p>
+                <a:endParaRPr lang="en-PH" dirty="0"/>
+              </a:p>
+            </p:txBody>
+          </p:sp>
+        </mc:Choice>
+        <mc:Fallback>
+          <p:sp>
+            <p:nvSpPr>
+              <p:cNvPr id="25" name="TextBox 24">
+                <a:extLst>
+                  <a:ext uri="{FF2B5EF4-FFF2-40B4-BE49-F238E27FC236}">
+                    <a16:creationId xmlns:a16="http://schemas.microsoft.com/office/drawing/2014/main" id="{6E6D2518-EC3D-430E-9762-056166412C44}"/>
+                  </a:ext>
+                </a:extLst>
+              </p:cNvPr>
+              <p:cNvSpPr txBox="1">
+                <a:spLocks noRot="1" noChangeAspect="1" noMove="1" noResize="1" noEditPoints="1" noAdjustHandles="1" noChangeArrowheads="1" noChangeShapeType="1" noTextEdit="1"/>
+              </p:cNvSpPr>
+              <p:nvPr/>
+            </p:nvSpPr>
+            <p:spPr>
+              <a:xfrm>
+                <a:off x="7956996" y="4330152"/>
+                <a:ext cx="564001" cy="646331"/>
+              </a:xfrm>
+              <a:prstGeom prst="rect">
+                <a:avLst/>
+              </a:prstGeom>
+              <a:blipFill>
+                <a:blip r:embed="rId9"/>
+                <a:stretch>
+                  <a:fillRect/>
+                </a:stretch>
+              </a:blipFill>
+            </p:spPr>
+            <p:txBody>
+              <a:bodyPr/>
+              <a:lstStyle/>
+              <a:p>
+                <a:r>
+                  <a:rPr lang="en-PH">
+                    <a:noFill/>
+                  </a:rPr>
+                  <a:t> </a:t>
+                </a:r>
+              </a:p>
+            </p:txBody>
+          </p:sp>
+        </mc:Fallback>
+      </mc:AlternateContent>
+      <p:sp>
+        <p:nvSpPr>
+          <p:cNvPr id="4" name="TextBox 3">
+            <a:extLst>
+              <a:ext uri="{FF2B5EF4-FFF2-40B4-BE49-F238E27FC236}">
+                <a16:creationId xmlns:a16="http://schemas.microsoft.com/office/drawing/2014/main" id="{BA3A8356-0C11-47FD-8D51-A29570A838C4}"/>
+              </a:ext>
+            </a:extLst>
+          </p:cNvPr>
+          <p:cNvSpPr txBox="1"/>
+          <p:nvPr/>
+        </p:nvSpPr>
+        <p:spPr>
+          <a:xfrm>
+            <a:off x="10379618" y="877746"/>
+            <a:ext cx="1761508" cy="1200329"/>
+          </a:xfrm>
+          <a:prstGeom prst="rect">
+            <a:avLst/>
+          </a:prstGeom>
+          <a:noFill/>
+        </p:spPr>
+        <p:txBody>
+          <a:bodyPr wrap="none" rtlCol="0">
+            <a:spAutoFit/>
+          </a:bodyPr>
+          <a:lstStyle/>
+          <a:p>
+            <a:r>
+              <a:rPr lang="en-PH" dirty="0"/>
+              <a:t>s-channel</a:t>
+            </a:r>
+          </a:p>
+          <a:p>
+            <a:r>
+              <a:rPr lang="en-PH" dirty="0"/>
+              <a:t>annihilation and </a:t>
+            </a:r>
+          </a:p>
+          <a:p>
+            <a:r>
+              <a:rPr lang="en-PH" dirty="0"/>
+              <a:t>creating</a:t>
+            </a:r>
+          </a:p>
+          <a:p>
+            <a:endParaRPr lang="en-PH" dirty="0"/>
+          </a:p>
+        </p:txBody>
+      </p:sp>
+      <mc:AlternateContent xmlns:mc="http://schemas.openxmlformats.org/markup-compatibility/2006">
+        <mc:Choice xmlns:a14="http://schemas.microsoft.com/office/drawing/2010/main" Requires="a14">
+          <p:sp>
+            <p:nvSpPr>
+              <p:cNvPr id="28" name="Subtitle 2">
+                <a:extLst>
+                  <a:ext uri="{FF2B5EF4-FFF2-40B4-BE49-F238E27FC236}">
+                    <a16:creationId xmlns:a16="http://schemas.microsoft.com/office/drawing/2014/main" id="{FADFC5EC-B526-4E43-BE4E-420A99AB904A}"/>
+                  </a:ext>
+                </a:extLst>
+              </p:cNvPr>
+              <p:cNvSpPr txBox="1">
+                <a:spLocks/>
+              </p:cNvSpPr>
+              <p:nvPr/>
+            </p:nvSpPr>
+            <p:spPr>
+              <a:xfrm>
+                <a:off x="5710928" y="2582792"/>
+                <a:ext cx="1227589" cy="483401"/>
+              </a:xfrm>
+              <a:prstGeom prst="rect">
+                <a:avLst/>
+              </a:prstGeom>
+            </p:spPr>
+            <p:txBody>
+              <a:bodyPr vert="horz" lIns="91440" tIns="45720" rIns="91440" bIns="45720" rtlCol="0">
+                <a:normAutofit/>
+              </a:bodyPr>
+              <a:lstStyle>
+                <a:lvl1pPr marL="0" indent="0" algn="ctr" defTabSz="914400" rtl="0" eaLnBrk="1" latinLnBrk="0" hangingPunct="1">
+                  <a:lnSpc>
+                    <a:spcPct val="90000"/>
+                  </a:lnSpc>
+                  <a:spcBef>
+                    <a:spcPts val="1000"/>
+                  </a:spcBef>
+                  <a:buFont typeface="Arial" panose="020B0604020202020204" pitchFamily="34" charset="0"/>
+                  <a:buNone/>
+                  <a:defRPr sz="2400" kern="1200">
+                    <a:solidFill>
+                      <a:schemeClr val="tx1"/>
+                    </a:solidFill>
+                    <a:latin typeface="+mn-lt"/>
+                    <a:ea typeface="+mn-ea"/>
+                    <a:cs typeface="+mn-cs"/>
+                  </a:defRPr>
+                </a:lvl1pPr>
+                <a:lvl2pPr marL="457200" indent="0" algn="ctr" defTabSz="914400" rtl="0" eaLnBrk="1" latinLnBrk="0" hangingPunct="1">
+                  <a:lnSpc>
+                    <a:spcPct val="90000"/>
+                  </a:lnSpc>
+                  <a:spcBef>
+                    <a:spcPts val="500"/>
+                  </a:spcBef>
+                  <a:buFont typeface="Arial" panose="020B0604020202020204" pitchFamily="34" charset="0"/>
+                  <a:buNone/>
+                  <a:defRPr sz="2000" kern="1200">
+                    <a:solidFill>
+                      <a:schemeClr val="tx1"/>
+                    </a:solidFill>
+                    <a:latin typeface="+mn-lt"/>
+                    <a:ea typeface="+mn-ea"/>
+                    <a:cs typeface="+mn-cs"/>
+                  </a:defRPr>
+                </a:lvl2pPr>
+                <a:lvl3pPr marL="914400" indent="0" algn="ctr" defTabSz="914400" rtl="0" eaLnBrk="1" latinLnBrk="0" hangingPunct="1">
+                  <a:lnSpc>
+                    <a:spcPct val="90000"/>
+                  </a:lnSpc>
+                  <a:spcBef>
+                    <a:spcPts val="500"/>
+                  </a:spcBef>
+                  <a:buFont typeface="Arial" panose="020B0604020202020204" pitchFamily="34" charset="0"/>
+                  <a:buNone/>
+                  <a:defRPr sz="1800" kern="1200">
+                    <a:solidFill>
+                      <a:schemeClr val="tx1"/>
+                    </a:solidFill>
+                    <a:latin typeface="+mn-lt"/>
+                    <a:ea typeface="+mn-ea"/>
+                    <a:cs typeface="+mn-cs"/>
+                  </a:defRPr>
+                </a:lvl3pPr>
+                <a:lvl4pPr marL="1371600" indent="0" algn="ctr" defTabSz="914400" rtl="0" eaLnBrk="1" latinLnBrk="0" hangingPunct="1">
+                  <a:lnSpc>
+                    <a:spcPct val="90000"/>
+                  </a:lnSpc>
+                  <a:spcBef>
+                    <a:spcPts val="500"/>
+                  </a:spcBef>
+                  <a:buFont typeface="Arial" panose="020B0604020202020204" pitchFamily="34" charset="0"/>
+                  <a:buNone/>
+                  <a:defRPr sz="1600" kern="1200">
+                    <a:solidFill>
+                      <a:schemeClr val="tx1"/>
+                    </a:solidFill>
+                    <a:latin typeface="+mn-lt"/>
+                    <a:ea typeface="+mn-ea"/>
+                    <a:cs typeface="+mn-cs"/>
+                  </a:defRPr>
+                </a:lvl4pPr>
+                <a:lvl5pPr marL="1828800" indent="0" algn="ctr" defTabSz="914400" rtl="0" eaLnBrk="1" latinLnBrk="0" hangingPunct="1">
+                  <a:lnSpc>
+                    <a:spcPct val="90000"/>
+                  </a:lnSpc>
+                  <a:spcBef>
+                    <a:spcPts val="500"/>
+                  </a:spcBef>
+                  <a:buFont typeface="Arial" panose="020B0604020202020204" pitchFamily="34" charset="0"/>
+                  <a:buNone/>
+                  <a:defRPr sz="1600" kern="1200">
+                    <a:solidFill>
+                      <a:schemeClr val="tx1"/>
+                    </a:solidFill>
+                    <a:latin typeface="+mn-lt"/>
+                    <a:ea typeface="+mn-ea"/>
+                    <a:cs typeface="+mn-cs"/>
+                  </a:defRPr>
+                </a:lvl5pPr>
+                <a:lvl6pPr marL="2286000" indent="0" algn="ctr" defTabSz="914400" rtl="0" eaLnBrk="1" latinLnBrk="0" hangingPunct="1">
+                  <a:lnSpc>
+                    <a:spcPct val="90000"/>
+                  </a:lnSpc>
+                  <a:spcBef>
+                    <a:spcPts val="500"/>
+                  </a:spcBef>
+                  <a:buFont typeface="Arial" panose="020B0604020202020204" pitchFamily="34" charset="0"/>
+                  <a:buNone/>
+                  <a:defRPr sz="1600" kern="1200">
+                    <a:solidFill>
+                      <a:schemeClr val="tx1"/>
+                    </a:solidFill>
+                    <a:latin typeface="+mn-lt"/>
+                    <a:ea typeface="+mn-ea"/>
+                    <a:cs typeface="+mn-cs"/>
+                  </a:defRPr>
+                </a:lvl6pPr>
+                <a:lvl7pPr marL="2743200" indent="0" algn="ctr" defTabSz="914400" rtl="0" eaLnBrk="1" latinLnBrk="0" hangingPunct="1">
+                  <a:lnSpc>
+                    <a:spcPct val="90000"/>
+                  </a:lnSpc>
+                  <a:spcBef>
+                    <a:spcPts val="500"/>
+                  </a:spcBef>
+                  <a:buFont typeface="Arial" panose="020B0604020202020204" pitchFamily="34" charset="0"/>
+                  <a:buNone/>
+                  <a:defRPr sz="1600" kern="1200">
+                    <a:solidFill>
+                      <a:schemeClr val="tx1"/>
+                    </a:solidFill>
+                    <a:latin typeface="+mn-lt"/>
+                    <a:ea typeface="+mn-ea"/>
+                    <a:cs typeface="+mn-cs"/>
+                  </a:defRPr>
+                </a:lvl7pPr>
+                <a:lvl8pPr marL="3200400" indent="0" algn="ctr" defTabSz="914400" rtl="0" eaLnBrk="1" latinLnBrk="0" hangingPunct="1">
+                  <a:lnSpc>
+                    <a:spcPct val="90000"/>
+                  </a:lnSpc>
+                  <a:spcBef>
+                    <a:spcPts val="500"/>
+                  </a:spcBef>
+                  <a:buFont typeface="Arial" panose="020B0604020202020204" pitchFamily="34" charset="0"/>
+                  <a:buNone/>
+                  <a:defRPr sz="1600" kern="1200">
+                    <a:solidFill>
+                      <a:schemeClr val="tx1"/>
+                    </a:solidFill>
+                    <a:latin typeface="+mn-lt"/>
+                    <a:ea typeface="+mn-ea"/>
+                    <a:cs typeface="+mn-cs"/>
+                  </a:defRPr>
+                </a:lvl8pPr>
+                <a:lvl9pPr marL="3657600" indent="0" algn="ctr" defTabSz="914400" rtl="0" eaLnBrk="1" latinLnBrk="0" hangingPunct="1">
+                  <a:lnSpc>
+                    <a:spcPct val="90000"/>
+                  </a:lnSpc>
+                  <a:spcBef>
+                    <a:spcPts val="500"/>
+                  </a:spcBef>
+                  <a:buFont typeface="Arial" panose="020B0604020202020204" pitchFamily="34" charset="0"/>
+                  <a:buNone/>
+                  <a:defRPr sz="1600" kern="1200">
+                    <a:solidFill>
+                      <a:schemeClr val="tx1"/>
+                    </a:solidFill>
+                    <a:latin typeface="+mn-lt"/>
+                    <a:ea typeface="+mn-ea"/>
+                    <a:cs typeface="+mn-cs"/>
+                  </a:defRPr>
+                </a:lvl9pPr>
+              </a:lstStyle>
+              <a:p>
+                <a:pPr/>
+                <a14:m>
+                  <m:oMathPara xmlns:m="http://schemas.openxmlformats.org/officeDocument/2006/math">
+                    <m:oMathParaPr>
+                      <m:jc m:val="centerGroup"/>
+                    </m:oMathParaPr>
+                    <m:oMath xmlns:m="http://schemas.openxmlformats.org/officeDocument/2006/math">
+                      <m:r>
+                        <a:rPr lang="en-PH" i="1" smtClean="0">
+                          <a:latin typeface="Cambria Math" panose="02040503050406030204" pitchFamily="18" charset="0"/>
+                        </a:rPr>
+                        <m:t>𝛾</m:t>
+                      </m:r>
+                    </m:oMath>
+                  </m:oMathPara>
+                </a14:m>
+                <a:endParaRPr lang="en-PH" dirty="0"/>
+              </a:p>
+            </p:txBody>
+          </p:sp>
+        </mc:Choice>
+        <mc:Fallback>
+          <p:sp>
+            <p:nvSpPr>
+              <p:cNvPr id="28" name="Subtitle 2">
+                <a:extLst>
+                  <a:ext uri="{FF2B5EF4-FFF2-40B4-BE49-F238E27FC236}">
+                    <a16:creationId xmlns:a16="http://schemas.microsoft.com/office/drawing/2014/main" id="{FADFC5EC-B526-4E43-BE4E-420A99AB904A}"/>
+                  </a:ext>
+                </a:extLst>
+              </p:cNvPr>
+              <p:cNvSpPr txBox="1">
+                <a:spLocks noRot="1" noChangeAspect="1" noMove="1" noResize="1" noEditPoints="1" noAdjustHandles="1" noChangeArrowheads="1" noChangeShapeType="1" noTextEdit="1"/>
+              </p:cNvSpPr>
+              <p:nvPr/>
+            </p:nvSpPr>
+            <p:spPr>
+              <a:xfrm>
+                <a:off x="5710928" y="2582792"/>
+                <a:ext cx="1227589" cy="483401"/>
+              </a:xfrm>
+              <a:prstGeom prst="rect">
+                <a:avLst/>
+              </a:prstGeom>
+              <a:blipFill>
+                <a:blip r:embed="rId10"/>
+                <a:stretch>
+                  <a:fillRect/>
+                </a:stretch>
+              </a:blipFill>
+            </p:spPr>
+            <p:txBody>
+              <a:bodyPr/>
+              <a:lstStyle/>
+              <a:p>
+                <a:r>
+                  <a:rPr lang="en-PH">
+                    <a:noFill/>
+                  </a:rPr>
+                  <a:t> </a:t>
+                </a:r>
+              </a:p>
+            </p:txBody>
+          </p:sp>
+        </mc:Fallback>
+      </mc:AlternateContent>
+      <mc:AlternateContent xmlns:mc="http://schemas.openxmlformats.org/markup-compatibility/2006">
+        <mc:Choice xmlns:a14="http://schemas.microsoft.com/office/drawing/2010/main" Requires="a14">
+          <p:sp>
+            <p:nvSpPr>
+              <p:cNvPr id="30" name="TextBox 29">
+                <a:extLst>
+                  <a:ext uri="{FF2B5EF4-FFF2-40B4-BE49-F238E27FC236}">
+                    <a16:creationId xmlns:a16="http://schemas.microsoft.com/office/drawing/2014/main" id="{625D1D71-1E68-49DB-B3E8-B314613F71BA}"/>
+                  </a:ext>
+                </a:extLst>
+              </p:cNvPr>
+              <p:cNvSpPr txBox="1"/>
+              <p:nvPr/>
+            </p:nvSpPr>
+            <p:spPr>
+              <a:xfrm>
+                <a:off x="4907044" y="2952781"/>
+                <a:ext cx="370422" cy="369332"/>
+              </a:xfrm>
+              <a:prstGeom prst="rect">
+                <a:avLst/>
+              </a:prstGeom>
+              <a:noFill/>
+            </p:spPr>
+            <p:txBody>
+              <a:bodyPr wrap="none" rtlCol="0">
+                <a:spAutoFit/>
+              </a:bodyPr>
+              <a:lstStyle/>
+              <a:p>
+                <a:pPr/>
+                <a14:m>
+                  <m:oMathPara xmlns:m="http://schemas.openxmlformats.org/officeDocument/2006/math">
+                    <m:oMathParaPr>
+                      <m:jc m:val="centerGroup"/>
+                    </m:oMathParaPr>
+                    <m:oMath xmlns:m="http://schemas.openxmlformats.org/officeDocument/2006/math">
+                      <m:r>
+                        <a:rPr lang="en-PH" b="0" i="1" smtClean="0">
+                          <a:latin typeface="Cambria Math" panose="02040503050406030204" pitchFamily="18" charset="0"/>
+                        </a:rPr>
+                        <m:t>𝜇</m:t>
+                      </m:r>
+                    </m:oMath>
+                  </m:oMathPara>
+                </a14:m>
+                <a:endParaRPr lang="en-PH" dirty="0"/>
+              </a:p>
+            </p:txBody>
+          </p:sp>
+        </mc:Choice>
+        <mc:Fallback>
+          <p:sp>
+            <p:nvSpPr>
+              <p:cNvPr id="30" name="TextBox 29">
+                <a:extLst>
+                  <a:ext uri="{FF2B5EF4-FFF2-40B4-BE49-F238E27FC236}">
+                    <a16:creationId xmlns:a16="http://schemas.microsoft.com/office/drawing/2014/main" id="{625D1D71-1E68-49DB-B3E8-B314613F71BA}"/>
+                  </a:ext>
+                </a:extLst>
+              </p:cNvPr>
+              <p:cNvSpPr txBox="1">
+                <a:spLocks noRot="1" noChangeAspect="1" noMove="1" noResize="1" noEditPoints="1" noAdjustHandles="1" noChangeArrowheads="1" noChangeShapeType="1" noTextEdit="1"/>
+              </p:cNvSpPr>
+              <p:nvPr/>
+            </p:nvSpPr>
+            <p:spPr>
+              <a:xfrm>
+                <a:off x="4907044" y="2952781"/>
+                <a:ext cx="370422" cy="369332"/>
+              </a:xfrm>
+              <a:prstGeom prst="rect">
+                <a:avLst/>
+              </a:prstGeom>
+              <a:blipFill>
+                <a:blip r:embed="rId11"/>
+                <a:stretch>
+                  <a:fillRect b="-3279"/>
+                </a:stretch>
+              </a:blipFill>
+            </p:spPr>
+            <p:txBody>
+              <a:bodyPr/>
+              <a:lstStyle/>
+              <a:p>
+                <a:r>
+                  <a:rPr lang="en-PH">
+                    <a:noFill/>
+                  </a:rPr>
+                  <a:t> </a:t>
+                </a:r>
+              </a:p>
+            </p:txBody>
+          </p:sp>
+        </mc:Fallback>
+      </mc:AlternateContent>
+      <mc:AlternateContent xmlns:mc="http://schemas.openxmlformats.org/markup-compatibility/2006">
+        <mc:Choice xmlns:a14="http://schemas.microsoft.com/office/drawing/2010/main" Requires="a14">
+          <p:sp>
+            <p:nvSpPr>
+              <p:cNvPr id="31" name="TextBox 30">
+                <a:extLst>
+                  <a:ext uri="{FF2B5EF4-FFF2-40B4-BE49-F238E27FC236}">
+                    <a16:creationId xmlns:a16="http://schemas.microsoft.com/office/drawing/2014/main" id="{DDD620B7-278A-42F1-90D1-5C3DF68E6D0F}"/>
+                  </a:ext>
+                </a:extLst>
+              </p:cNvPr>
+              <p:cNvSpPr txBox="1"/>
+              <p:nvPr/>
+            </p:nvSpPr>
+            <p:spPr>
+              <a:xfrm>
+                <a:off x="7832641" y="3049289"/>
+                <a:ext cx="361317" cy="369332"/>
+              </a:xfrm>
+              <a:prstGeom prst="rect">
+                <a:avLst/>
+              </a:prstGeom>
+              <a:noFill/>
+            </p:spPr>
+            <p:txBody>
+              <a:bodyPr wrap="none" rtlCol="0">
+                <a:spAutoFit/>
+              </a:bodyPr>
+              <a:lstStyle/>
+              <a:p>
+                <a:pPr/>
+                <a14:m>
+                  <m:oMathPara xmlns:m="http://schemas.openxmlformats.org/officeDocument/2006/math">
+                    <m:oMathParaPr>
+                      <m:jc m:val="centerGroup"/>
+                    </m:oMathParaPr>
+                    <m:oMath xmlns:m="http://schemas.openxmlformats.org/officeDocument/2006/math">
+                      <m:r>
+                        <a:rPr lang="en-PH" b="0" i="1" smtClean="0">
+                          <a:latin typeface="Cambria Math" panose="02040503050406030204" pitchFamily="18" charset="0"/>
+                        </a:rPr>
+                        <m:t>𝜈</m:t>
+                      </m:r>
+                    </m:oMath>
+                  </m:oMathPara>
+                </a14:m>
+                <a:endParaRPr lang="en-PH" dirty="0"/>
+              </a:p>
+            </p:txBody>
+          </p:sp>
+        </mc:Choice>
+        <mc:Fallback>
+          <p:sp>
+            <p:nvSpPr>
+              <p:cNvPr id="31" name="TextBox 30">
+                <a:extLst>
+                  <a:ext uri="{FF2B5EF4-FFF2-40B4-BE49-F238E27FC236}">
+                    <a16:creationId xmlns:a16="http://schemas.microsoft.com/office/drawing/2014/main" id="{DDD620B7-278A-42F1-90D1-5C3DF68E6D0F}"/>
+                  </a:ext>
+                </a:extLst>
+              </p:cNvPr>
+              <p:cNvSpPr txBox="1">
+                <a:spLocks noRot="1" noChangeAspect="1" noMove="1" noResize="1" noEditPoints="1" noAdjustHandles="1" noChangeArrowheads="1" noChangeShapeType="1" noTextEdit="1"/>
+              </p:cNvSpPr>
+              <p:nvPr/>
+            </p:nvSpPr>
+            <p:spPr>
+              <a:xfrm>
+                <a:off x="7832641" y="3049289"/>
+                <a:ext cx="361317" cy="369332"/>
+              </a:xfrm>
+              <a:prstGeom prst="rect">
+                <a:avLst/>
+              </a:prstGeom>
+              <a:blipFill>
+                <a:blip r:embed="rId12"/>
+                <a:stretch>
+                  <a:fillRect/>
+                </a:stretch>
+              </a:blipFill>
+            </p:spPr>
+            <p:txBody>
+              <a:bodyPr/>
+              <a:lstStyle/>
+              <a:p>
+                <a:r>
+                  <a:rPr lang="en-PH">
+                    <a:noFill/>
+                  </a:rPr>
+                  <a:t> </a:t>
+                </a:r>
+              </a:p>
+            </p:txBody>
+          </p:sp>
+        </mc:Fallback>
+      </mc:AlternateContent>
+    </p:spTree>
+    <p:extLst>
+      <p:ext uri="{BB962C8B-B14F-4D97-AF65-F5344CB8AC3E}">
+        <p14:creationId xmlns:p14="http://schemas.microsoft.com/office/powerpoint/2010/main" val="4052661645"/>
+      </p:ext>
+    </p:extLst>
+  </p:cSld>
+  <p:clrMapOvr>
+    <a:masterClrMapping/>
+  </p:clrMapOvr>
+</p:sld>
+</file>
+
+<file path=ppt/slides/slide4.xml><?xml version="1.0" encoding="utf-8"?>
+<p:sld xmlns:a="http://schemas.openxmlformats.org/drawingml/2006/main" xmlns:r="http://schemas.openxmlformats.org/officeDocument/2006/relationships" xmlns:p="http://schemas.openxmlformats.org/presentationml/2006/main">
+  <p:cSld>
+    <p:spTree>
+      <p:nvGrpSpPr>
+        <p:cNvPr id="1" name=""/>
+        <p:cNvGrpSpPr/>
+        <p:nvPr/>
+      </p:nvGrpSpPr>
+      <p:grpSpPr>
+        <a:xfrm>
+          <a:off x="0" y="0"/>
+          <a:ext cx="0" cy="0"/>
+          <a:chOff x="0" y="0"/>
+          <a:chExt cx="0" cy="0"/>
+        </a:xfrm>
+      </p:grpSpPr>
+      <mc:AlternateContent xmlns:mc="http://schemas.openxmlformats.org/markup-compatibility/2006">
+        <mc:Choice xmlns:a14="http://schemas.microsoft.com/office/drawing/2010/main" Requires="a14">
+          <p:sp>
+            <p:nvSpPr>
+              <p:cNvPr id="3" name="Subtitle 2">
+                <a:extLst>
+                  <a:ext uri="{FF2B5EF4-FFF2-40B4-BE49-F238E27FC236}">
+                    <a16:creationId xmlns:a16="http://schemas.microsoft.com/office/drawing/2014/main" id="{009F0F80-A38A-48B5-852C-2AB810B006CB}"/>
+                  </a:ext>
+                </a:extLst>
+              </p:cNvPr>
+              <p:cNvSpPr>
+                <a:spLocks noGrp="1"/>
+              </p:cNvSpPr>
+              <p:nvPr>
+                <p:ph type="subTitle" idx="1"/>
+              </p:nvPr>
+            </p:nvSpPr>
+            <p:spPr>
+              <a:xfrm>
+                <a:off x="3732010" y="4958798"/>
+                <a:ext cx="1227589" cy="483401"/>
+              </a:xfrm>
+            </p:spPr>
+            <p:txBody>
+              <a:bodyPr/>
+              <a:lstStyle/>
+              <a:p>
+                <a:pPr/>
+                <a14:m>
+                  <m:oMathPara xmlns:m="http://schemas.openxmlformats.org/officeDocument/2006/math">
+                    <m:oMathParaPr>
+                      <m:jc m:val="centerGroup"/>
+                    </m:oMathParaPr>
+                    <m:oMath xmlns:m="http://schemas.openxmlformats.org/officeDocument/2006/math">
+                      <m:sSup>
+                        <m:sSupPr>
+                          <m:ctrlPr>
+                            <a:rPr lang="en-PH" b="0" i="1" smtClean="0">
+                              <a:latin typeface="Cambria Math" panose="02040503050406030204" pitchFamily="18" charset="0"/>
+                            </a:rPr>
+                          </m:ctrlPr>
+                        </m:sSupPr>
+                        <m:e>
+                          <m:r>
+                            <a:rPr lang="en-PH" b="0" i="1" smtClean="0">
+                              <a:latin typeface="Cambria Math" panose="02040503050406030204" pitchFamily="18" charset="0"/>
+                            </a:rPr>
+                            <m:t>𝑒</m:t>
+                          </m:r>
+                        </m:e>
+                        <m:sup>
+                          <m:r>
+                            <a:rPr lang="en-PH" b="0" i="1" smtClean="0">
+                              <a:latin typeface="Cambria Math" panose="02040503050406030204" pitchFamily="18" charset="0"/>
+                            </a:rPr>
+                            <m:t>−</m:t>
+                          </m:r>
+                        </m:sup>
+                      </m:sSup>
+                    </m:oMath>
+                  </m:oMathPara>
+                </a14:m>
+                <a:endParaRPr lang="en-PH" dirty="0"/>
+              </a:p>
+            </p:txBody>
+          </p:sp>
+        </mc:Choice>
+        <mc:Fallback>
+          <p:sp>
+            <p:nvSpPr>
+              <p:cNvPr id="3" name="Subtitle 2">
+                <a:extLst>
+                  <a:ext uri="{FF2B5EF4-FFF2-40B4-BE49-F238E27FC236}">
+                    <a16:creationId xmlns:a16="http://schemas.microsoft.com/office/drawing/2014/main" id="{009F0F80-A38A-48B5-852C-2AB810B006CB}"/>
+                  </a:ext>
+                </a:extLst>
+              </p:cNvPr>
+              <p:cNvSpPr>
+                <a:spLocks noGrp="1" noRot="1" noChangeAspect="1" noMove="1" noResize="1" noEditPoints="1" noAdjustHandles="1" noChangeArrowheads="1" noChangeShapeType="1" noTextEdit="1"/>
+              </p:cNvSpPr>
+              <p:nvPr>
+                <p:ph type="subTitle" idx="1"/>
+              </p:nvPr>
+            </p:nvSpPr>
+            <p:spPr>
+              <a:xfrm>
+                <a:off x="3732010" y="4958798"/>
+                <a:ext cx="1227589" cy="483401"/>
+              </a:xfrm>
+              <a:blipFill>
+                <a:blip r:embed="rId2"/>
+                <a:stretch>
+                  <a:fillRect/>
+                </a:stretch>
+              </a:blipFill>
+            </p:spPr>
+            <p:txBody>
+              <a:bodyPr/>
+              <a:lstStyle/>
+              <a:p>
+                <a:r>
+                  <a:rPr lang="en-PH">
+                    <a:noFill/>
+                  </a:rPr>
+                  <a:t> </a:t>
+                </a:r>
+              </a:p>
+            </p:txBody>
+          </p:sp>
+        </mc:Fallback>
+      </mc:AlternateContent>
+      <mc:AlternateContent xmlns:mc="http://schemas.openxmlformats.org/markup-compatibility/2006">
+        <mc:Choice xmlns:a14="http://schemas.microsoft.com/office/drawing/2010/main" Requires="a14">
+          <p:sp>
+            <p:nvSpPr>
+              <p:cNvPr id="5" name="Subtitle 2">
+                <a:extLst>
+                  <a:ext uri="{FF2B5EF4-FFF2-40B4-BE49-F238E27FC236}">
+                    <a16:creationId xmlns:a16="http://schemas.microsoft.com/office/drawing/2014/main" id="{835E549A-AF36-48F1-98E6-2D0872BD5D15}"/>
+                  </a:ext>
+                </a:extLst>
+              </p:cNvPr>
+              <p:cNvSpPr txBox="1">
+                <a:spLocks/>
+              </p:cNvSpPr>
+              <p:nvPr/>
+            </p:nvSpPr>
+            <p:spPr>
+              <a:xfrm>
+                <a:off x="3345303" y="1146660"/>
+                <a:ext cx="1227589" cy="483401"/>
+              </a:xfrm>
+              <a:prstGeom prst="rect">
+                <a:avLst/>
+              </a:prstGeom>
+            </p:spPr>
+            <p:txBody>
+              <a:bodyPr vert="horz" lIns="91440" tIns="45720" rIns="91440" bIns="45720" rtlCol="0">
+                <a:normAutofit/>
+              </a:bodyPr>
+              <a:lstStyle>
+                <a:lvl1pPr marL="0" indent="0" algn="ctr" defTabSz="914400" rtl="0" eaLnBrk="1" latinLnBrk="0" hangingPunct="1">
+                  <a:lnSpc>
+                    <a:spcPct val="90000"/>
+                  </a:lnSpc>
+                  <a:spcBef>
+                    <a:spcPts val="1000"/>
+                  </a:spcBef>
+                  <a:buFont typeface="Arial" panose="020B0604020202020204" pitchFamily="34" charset="0"/>
+                  <a:buNone/>
+                  <a:defRPr sz="2400" kern="1200">
+                    <a:solidFill>
+                      <a:schemeClr val="tx1"/>
+                    </a:solidFill>
+                    <a:latin typeface="+mn-lt"/>
+                    <a:ea typeface="+mn-ea"/>
+                    <a:cs typeface="+mn-cs"/>
+                  </a:defRPr>
+                </a:lvl1pPr>
+                <a:lvl2pPr marL="457200" indent="0" algn="ctr" defTabSz="914400" rtl="0" eaLnBrk="1" latinLnBrk="0" hangingPunct="1">
+                  <a:lnSpc>
+                    <a:spcPct val="90000"/>
+                  </a:lnSpc>
+                  <a:spcBef>
+                    <a:spcPts val="500"/>
+                  </a:spcBef>
+                  <a:buFont typeface="Arial" panose="020B0604020202020204" pitchFamily="34" charset="0"/>
+                  <a:buNone/>
+                  <a:defRPr sz="2000" kern="1200">
+                    <a:solidFill>
+                      <a:schemeClr val="tx1"/>
+                    </a:solidFill>
+                    <a:latin typeface="+mn-lt"/>
+                    <a:ea typeface="+mn-ea"/>
+                    <a:cs typeface="+mn-cs"/>
+                  </a:defRPr>
+                </a:lvl2pPr>
+                <a:lvl3pPr marL="914400" indent="0" algn="ctr" defTabSz="914400" rtl="0" eaLnBrk="1" latinLnBrk="0" hangingPunct="1">
+                  <a:lnSpc>
+                    <a:spcPct val="90000"/>
+                  </a:lnSpc>
+                  <a:spcBef>
+                    <a:spcPts val="500"/>
+                  </a:spcBef>
+                  <a:buFont typeface="Arial" panose="020B0604020202020204" pitchFamily="34" charset="0"/>
+                  <a:buNone/>
+                  <a:defRPr sz="1800" kern="1200">
+                    <a:solidFill>
+                      <a:schemeClr val="tx1"/>
+                    </a:solidFill>
+                    <a:latin typeface="+mn-lt"/>
+                    <a:ea typeface="+mn-ea"/>
+                    <a:cs typeface="+mn-cs"/>
+                  </a:defRPr>
+                </a:lvl3pPr>
+                <a:lvl4pPr marL="1371600" indent="0" algn="ctr" defTabSz="914400" rtl="0" eaLnBrk="1" latinLnBrk="0" hangingPunct="1">
+                  <a:lnSpc>
+                    <a:spcPct val="90000"/>
+                  </a:lnSpc>
+                  <a:spcBef>
+                    <a:spcPts val="500"/>
+                  </a:spcBef>
+                  <a:buFont typeface="Arial" panose="020B0604020202020204" pitchFamily="34" charset="0"/>
+                  <a:buNone/>
+                  <a:defRPr sz="1600" kern="1200">
+                    <a:solidFill>
+                      <a:schemeClr val="tx1"/>
+                    </a:solidFill>
+                    <a:latin typeface="+mn-lt"/>
+                    <a:ea typeface="+mn-ea"/>
+                    <a:cs typeface="+mn-cs"/>
+                  </a:defRPr>
+                </a:lvl4pPr>
+                <a:lvl5pPr marL="1828800" indent="0" algn="ctr" defTabSz="914400" rtl="0" eaLnBrk="1" latinLnBrk="0" hangingPunct="1">
+                  <a:lnSpc>
+                    <a:spcPct val="90000"/>
+                  </a:lnSpc>
+                  <a:spcBef>
+                    <a:spcPts val="500"/>
+                  </a:spcBef>
+                  <a:buFont typeface="Arial" panose="020B0604020202020204" pitchFamily="34" charset="0"/>
+                  <a:buNone/>
+                  <a:defRPr sz="1600" kern="1200">
+                    <a:solidFill>
+                      <a:schemeClr val="tx1"/>
+                    </a:solidFill>
+                    <a:latin typeface="+mn-lt"/>
+                    <a:ea typeface="+mn-ea"/>
+                    <a:cs typeface="+mn-cs"/>
+                  </a:defRPr>
+                </a:lvl5pPr>
+                <a:lvl6pPr marL="2286000" indent="0" algn="ctr" defTabSz="914400" rtl="0" eaLnBrk="1" latinLnBrk="0" hangingPunct="1">
+                  <a:lnSpc>
+                    <a:spcPct val="90000"/>
+                  </a:lnSpc>
+                  <a:spcBef>
+                    <a:spcPts val="500"/>
+                  </a:spcBef>
+                  <a:buFont typeface="Arial" panose="020B0604020202020204" pitchFamily="34" charset="0"/>
+                  <a:buNone/>
+                  <a:defRPr sz="1600" kern="1200">
+                    <a:solidFill>
+                      <a:schemeClr val="tx1"/>
+                    </a:solidFill>
+                    <a:latin typeface="+mn-lt"/>
+                    <a:ea typeface="+mn-ea"/>
+                    <a:cs typeface="+mn-cs"/>
+                  </a:defRPr>
+                </a:lvl6pPr>
+                <a:lvl7pPr marL="2743200" indent="0" algn="ctr" defTabSz="914400" rtl="0" eaLnBrk="1" latinLnBrk="0" hangingPunct="1">
+                  <a:lnSpc>
+                    <a:spcPct val="90000"/>
+                  </a:lnSpc>
+                  <a:spcBef>
+                    <a:spcPts val="500"/>
+                  </a:spcBef>
+                  <a:buFont typeface="Arial" panose="020B0604020202020204" pitchFamily="34" charset="0"/>
+                  <a:buNone/>
+                  <a:defRPr sz="1600" kern="1200">
+                    <a:solidFill>
+                      <a:schemeClr val="tx1"/>
+                    </a:solidFill>
+                    <a:latin typeface="+mn-lt"/>
+                    <a:ea typeface="+mn-ea"/>
+                    <a:cs typeface="+mn-cs"/>
+                  </a:defRPr>
+                </a:lvl7pPr>
+                <a:lvl8pPr marL="3200400" indent="0" algn="ctr" defTabSz="914400" rtl="0" eaLnBrk="1" latinLnBrk="0" hangingPunct="1">
+                  <a:lnSpc>
+                    <a:spcPct val="90000"/>
+                  </a:lnSpc>
+                  <a:spcBef>
+                    <a:spcPts val="500"/>
+                  </a:spcBef>
+                  <a:buFont typeface="Arial" panose="020B0604020202020204" pitchFamily="34" charset="0"/>
+                  <a:buNone/>
+                  <a:defRPr sz="1600" kern="1200">
+                    <a:solidFill>
+                      <a:schemeClr val="tx1"/>
+                    </a:solidFill>
+                    <a:latin typeface="+mn-lt"/>
+                    <a:ea typeface="+mn-ea"/>
+                    <a:cs typeface="+mn-cs"/>
+                  </a:defRPr>
+                </a:lvl8pPr>
+                <a:lvl9pPr marL="3657600" indent="0" algn="ctr" defTabSz="914400" rtl="0" eaLnBrk="1" latinLnBrk="0" hangingPunct="1">
+                  <a:lnSpc>
+                    <a:spcPct val="90000"/>
+                  </a:lnSpc>
+                  <a:spcBef>
+                    <a:spcPts val="500"/>
+                  </a:spcBef>
+                  <a:buFont typeface="Arial" panose="020B0604020202020204" pitchFamily="34" charset="0"/>
+                  <a:buNone/>
+                  <a:defRPr sz="1600" kern="1200">
+                    <a:solidFill>
+                      <a:schemeClr val="tx1"/>
+                    </a:solidFill>
+                    <a:latin typeface="+mn-lt"/>
+                    <a:ea typeface="+mn-ea"/>
+                    <a:cs typeface="+mn-cs"/>
+                  </a:defRPr>
+                </a:lvl9pPr>
+              </a:lstStyle>
+              <a:p>
+                <a:pPr/>
+                <a14:m>
+                  <m:oMathPara xmlns:m="http://schemas.openxmlformats.org/officeDocument/2006/math">
+                    <m:oMathParaPr>
+                      <m:jc m:val="centerGroup"/>
+                    </m:oMathParaPr>
+                    <m:oMath xmlns:m="http://schemas.openxmlformats.org/officeDocument/2006/math">
+                      <m:sSup>
+                        <m:sSupPr>
+                          <m:ctrlPr>
+                            <a:rPr lang="en-PH" i="1" smtClean="0">
+                              <a:latin typeface="Cambria Math" panose="02040503050406030204" pitchFamily="18" charset="0"/>
+                            </a:rPr>
+                          </m:ctrlPr>
+                        </m:sSupPr>
+                        <m:e>
+                          <m:r>
+                            <a:rPr lang="en-PH" b="0" i="1" smtClean="0">
+                              <a:latin typeface="Cambria Math" panose="02040503050406030204" pitchFamily="18" charset="0"/>
+                            </a:rPr>
+                            <m:t>𝑒</m:t>
+                          </m:r>
+                        </m:e>
+                        <m:sup>
+                          <m:r>
+                            <a:rPr lang="en-PH" b="0" i="1" smtClean="0">
+                              <a:latin typeface="Cambria Math" panose="02040503050406030204" pitchFamily="18" charset="0"/>
+                            </a:rPr>
+                            <m:t>+</m:t>
+                          </m:r>
+                        </m:sup>
+                      </m:sSup>
+                    </m:oMath>
+                  </m:oMathPara>
+                </a14:m>
+                <a:endParaRPr lang="en-PH" dirty="0"/>
+              </a:p>
+            </p:txBody>
+          </p:sp>
+        </mc:Choice>
+        <mc:Fallback>
+          <p:sp>
+            <p:nvSpPr>
+              <p:cNvPr id="5" name="Subtitle 2">
+                <a:extLst>
+                  <a:ext uri="{FF2B5EF4-FFF2-40B4-BE49-F238E27FC236}">
+                    <a16:creationId xmlns:a16="http://schemas.microsoft.com/office/drawing/2014/main" id="{835E549A-AF36-48F1-98E6-2D0872BD5D15}"/>
+                  </a:ext>
+                </a:extLst>
+              </p:cNvPr>
+              <p:cNvSpPr txBox="1">
+                <a:spLocks noRot="1" noChangeAspect="1" noMove="1" noResize="1" noEditPoints="1" noAdjustHandles="1" noChangeArrowheads="1" noChangeShapeType="1" noTextEdit="1"/>
+              </p:cNvSpPr>
+              <p:nvPr/>
+            </p:nvSpPr>
+            <p:spPr>
+              <a:xfrm>
+                <a:off x="3345303" y="1146660"/>
+                <a:ext cx="1227589" cy="483401"/>
+              </a:xfrm>
+              <a:prstGeom prst="rect">
+                <a:avLst/>
+              </a:prstGeom>
+              <a:blipFill>
+                <a:blip r:embed="rId3"/>
+                <a:stretch>
+                  <a:fillRect/>
+                </a:stretch>
+              </a:blipFill>
+            </p:spPr>
+            <p:txBody>
+              <a:bodyPr/>
+              <a:lstStyle/>
+              <a:p>
+                <a:r>
+                  <a:rPr lang="en-PH">
+                    <a:noFill/>
+                  </a:rPr>
+                  <a:t> </a:t>
+                </a:r>
+              </a:p>
+            </p:txBody>
+          </p:sp>
+        </mc:Fallback>
+      </mc:AlternateContent>
+      <mc:AlternateContent xmlns:mc="http://schemas.openxmlformats.org/markup-compatibility/2006">
+        <mc:Choice xmlns:a14="http://schemas.microsoft.com/office/drawing/2010/main" Requires="a14">
+          <p:sp>
+            <p:nvSpPr>
+              <p:cNvPr id="7" name="Subtitle 2">
+                <a:extLst>
+                  <a:ext uri="{FF2B5EF4-FFF2-40B4-BE49-F238E27FC236}">
+                    <a16:creationId xmlns:a16="http://schemas.microsoft.com/office/drawing/2014/main" id="{D77FC54E-E034-4EB9-80AB-D6BAEB458C58}"/>
+                  </a:ext>
+                </a:extLst>
+              </p:cNvPr>
+              <p:cNvSpPr txBox="1">
+                <a:spLocks/>
+              </p:cNvSpPr>
+              <p:nvPr/>
+            </p:nvSpPr>
+            <p:spPr>
+              <a:xfrm>
+                <a:off x="8777184" y="5098596"/>
+                <a:ext cx="1227589" cy="483401"/>
+              </a:xfrm>
+              <a:prstGeom prst="rect">
+                <a:avLst/>
+              </a:prstGeom>
+            </p:spPr>
+            <p:txBody>
+              <a:bodyPr vert="horz" lIns="91440" tIns="45720" rIns="91440" bIns="45720" rtlCol="0">
+                <a:normAutofit/>
+              </a:bodyPr>
+              <a:lstStyle>
+                <a:lvl1pPr marL="0" indent="0" algn="ctr" defTabSz="914400" rtl="0" eaLnBrk="1" latinLnBrk="0" hangingPunct="1">
+                  <a:lnSpc>
+                    <a:spcPct val="90000"/>
+                  </a:lnSpc>
+                  <a:spcBef>
+                    <a:spcPts val="1000"/>
+                  </a:spcBef>
+                  <a:buFont typeface="Arial" panose="020B0604020202020204" pitchFamily="34" charset="0"/>
+                  <a:buNone/>
+                  <a:defRPr sz="2400" kern="1200">
+                    <a:solidFill>
+                      <a:schemeClr val="tx1"/>
+                    </a:solidFill>
+                    <a:latin typeface="+mn-lt"/>
+                    <a:ea typeface="+mn-ea"/>
+                    <a:cs typeface="+mn-cs"/>
+                  </a:defRPr>
+                </a:lvl1pPr>
+                <a:lvl2pPr marL="457200" indent="0" algn="ctr" defTabSz="914400" rtl="0" eaLnBrk="1" latinLnBrk="0" hangingPunct="1">
+                  <a:lnSpc>
+                    <a:spcPct val="90000"/>
+                  </a:lnSpc>
+                  <a:spcBef>
+                    <a:spcPts val="500"/>
+                  </a:spcBef>
+                  <a:buFont typeface="Arial" panose="020B0604020202020204" pitchFamily="34" charset="0"/>
+                  <a:buNone/>
+                  <a:defRPr sz="2000" kern="1200">
+                    <a:solidFill>
+                      <a:schemeClr val="tx1"/>
+                    </a:solidFill>
+                    <a:latin typeface="+mn-lt"/>
+                    <a:ea typeface="+mn-ea"/>
+                    <a:cs typeface="+mn-cs"/>
+                  </a:defRPr>
+                </a:lvl2pPr>
+                <a:lvl3pPr marL="914400" indent="0" algn="ctr" defTabSz="914400" rtl="0" eaLnBrk="1" latinLnBrk="0" hangingPunct="1">
+                  <a:lnSpc>
+                    <a:spcPct val="90000"/>
+                  </a:lnSpc>
+                  <a:spcBef>
+                    <a:spcPts val="500"/>
+                  </a:spcBef>
+                  <a:buFont typeface="Arial" panose="020B0604020202020204" pitchFamily="34" charset="0"/>
+                  <a:buNone/>
+                  <a:defRPr sz="1800" kern="1200">
+                    <a:solidFill>
+                      <a:schemeClr val="tx1"/>
+                    </a:solidFill>
+                    <a:latin typeface="+mn-lt"/>
+                    <a:ea typeface="+mn-ea"/>
+                    <a:cs typeface="+mn-cs"/>
+                  </a:defRPr>
+                </a:lvl3pPr>
+                <a:lvl4pPr marL="1371600" indent="0" algn="ctr" defTabSz="914400" rtl="0" eaLnBrk="1" latinLnBrk="0" hangingPunct="1">
+                  <a:lnSpc>
+                    <a:spcPct val="90000"/>
+                  </a:lnSpc>
+                  <a:spcBef>
+                    <a:spcPts val="500"/>
+                  </a:spcBef>
+                  <a:buFont typeface="Arial" panose="020B0604020202020204" pitchFamily="34" charset="0"/>
+                  <a:buNone/>
+                  <a:defRPr sz="1600" kern="1200">
+                    <a:solidFill>
+                      <a:schemeClr val="tx1"/>
+                    </a:solidFill>
+                    <a:latin typeface="+mn-lt"/>
+                    <a:ea typeface="+mn-ea"/>
+                    <a:cs typeface="+mn-cs"/>
+                  </a:defRPr>
+                </a:lvl4pPr>
+                <a:lvl5pPr marL="1828800" indent="0" algn="ctr" defTabSz="914400" rtl="0" eaLnBrk="1" latinLnBrk="0" hangingPunct="1">
+                  <a:lnSpc>
+                    <a:spcPct val="90000"/>
+                  </a:lnSpc>
+                  <a:spcBef>
+                    <a:spcPts val="500"/>
+                  </a:spcBef>
+                  <a:buFont typeface="Arial" panose="020B0604020202020204" pitchFamily="34" charset="0"/>
+                  <a:buNone/>
+                  <a:defRPr sz="1600" kern="1200">
+                    <a:solidFill>
+                      <a:schemeClr val="tx1"/>
+                    </a:solidFill>
+                    <a:latin typeface="+mn-lt"/>
+                    <a:ea typeface="+mn-ea"/>
+                    <a:cs typeface="+mn-cs"/>
+                  </a:defRPr>
+                </a:lvl5pPr>
+                <a:lvl6pPr marL="2286000" indent="0" algn="ctr" defTabSz="914400" rtl="0" eaLnBrk="1" latinLnBrk="0" hangingPunct="1">
+                  <a:lnSpc>
+                    <a:spcPct val="90000"/>
+                  </a:lnSpc>
+                  <a:spcBef>
+                    <a:spcPts val="500"/>
+                  </a:spcBef>
+                  <a:buFont typeface="Arial" panose="020B0604020202020204" pitchFamily="34" charset="0"/>
+                  <a:buNone/>
+                  <a:defRPr sz="1600" kern="1200">
+                    <a:solidFill>
+                      <a:schemeClr val="tx1"/>
+                    </a:solidFill>
+                    <a:latin typeface="+mn-lt"/>
+                    <a:ea typeface="+mn-ea"/>
+                    <a:cs typeface="+mn-cs"/>
+                  </a:defRPr>
+                </a:lvl6pPr>
+                <a:lvl7pPr marL="2743200" indent="0" algn="ctr" defTabSz="914400" rtl="0" eaLnBrk="1" latinLnBrk="0" hangingPunct="1">
+                  <a:lnSpc>
+                    <a:spcPct val="90000"/>
+                  </a:lnSpc>
+                  <a:spcBef>
+                    <a:spcPts val="500"/>
+                  </a:spcBef>
+                  <a:buFont typeface="Arial" panose="020B0604020202020204" pitchFamily="34" charset="0"/>
+                  <a:buNone/>
+                  <a:defRPr sz="1600" kern="1200">
+                    <a:solidFill>
+                      <a:schemeClr val="tx1"/>
+                    </a:solidFill>
+                    <a:latin typeface="+mn-lt"/>
+                    <a:ea typeface="+mn-ea"/>
+                    <a:cs typeface="+mn-cs"/>
+                  </a:defRPr>
+                </a:lvl7pPr>
+                <a:lvl8pPr marL="3200400" indent="0" algn="ctr" defTabSz="914400" rtl="0" eaLnBrk="1" latinLnBrk="0" hangingPunct="1">
+                  <a:lnSpc>
+                    <a:spcPct val="90000"/>
+                  </a:lnSpc>
+                  <a:spcBef>
+                    <a:spcPts val="500"/>
+                  </a:spcBef>
+                  <a:buFont typeface="Arial" panose="020B0604020202020204" pitchFamily="34" charset="0"/>
+                  <a:buNone/>
+                  <a:defRPr sz="1600" kern="1200">
+                    <a:solidFill>
+                      <a:schemeClr val="tx1"/>
+                    </a:solidFill>
+                    <a:latin typeface="+mn-lt"/>
+                    <a:ea typeface="+mn-ea"/>
+                    <a:cs typeface="+mn-cs"/>
+                  </a:defRPr>
+                </a:lvl8pPr>
+                <a:lvl9pPr marL="3657600" indent="0" algn="ctr" defTabSz="914400" rtl="0" eaLnBrk="1" latinLnBrk="0" hangingPunct="1">
+                  <a:lnSpc>
+                    <a:spcPct val="90000"/>
+                  </a:lnSpc>
+                  <a:spcBef>
+                    <a:spcPts val="500"/>
+                  </a:spcBef>
+                  <a:buFont typeface="Arial" panose="020B0604020202020204" pitchFamily="34" charset="0"/>
+                  <a:buNone/>
+                  <a:defRPr sz="1600" kern="1200">
+                    <a:solidFill>
+                      <a:schemeClr val="tx1"/>
+                    </a:solidFill>
+                    <a:latin typeface="+mn-lt"/>
+                    <a:ea typeface="+mn-ea"/>
+                    <a:cs typeface="+mn-cs"/>
+                  </a:defRPr>
+                </a:lvl9pPr>
+              </a:lstStyle>
+              <a:p>
+                <a:pPr/>
+                <a14:m>
+                  <m:oMathPara xmlns:m="http://schemas.openxmlformats.org/officeDocument/2006/math">
+                    <m:oMathParaPr>
+                      <m:jc m:val="centerGroup"/>
+                    </m:oMathParaPr>
+                    <m:oMath xmlns:m="http://schemas.openxmlformats.org/officeDocument/2006/math">
+                      <m:sSup>
+                        <m:sSupPr>
+                          <m:ctrlPr>
+                            <a:rPr lang="en-PH" i="1" smtClean="0">
+                              <a:latin typeface="Cambria Math" panose="02040503050406030204" pitchFamily="18" charset="0"/>
+                            </a:rPr>
+                          </m:ctrlPr>
+                        </m:sSupPr>
+                        <m:e>
+                          <m:r>
+                            <a:rPr lang="en-PH" b="0" i="1" smtClean="0">
+                              <a:latin typeface="Cambria Math" panose="02040503050406030204" pitchFamily="18" charset="0"/>
+                            </a:rPr>
+                            <m:t>𝑒</m:t>
+                          </m:r>
+                        </m:e>
+                        <m:sup>
+                          <m:r>
+                            <a:rPr lang="en-PH" i="1">
+                              <a:latin typeface="Cambria Math" panose="02040503050406030204" pitchFamily="18" charset="0"/>
+                            </a:rPr>
+                            <m:t>−</m:t>
+                          </m:r>
+                        </m:sup>
+                      </m:sSup>
+                    </m:oMath>
+                  </m:oMathPara>
+                </a14:m>
+                <a:endParaRPr lang="en-PH" dirty="0"/>
+              </a:p>
+            </p:txBody>
+          </p:sp>
+        </mc:Choice>
+        <mc:Fallback>
+          <p:sp>
+            <p:nvSpPr>
+              <p:cNvPr id="7" name="Subtitle 2">
+                <a:extLst>
+                  <a:ext uri="{FF2B5EF4-FFF2-40B4-BE49-F238E27FC236}">
+                    <a16:creationId xmlns:a16="http://schemas.microsoft.com/office/drawing/2014/main" id="{D77FC54E-E034-4EB9-80AB-D6BAEB458C58}"/>
+                  </a:ext>
+                </a:extLst>
+              </p:cNvPr>
+              <p:cNvSpPr txBox="1">
+                <a:spLocks noRot="1" noChangeAspect="1" noMove="1" noResize="1" noEditPoints="1" noAdjustHandles="1" noChangeArrowheads="1" noChangeShapeType="1" noTextEdit="1"/>
+              </p:cNvSpPr>
+              <p:nvPr/>
+            </p:nvSpPr>
+            <p:spPr>
+              <a:xfrm>
+                <a:off x="8777184" y="5098596"/>
+                <a:ext cx="1227589" cy="483401"/>
+              </a:xfrm>
+              <a:prstGeom prst="rect">
+                <a:avLst/>
+              </a:prstGeom>
+              <a:blipFill>
+                <a:blip r:embed="rId4"/>
+                <a:stretch>
+                  <a:fillRect/>
+                </a:stretch>
+              </a:blipFill>
+            </p:spPr>
+            <p:txBody>
+              <a:bodyPr/>
+              <a:lstStyle/>
+              <a:p>
+                <a:r>
+                  <a:rPr lang="en-PH">
+                    <a:noFill/>
+                  </a:rPr>
+                  <a:t> </a:t>
+                </a:r>
+              </a:p>
+            </p:txBody>
+          </p:sp>
+        </mc:Fallback>
+      </mc:AlternateContent>
+      <mc:AlternateContent xmlns:mc="http://schemas.openxmlformats.org/markup-compatibility/2006">
+        <mc:Choice xmlns:a14="http://schemas.microsoft.com/office/drawing/2010/main" Requires="a14">
+          <p:sp>
+            <p:nvSpPr>
+              <p:cNvPr id="8" name="Subtitle 2">
+                <a:extLst>
+                  <a:ext uri="{FF2B5EF4-FFF2-40B4-BE49-F238E27FC236}">
+                    <a16:creationId xmlns:a16="http://schemas.microsoft.com/office/drawing/2014/main" id="{B967AC0D-C9AC-4D83-8D1F-26CC70E3221D}"/>
+                  </a:ext>
+                </a:extLst>
+              </p:cNvPr>
+              <p:cNvSpPr txBox="1">
+                <a:spLocks/>
+              </p:cNvSpPr>
+              <p:nvPr/>
+            </p:nvSpPr>
+            <p:spPr>
+              <a:xfrm>
+                <a:off x="8245633" y="1276003"/>
+                <a:ext cx="1227589" cy="483401"/>
+              </a:xfrm>
+              <a:prstGeom prst="rect">
+                <a:avLst/>
+              </a:prstGeom>
+            </p:spPr>
+            <p:txBody>
+              <a:bodyPr vert="horz" lIns="91440" tIns="45720" rIns="91440" bIns="45720" rtlCol="0">
+                <a:normAutofit/>
+              </a:bodyPr>
+              <a:lstStyle>
+                <a:lvl1pPr marL="0" indent="0" algn="ctr" defTabSz="914400" rtl="0" eaLnBrk="1" latinLnBrk="0" hangingPunct="1">
+                  <a:lnSpc>
+                    <a:spcPct val="90000"/>
+                  </a:lnSpc>
+                  <a:spcBef>
+                    <a:spcPts val="1000"/>
+                  </a:spcBef>
+                  <a:buFont typeface="Arial" panose="020B0604020202020204" pitchFamily="34" charset="0"/>
+                  <a:buNone/>
+                  <a:defRPr sz="2400" kern="1200">
+                    <a:solidFill>
+                      <a:schemeClr val="tx1"/>
+                    </a:solidFill>
+                    <a:latin typeface="+mn-lt"/>
+                    <a:ea typeface="+mn-ea"/>
+                    <a:cs typeface="+mn-cs"/>
+                  </a:defRPr>
+                </a:lvl1pPr>
+                <a:lvl2pPr marL="457200" indent="0" algn="ctr" defTabSz="914400" rtl="0" eaLnBrk="1" latinLnBrk="0" hangingPunct="1">
+                  <a:lnSpc>
+                    <a:spcPct val="90000"/>
+                  </a:lnSpc>
+                  <a:spcBef>
+                    <a:spcPts val="500"/>
+                  </a:spcBef>
+                  <a:buFont typeface="Arial" panose="020B0604020202020204" pitchFamily="34" charset="0"/>
+                  <a:buNone/>
+                  <a:defRPr sz="2000" kern="1200">
+                    <a:solidFill>
+                      <a:schemeClr val="tx1"/>
+                    </a:solidFill>
+                    <a:latin typeface="+mn-lt"/>
+                    <a:ea typeface="+mn-ea"/>
+                    <a:cs typeface="+mn-cs"/>
+                  </a:defRPr>
+                </a:lvl2pPr>
+                <a:lvl3pPr marL="914400" indent="0" algn="ctr" defTabSz="914400" rtl="0" eaLnBrk="1" latinLnBrk="0" hangingPunct="1">
+                  <a:lnSpc>
+                    <a:spcPct val="90000"/>
+                  </a:lnSpc>
+                  <a:spcBef>
+                    <a:spcPts val="500"/>
+                  </a:spcBef>
+                  <a:buFont typeface="Arial" panose="020B0604020202020204" pitchFamily="34" charset="0"/>
+                  <a:buNone/>
+                  <a:defRPr sz="1800" kern="1200">
+                    <a:solidFill>
+                      <a:schemeClr val="tx1"/>
+                    </a:solidFill>
+                    <a:latin typeface="+mn-lt"/>
+                    <a:ea typeface="+mn-ea"/>
+                    <a:cs typeface="+mn-cs"/>
+                  </a:defRPr>
+                </a:lvl3pPr>
+                <a:lvl4pPr marL="1371600" indent="0" algn="ctr" defTabSz="914400" rtl="0" eaLnBrk="1" latinLnBrk="0" hangingPunct="1">
+                  <a:lnSpc>
+                    <a:spcPct val="90000"/>
+                  </a:lnSpc>
+                  <a:spcBef>
+                    <a:spcPts val="500"/>
+                  </a:spcBef>
+                  <a:buFont typeface="Arial" panose="020B0604020202020204" pitchFamily="34" charset="0"/>
+                  <a:buNone/>
+                  <a:defRPr sz="1600" kern="1200">
+                    <a:solidFill>
+                      <a:schemeClr val="tx1"/>
+                    </a:solidFill>
+                    <a:latin typeface="+mn-lt"/>
+                    <a:ea typeface="+mn-ea"/>
+                    <a:cs typeface="+mn-cs"/>
+                  </a:defRPr>
+                </a:lvl4pPr>
+                <a:lvl5pPr marL="1828800" indent="0" algn="ctr" defTabSz="914400" rtl="0" eaLnBrk="1" latinLnBrk="0" hangingPunct="1">
+                  <a:lnSpc>
+                    <a:spcPct val="90000"/>
+                  </a:lnSpc>
+                  <a:spcBef>
+                    <a:spcPts val="500"/>
+                  </a:spcBef>
+                  <a:buFont typeface="Arial" panose="020B0604020202020204" pitchFamily="34" charset="0"/>
+                  <a:buNone/>
+                  <a:defRPr sz="1600" kern="1200">
+                    <a:solidFill>
+                      <a:schemeClr val="tx1"/>
+                    </a:solidFill>
+                    <a:latin typeface="+mn-lt"/>
+                    <a:ea typeface="+mn-ea"/>
+                    <a:cs typeface="+mn-cs"/>
+                  </a:defRPr>
+                </a:lvl5pPr>
+                <a:lvl6pPr marL="2286000" indent="0" algn="ctr" defTabSz="914400" rtl="0" eaLnBrk="1" latinLnBrk="0" hangingPunct="1">
+                  <a:lnSpc>
+                    <a:spcPct val="90000"/>
+                  </a:lnSpc>
+                  <a:spcBef>
+                    <a:spcPts val="500"/>
+                  </a:spcBef>
+                  <a:buFont typeface="Arial" panose="020B0604020202020204" pitchFamily="34" charset="0"/>
+                  <a:buNone/>
+                  <a:defRPr sz="1600" kern="1200">
+                    <a:solidFill>
+                      <a:schemeClr val="tx1"/>
+                    </a:solidFill>
+                    <a:latin typeface="+mn-lt"/>
+                    <a:ea typeface="+mn-ea"/>
+                    <a:cs typeface="+mn-cs"/>
+                  </a:defRPr>
+                </a:lvl6pPr>
+                <a:lvl7pPr marL="2743200" indent="0" algn="ctr" defTabSz="914400" rtl="0" eaLnBrk="1" latinLnBrk="0" hangingPunct="1">
+                  <a:lnSpc>
+                    <a:spcPct val="90000"/>
+                  </a:lnSpc>
+                  <a:spcBef>
+                    <a:spcPts val="500"/>
+                  </a:spcBef>
+                  <a:buFont typeface="Arial" panose="020B0604020202020204" pitchFamily="34" charset="0"/>
+                  <a:buNone/>
+                  <a:defRPr sz="1600" kern="1200">
+                    <a:solidFill>
+                      <a:schemeClr val="tx1"/>
+                    </a:solidFill>
+                    <a:latin typeface="+mn-lt"/>
+                    <a:ea typeface="+mn-ea"/>
+                    <a:cs typeface="+mn-cs"/>
+                  </a:defRPr>
+                </a:lvl7pPr>
+                <a:lvl8pPr marL="3200400" indent="0" algn="ctr" defTabSz="914400" rtl="0" eaLnBrk="1" latinLnBrk="0" hangingPunct="1">
+                  <a:lnSpc>
+                    <a:spcPct val="90000"/>
+                  </a:lnSpc>
+                  <a:spcBef>
+                    <a:spcPts val="500"/>
+                  </a:spcBef>
+                  <a:buFont typeface="Arial" panose="020B0604020202020204" pitchFamily="34" charset="0"/>
+                  <a:buNone/>
+                  <a:defRPr sz="1600" kern="1200">
+                    <a:solidFill>
+                      <a:schemeClr val="tx1"/>
+                    </a:solidFill>
+                    <a:latin typeface="+mn-lt"/>
+                    <a:ea typeface="+mn-ea"/>
+                    <a:cs typeface="+mn-cs"/>
+                  </a:defRPr>
+                </a:lvl8pPr>
+                <a:lvl9pPr marL="3657600" indent="0" algn="ctr" defTabSz="914400" rtl="0" eaLnBrk="1" latinLnBrk="0" hangingPunct="1">
+                  <a:lnSpc>
+                    <a:spcPct val="90000"/>
+                  </a:lnSpc>
+                  <a:spcBef>
+                    <a:spcPts val="500"/>
+                  </a:spcBef>
+                  <a:buFont typeface="Arial" panose="020B0604020202020204" pitchFamily="34" charset="0"/>
+                  <a:buNone/>
+                  <a:defRPr sz="1600" kern="1200">
+                    <a:solidFill>
+                      <a:schemeClr val="tx1"/>
+                    </a:solidFill>
+                    <a:latin typeface="+mn-lt"/>
+                    <a:ea typeface="+mn-ea"/>
+                    <a:cs typeface="+mn-cs"/>
+                  </a:defRPr>
+                </a:lvl9pPr>
+              </a:lstStyle>
+              <a:p>
+                <a:pPr/>
+                <a14:m>
+                  <m:oMathPara xmlns:m="http://schemas.openxmlformats.org/officeDocument/2006/math">
+                    <m:oMathParaPr>
+                      <m:jc m:val="centerGroup"/>
+                    </m:oMathParaPr>
+                    <m:oMath xmlns:m="http://schemas.openxmlformats.org/officeDocument/2006/math">
+                      <m:sSup>
+                        <m:sSupPr>
+                          <m:ctrlPr>
+                            <a:rPr lang="en-PH" i="1" smtClean="0">
+                              <a:latin typeface="Cambria Math" panose="02040503050406030204" pitchFamily="18" charset="0"/>
+                            </a:rPr>
+                          </m:ctrlPr>
+                        </m:sSupPr>
+                        <m:e>
+                          <m:r>
+                            <a:rPr lang="en-PH" b="0" i="1" smtClean="0">
+                              <a:latin typeface="Cambria Math" panose="02040503050406030204" pitchFamily="18" charset="0"/>
+                            </a:rPr>
+                            <m:t>𝑒</m:t>
+                          </m:r>
+                        </m:e>
+                        <m:sup>
+                          <m:r>
+                            <a:rPr lang="en-PH" b="0" i="1" smtClean="0">
+                              <a:latin typeface="Cambria Math" panose="02040503050406030204" pitchFamily="18" charset="0"/>
+                            </a:rPr>
+                            <m:t>+</m:t>
+                          </m:r>
+                        </m:sup>
+                      </m:sSup>
+                    </m:oMath>
+                  </m:oMathPara>
+                </a14:m>
+                <a:endParaRPr lang="en-PH" dirty="0"/>
+              </a:p>
+            </p:txBody>
+          </p:sp>
+        </mc:Choice>
+        <mc:Fallback>
+          <p:sp>
+            <p:nvSpPr>
+              <p:cNvPr id="8" name="Subtitle 2">
+                <a:extLst>
+                  <a:ext uri="{FF2B5EF4-FFF2-40B4-BE49-F238E27FC236}">
+                    <a16:creationId xmlns:a16="http://schemas.microsoft.com/office/drawing/2014/main" id="{B967AC0D-C9AC-4D83-8D1F-26CC70E3221D}"/>
+                  </a:ext>
+                </a:extLst>
+              </p:cNvPr>
+              <p:cNvSpPr txBox="1">
+                <a:spLocks noRot="1" noChangeAspect="1" noMove="1" noResize="1" noEditPoints="1" noAdjustHandles="1" noChangeArrowheads="1" noChangeShapeType="1" noTextEdit="1"/>
+              </p:cNvSpPr>
+              <p:nvPr/>
+            </p:nvSpPr>
+            <p:spPr>
+              <a:xfrm>
+                <a:off x="8245633" y="1276003"/>
+                <a:ext cx="1227589" cy="483401"/>
+              </a:xfrm>
+              <a:prstGeom prst="rect">
+                <a:avLst/>
+              </a:prstGeom>
+              <a:blipFill>
+                <a:blip r:embed="rId5"/>
+                <a:stretch>
+                  <a:fillRect/>
+                </a:stretch>
+              </a:blipFill>
+            </p:spPr>
+            <p:txBody>
+              <a:bodyPr/>
+              <a:lstStyle/>
+              <a:p>
+                <a:r>
+                  <a:rPr lang="en-PH">
+                    <a:noFill/>
+                  </a:rPr>
+                  <a:t> </a:t>
+                </a:r>
+              </a:p>
+            </p:txBody>
+          </p:sp>
+        </mc:Fallback>
+      </mc:AlternateContent>
+      <p:sp>
+        <p:nvSpPr>
+          <p:cNvPr id="9" name="Freeform: Shape 8">
+            <a:extLst>
+              <a:ext uri="{FF2B5EF4-FFF2-40B4-BE49-F238E27FC236}">
+                <a16:creationId xmlns:a16="http://schemas.microsoft.com/office/drawing/2014/main" id="{8CBC1092-53CC-40A6-BA1F-432CF2CBF719}"/>
+              </a:ext>
+            </a:extLst>
+          </p:cNvPr>
+          <p:cNvSpPr/>
+          <p:nvPr/>
+        </p:nvSpPr>
+        <p:spPr>
+          <a:xfrm rot="16428099">
+            <a:off x="6400800" y="2281805"/>
+            <a:ext cx="295400" cy="1904301"/>
+          </a:xfrm>
+          <a:custGeom>
+            <a:avLst/>
+            <a:gdLst>
+              <a:gd name="connsiteX0" fmla="*/ 176169 w 295400"/>
+              <a:gd name="connsiteY0" fmla="*/ 0 h 1904301"/>
+              <a:gd name="connsiteX1" fmla="*/ 58723 w 295400"/>
+              <a:gd name="connsiteY1" fmla="*/ 41945 h 1904301"/>
+              <a:gd name="connsiteX2" fmla="*/ 0 w 295400"/>
+              <a:gd name="connsiteY2" fmla="*/ 209725 h 1904301"/>
+              <a:gd name="connsiteX3" fmla="*/ 16778 w 295400"/>
+              <a:gd name="connsiteY3" fmla="*/ 327171 h 1904301"/>
+              <a:gd name="connsiteX4" fmla="*/ 83890 w 295400"/>
+              <a:gd name="connsiteY4" fmla="*/ 411061 h 1904301"/>
+              <a:gd name="connsiteX5" fmla="*/ 209725 w 295400"/>
+              <a:gd name="connsiteY5" fmla="*/ 637564 h 1904301"/>
+              <a:gd name="connsiteX6" fmla="*/ 209725 w 295400"/>
+              <a:gd name="connsiteY6" fmla="*/ 796954 h 1904301"/>
+              <a:gd name="connsiteX7" fmla="*/ 167780 w 295400"/>
+              <a:gd name="connsiteY7" fmla="*/ 847288 h 1904301"/>
+              <a:gd name="connsiteX8" fmla="*/ 58723 w 295400"/>
+              <a:gd name="connsiteY8" fmla="*/ 956345 h 1904301"/>
+              <a:gd name="connsiteX9" fmla="*/ 50334 w 295400"/>
+              <a:gd name="connsiteY9" fmla="*/ 1006679 h 1904301"/>
+              <a:gd name="connsiteX10" fmla="*/ 67112 w 295400"/>
+              <a:gd name="connsiteY10" fmla="*/ 1082180 h 1904301"/>
+              <a:gd name="connsiteX11" fmla="*/ 243281 w 295400"/>
+              <a:gd name="connsiteY11" fmla="*/ 1333850 h 1904301"/>
+              <a:gd name="connsiteX12" fmla="*/ 276837 w 295400"/>
+              <a:gd name="connsiteY12" fmla="*/ 1417740 h 1904301"/>
+              <a:gd name="connsiteX13" fmla="*/ 293615 w 295400"/>
+              <a:gd name="connsiteY13" fmla="*/ 1468074 h 1904301"/>
+              <a:gd name="connsiteX14" fmla="*/ 151002 w 295400"/>
+              <a:gd name="connsiteY14" fmla="*/ 1593909 h 1904301"/>
+              <a:gd name="connsiteX15" fmla="*/ 109057 w 295400"/>
+              <a:gd name="connsiteY15" fmla="*/ 1694577 h 1904301"/>
+              <a:gd name="connsiteX16" fmla="*/ 125835 w 295400"/>
+              <a:gd name="connsiteY16" fmla="*/ 1795244 h 1904301"/>
+              <a:gd name="connsiteX17" fmla="*/ 184558 w 295400"/>
+              <a:gd name="connsiteY17" fmla="*/ 1904301 h 1904301"/>
+            </a:gdLst>
+            <a:ahLst/>
+            <a:cxnLst>
+              <a:cxn ang="0">
+                <a:pos x="connsiteX0" y="connsiteY0"/>
+              </a:cxn>
+              <a:cxn ang="0">
+                <a:pos x="connsiteX1" y="connsiteY1"/>
+              </a:cxn>
+              <a:cxn ang="0">
+                <a:pos x="connsiteX2" y="connsiteY2"/>
+              </a:cxn>
+              <a:cxn ang="0">
+                <a:pos x="connsiteX3" y="connsiteY3"/>
+              </a:cxn>
+              <a:cxn ang="0">
+                <a:pos x="connsiteX4" y="connsiteY4"/>
+              </a:cxn>
+              <a:cxn ang="0">
+                <a:pos x="connsiteX5" y="connsiteY5"/>
+              </a:cxn>
+              <a:cxn ang="0">
+                <a:pos x="connsiteX6" y="connsiteY6"/>
+              </a:cxn>
+              <a:cxn ang="0">
+                <a:pos x="connsiteX7" y="connsiteY7"/>
+              </a:cxn>
+              <a:cxn ang="0">
+                <a:pos x="connsiteX8" y="connsiteY8"/>
+              </a:cxn>
+              <a:cxn ang="0">
+                <a:pos x="connsiteX9" y="connsiteY9"/>
+              </a:cxn>
+              <a:cxn ang="0">
+                <a:pos x="connsiteX10" y="connsiteY10"/>
+              </a:cxn>
+              <a:cxn ang="0">
+                <a:pos x="connsiteX11" y="connsiteY11"/>
+              </a:cxn>
+              <a:cxn ang="0">
+                <a:pos x="connsiteX12" y="connsiteY12"/>
+              </a:cxn>
+              <a:cxn ang="0">
+                <a:pos x="connsiteX13" y="connsiteY13"/>
+              </a:cxn>
+              <a:cxn ang="0">
+                <a:pos x="connsiteX14" y="connsiteY14"/>
+              </a:cxn>
+              <a:cxn ang="0">
+                <a:pos x="connsiteX15" y="connsiteY15"/>
+              </a:cxn>
+              <a:cxn ang="0">
+                <a:pos x="connsiteX16" y="connsiteY16"/>
+              </a:cxn>
+              <a:cxn ang="0">
+                <a:pos x="connsiteX17" y="connsiteY17"/>
+              </a:cxn>
+            </a:cxnLst>
+            <a:rect l="l" t="t" r="r" b="b"/>
+            <a:pathLst>
+              <a:path w="295400" h="1904301">
+                <a:moveTo>
+                  <a:pt x="176169" y="0"/>
+                </a:moveTo>
+                <a:cubicBezTo>
+                  <a:pt x="137020" y="13982"/>
+                  <a:pt x="92190" y="17285"/>
+                  <a:pt x="58723" y="41945"/>
+                </a:cubicBezTo>
+                <a:cubicBezTo>
+                  <a:pt x="14346" y="74644"/>
+                  <a:pt x="8081" y="165279"/>
+                  <a:pt x="0" y="209725"/>
+                </a:cubicBezTo>
+                <a:cubicBezTo>
+                  <a:pt x="5593" y="248874"/>
+                  <a:pt x="1568" y="290667"/>
+                  <a:pt x="16778" y="327171"/>
+                </a:cubicBezTo>
+                <a:cubicBezTo>
+                  <a:pt x="30551" y="360227"/>
+                  <a:pt x="62605" y="382263"/>
+                  <a:pt x="83890" y="411061"/>
+                </a:cubicBezTo>
+                <a:cubicBezTo>
+                  <a:pt x="174326" y="533415"/>
+                  <a:pt x="150942" y="500405"/>
+                  <a:pt x="209725" y="637564"/>
+                </a:cubicBezTo>
+                <a:cubicBezTo>
+                  <a:pt x="213040" y="674028"/>
+                  <a:pt x="227138" y="756323"/>
+                  <a:pt x="209725" y="796954"/>
+                </a:cubicBezTo>
+                <a:cubicBezTo>
+                  <a:pt x="201122" y="817028"/>
+                  <a:pt x="182800" y="831433"/>
+                  <a:pt x="167780" y="847288"/>
+                </a:cubicBezTo>
+                <a:cubicBezTo>
+                  <a:pt x="132423" y="884609"/>
+                  <a:pt x="58723" y="956345"/>
+                  <a:pt x="58723" y="956345"/>
+                </a:cubicBezTo>
+                <a:cubicBezTo>
+                  <a:pt x="55927" y="973123"/>
+                  <a:pt x="49203" y="989707"/>
+                  <a:pt x="50334" y="1006679"/>
+                </a:cubicBezTo>
+                <a:cubicBezTo>
+                  <a:pt x="52049" y="1032403"/>
+                  <a:pt x="55582" y="1059121"/>
+                  <a:pt x="67112" y="1082180"/>
+                </a:cubicBezTo>
+                <a:cubicBezTo>
+                  <a:pt x="138165" y="1224286"/>
+                  <a:pt x="157455" y="1237296"/>
+                  <a:pt x="243281" y="1333850"/>
+                </a:cubicBezTo>
+                <a:cubicBezTo>
+                  <a:pt x="254466" y="1361813"/>
+                  <a:pt x="266262" y="1389540"/>
+                  <a:pt x="276837" y="1417740"/>
+                </a:cubicBezTo>
+                <a:cubicBezTo>
+                  <a:pt x="283047" y="1434300"/>
+                  <a:pt x="301094" y="1452048"/>
+                  <a:pt x="293615" y="1468074"/>
+                </a:cubicBezTo>
+                <a:cubicBezTo>
+                  <a:pt x="276515" y="1504718"/>
+                  <a:pt x="185168" y="1568284"/>
+                  <a:pt x="151002" y="1593909"/>
+                </a:cubicBezTo>
+                <a:cubicBezTo>
+                  <a:pt x="142013" y="1611886"/>
+                  <a:pt x="109057" y="1671867"/>
+                  <a:pt x="109057" y="1694577"/>
+                </a:cubicBezTo>
+                <a:cubicBezTo>
+                  <a:pt x="109057" y="1728596"/>
+                  <a:pt x="116060" y="1762660"/>
+                  <a:pt x="125835" y="1795244"/>
+                </a:cubicBezTo>
+                <a:cubicBezTo>
+                  <a:pt x="134005" y="1822476"/>
+                  <a:pt x="167826" y="1876415"/>
+                  <a:pt x="184558" y="1904301"/>
+                </a:cubicBezTo>
+              </a:path>
+            </a:pathLst>
+          </a:custGeom>
+          <a:ln w="76200"/>
+        </p:spPr>
+        <p:style>
+          <a:lnRef idx="1">
+            <a:schemeClr val="dk1"/>
+          </a:lnRef>
+          <a:fillRef idx="0">
+            <a:schemeClr val="dk1"/>
+          </a:fillRef>
+          <a:effectRef idx="0">
+            <a:schemeClr val="dk1"/>
+          </a:effectRef>
+          <a:fontRef idx="minor">
+            <a:schemeClr val="tx1"/>
+          </a:fontRef>
+        </p:style>
+        <p:txBody>
+          <a:bodyPr rtlCol="0" anchor="ctr"/>
+          <a:lstStyle/>
+          <a:p>
+            <a:pPr algn="ctr"/>
+            <a:endParaRPr lang="en-PH"/>
+          </a:p>
+        </p:txBody>
+      </p:sp>
+      <p:cxnSp>
+        <p:nvCxnSpPr>
+          <p:cNvPr id="11" name="Straight Connector 10">
+            <a:extLst>
+              <a:ext uri="{FF2B5EF4-FFF2-40B4-BE49-F238E27FC236}">
+                <a16:creationId xmlns:a16="http://schemas.microsoft.com/office/drawing/2014/main" id="{89EFF960-F506-4199-A5E7-0B854F708863}"/>
+              </a:ext>
+            </a:extLst>
+          </p:cNvPr>
+          <p:cNvCxnSpPr>
+            <a:cxnSpLocks/>
+          </p:cNvCxnSpPr>
+          <p:nvPr/>
+        </p:nvCxnSpPr>
+        <p:spPr>
+          <a:xfrm flipV="1">
+            <a:off x="4329588" y="3172009"/>
+            <a:ext cx="1274164" cy="1580988"/>
+          </a:xfrm>
+          <a:prstGeom prst="line">
+            <a:avLst/>
+          </a:prstGeom>
+          <a:ln w="76200"/>
+        </p:spPr>
+        <p:style>
+          <a:lnRef idx="1">
+            <a:schemeClr val="dk1"/>
+          </a:lnRef>
+          <a:fillRef idx="0">
+            <a:schemeClr val="dk1"/>
+          </a:fillRef>
+          <a:effectRef idx="0">
+            <a:schemeClr val="dk1"/>
+          </a:effectRef>
+          <a:fontRef idx="minor">
+            <a:schemeClr val="tx1"/>
+          </a:fontRef>
+        </p:style>
+      </p:cxnSp>
+      <p:cxnSp>
+        <p:nvCxnSpPr>
+          <p:cNvPr id="13" name="Straight Connector 12">
+            <a:extLst>
+              <a:ext uri="{FF2B5EF4-FFF2-40B4-BE49-F238E27FC236}">
+                <a16:creationId xmlns:a16="http://schemas.microsoft.com/office/drawing/2014/main" id="{FE8E197C-2DB6-47F7-B65D-F7A9937232F0}"/>
+              </a:ext>
+            </a:extLst>
+          </p:cNvPr>
+          <p:cNvCxnSpPr>
+            <a:cxnSpLocks/>
+          </p:cNvCxnSpPr>
+          <p:nvPr/>
+        </p:nvCxnSpPr>
+        <p:spPr>
+          <a:xfrm>
+            <a:off x="4329589" y="1682969"/>
+            <a:ext cx="1195784" cy="1477463"/>
+          </a:xfrm>
+          <a:prstGeom prst="line">
+            <a:avLst/>
+          </a:prstGeom>
+          <a:ln w="76200"/>
+        </p:spPr>
+        <p:style>
+          <a:lnRef idx="1">
+            <a:schemeClr val="dk1"/>
+          </a:lnRef>
+          <a:fillRef idx="0">
+            <a:schemeClr val="dk1"/>
+          </a:fillRef>
+          <a:effectRef idx="0">
+            <a:schemeClr val="dk1"/>
+          </a:effectRef>
+          <a:fontRef idx="minor">
+            <a:schemeClr val="tx1"/>
+          </a:fontRef>
+        </p:style>
+      </p:cxnSp>
+      <p:cxnSp>
+        <p:nvCxnSpPr>
+          <p:cNvPr id="15" name="Straight Connector 14">
+            <a:extLst>
+              <a:ext uri="{FF2B5EF4-FFF2-40B4-BE49-F238E27FC236}">
+                <a16:creationId xmlns:a16="http://schemas.microsoft.com/office/drawing/2014/main" id="{D66917D6-BAE4-4594-BE7E-821358643BAC}"/>
+              </a:ext>
+            </a:extLst>
+          </p:cNvPr>
+          <p:cNvCxnSpPr>
+            <a:cxnSpLocks/>
+          </p:cNvCxnSpPr>
+          <p:nvPr/>
+        </p:nvCxnSpPr>
+        <p:spPr>
+          <a:xfrm flipV="1">
+            <a:off x="7575227" y="1831181"/>
+            <a:ext cx="1020845" cy="1408829"/>
+          </a:xfrm>
+          <a:prstGeom prst="line">
+            <a:avLst/>
+          </a:prstGeom>
+          <a:ln w="76200"/>
+        </p:spPr>
+        <p:style>
+          <a:lnRef idx="1">
+            <a:schemeClr val="dk1"/>
+          </a:lnRef>
+          <a:fillRef idx="0">
+            <a:schemeClr val="dk1"/>
+          </a:fillRef>
+          <a:effectRef idx="0">
+            <a:schemeClr val="dk1"/>
+          </a:effectRef>
+          <a:fontRef idx="minor">
+            <a:schemeClr val="tx1"/>
+          </a:fontRef>
+        </p:style>
+      </p:cxnSp>
+      <p:cxnSp>
+        <p:nvCxnSpPr>
+          <p:cNvPr id="16" name="Straight Connector 15">
+            <a:extLst>
+              <a:ext uri="{FF2B5EF4-FFF2-40B4-BE49-F238E27FC236}">
+                <a16:creationId xmlns:a16="http://schemas.microsoft.com/office/drawing/2014/main" id="{324EE58C-3DA2-46B0-8CD0-8C048B860E91}"/>
+              </a:ext>
+            </a:extLst>
+          </p:cNvPr>
+          <p:cNvCxnSpPr>
+            <a:cxnSpLocks/>
+          </p:cNvCxnSpPr>
+          <p:nvPr/>
+        </p:nvCxnSpPr>
+        <p:spPr>
+          <a:xfrm rot="900000">
+            <a:off x="7418406" y="3533135"/>
+            <a:ext cx="1858602" cy="1125387"/>
+          </a:xfrm>
+          <a:prstGeom prst="line">
+            <a:avLst/>
+          </a:prstGeom>
+          <a:ln w="76200"/>
+        </p:spPr>
+        <p:style>
+          <a:lnRef idx="1">
+            <a:schemeClr val="dk1"/>
+          </a:lnRef>
+          <a:fillRef idx="0">
+            <a:schemeClr val="dk1"/>
+          </a:fillRef>
+          <a:effectRef idx="0">
+            <a:schemeClr val="dk1"/>
+          </a:effectRef>
+          <a:fontRef idx="minor">
+            <a:schemeClr val="tx1"/>
+          </a:fontRef>
+        </p:style>
+      </p:cxnSp>
+      <p:sp>
+        <p:nvSpPr>
+          <p:cNvPr id="17" name="Oval 16">
+            <a:extLst>
+              <a:ext uri="{FF2B5EF4-FFF2-40B4-BE49-F238E27FC236}">
+                <a16:creationId xmlns:a16="http://schemas.microsoft.com/office/drawing/2014/main" id="{510EADB2-EBFC-4CAA-BFA9-F9802675CFD3}"/>
+              </a:ext>
+            </a:extLst>
+          </p:cNvPr>
+          <p:cNvSpPr/>
+          <p:nvPr/>
+        </p:nvSpPr>
+        <p:spPr>
+          <a:xfrm>
+            <a:off x="5410610" y="3066193"/>
+            <a:ext cx="276836" cy="276836"/>
+          </a:xfrm>
+          <a:prstGeom prst="ellipse">
+            <a:avLst/>
+          </a:prstGeom>
+        </p:spPr>
+        <p:style>
+          <a:lnRef idx="2">
+            <a:schemeClr val="dk1">
+              <a:shade val="50000"/>
+            </a:schemeClr>
+          </a:lnRef>
+          <a:fillRef idx="1">
+            <a:schemeClr val="dk1"/>
+          </a:fillRef>
+          <a:effectRef idx="0">
+            <a:schemeClr val="dk1"/>
+          </a:effectRef>
+          <a:fontRef idx="minor">
+            <a:schemeClr val="lt1"/>
+          </a:fontRef>
+        </p:style>
+        <p:txBody>
+          <a:bodyPr rtlCol="0" anchor="ctr"/>
+          <a:lstStyle/>
+          <a:p>
+            <a:pPr algn="ctr"/>
+            <a:endParaRPr lang="en-PH"/>
+          </a:p>
+        </p:txBody>
+      </p:sp>
+      <p:sp>
+        <p:nvSpPr>
+          <p:cNvPr id="18" name="Oval 17">
+            <a:extLst>
+              <a:ext uri="{FF2B5EF4-FFF2-40B4-BE49-F238E27FC236}">
+                <a16:creationId xmlns:a16="http://schemas.microsoft.com/office/drawing/2014/main" id="{A9FFC33E-EB89-4276-AAD3-A14E4AA19ECA}"/>
+              </a:ext>
+            </a:extLst>
+          </p:cNvPr>
+          <p:cNvSpPr/>
+          <p:nvPr/>
+        </p:nvSpPr>
+        <p:spPr>
+          <a:xfrm>
+            <a:off x="7413768" y="3095537"/>
+            <a:ext cx="276836" cy="276836"/>
+          </a:xfrm>
+          <a:prstGeom prst="ellipse">
+            <a:avLst/>
+          </a:prstGeom>
+        </p:spPr>
+        <p:style>
+          <a:lnRef idx="2">
+            <a:schemeClr val="dk1">
+              <a:shade val="50000"/>
+            </a:schemeClr>
+          </a:lnRef>
+          <a:fillRef idx="1">
+            <a:schemeClr val="dk1"/>
+          </a:fillRef>
+          <a:effectRef idx="0">
+            <a:schemeClr val="dk1"/>
+          </a:effectRef>
+          <a:fontRef idx="minor">
+            <a:schemeClr val="lt1"/>
+          </a:fontRef>
+        </p:style>
+        <p:txBody>
+          <a:bodyPr rtlCol="0" anchor="ctr"/>
+          <a:lstStyle/>
+          <a:p>
+            <a:pPr algn="ctr"/>
+            <a:endParaRPr lang="en-PH"/>
+          </a:p>
+        </p:txBody>
+      </p:sp>
+      <p:sp>
+        <p:nvSpPr>
+          <p:cNvPr id="19" name="Isosceles Triangle 18">
+            <a:extLst>
+              <a:ext uri="{FF2B5EF4-FFF2-40B4-BE49-F238E27FC236}">
+                <a16:creationId xmlns:a16="http://schemas.microsoft.com/office/drawing/2014/main" id="{782255AA-9C76-4AC4-BFFC-F9C480A3DC75}"/>
+              </a:ext>
+            </a:extLst>
+          </p:cNvPr>
+          <p:cNvSpPr/>
+          <p:nvPr/>
+        </p:nvSpPr>
+        <p:spPr>
+          <a:xfrm rot="19632298">
+            <a:off x="4518863" y="1925751"/>
+            <a:ext cx="360726" cy="478174"/>
+          </a:xfrm>
+          <a:prstGeom prst="triangle">
+            <a:avLst/>
+          </a:prstGeom>
+        </p:spPr>
+        <p:style>
+          <a:lnRef idx="2">
+            <a:schemeClr val="dk1">
+              <a:shade val="50000"/>
+            </a:schemeClr>
+          </a:lnRef>
+          <a:fillRef idx="1">
+            <a:schemeClr val="dk1"/>
+          </a:fillRef>
+          <a:effectRef idx="0">
+            <a:schemeClr val="dk1"/>
+          </a:effectRef>
+          <a:fontRef idx="minor">
+            <a:schemeClr val="lt1"/>
+          </a:fontRef>
+        </p:style>
+        <p:txBody>
+          <a:bodyPr rtlCol="0" anchor="ctr"/>
+          <a:lstStyle/>
+          <a:p>
+            <a:pPr algn="ctr"/>
+            <a:endParaRPr lang="en-PH"/>
+          </a:p>
+        </p:txBody>
+      </p:sp>
+      <p:sp>
+        <p:nvSpPr>
+          <p:cNvPr id="20" name="Isosceles Triangle 19">
+            <a:extLst>
+              <a:ext uri="{FF2B5EF4-FFF2-40B4-BE49-F238E27FC236}">
+                <a16:creationId xmlns:a16="http://schemas.microsoft.com/office/drawing/2014/main" id="{9AD8BFE2-25C6-45D8-8B60-11B70592F15F}"/>
+              </a:ext>
+            </a:extLst>
+          </p:cNvPr>
+          <p:cNvSpPr/>
+          <p:nvPr/>
+        </p:nvSpPr>
+        <p:spPr>
+          <a:xfrm rot="12879053">
+            <a:off x="7943611" y="2238426"/>
+            <a:ext cx="360726" cy="478174"/>
+          </a:xfrm>
+          <a:prstGeom prst="triangle">
+            <a:avLst/>
+          </a:prstGeom>
+        </p:spPr>
+        <p:style>
+          <a:lnRef idx="2">
+            <a:schemeClr val="dk1">
+              <a:shade val="50000"/>
+            </a:schemeClr>
+          </a:lnRef>
+          <a:fillRef idx="1">
+            <a:schemeClr val="dk1"/>
+          </a:fillRef>
+          <a:effectRef idx="0">
+            <a:schemeClr val="dk1"/>
+          </a:effectRef>
+          <a:fontRef idx="minor">
+            <a:schemeClr val="lt1"/>
+          </a:fontRef>
+        </p:style>
+        <p:txBody>
+          <a:bodyPr rtlCol="0" anchor="ctr"/>
+          <a:lstStyle/>
+          <a:p>
+            <a:pPr algn="ctr"/>
+            <a:endParaRPr lang="en-PH"/>
+          </a:p>
+        </p:txBody>
+      </p:sp>
+      <p:sp>
+        <p:nvSpPr>
+          <p:cNvPr id="21" name="Isosceles Triangle 20">
+            <a:extLst>
+              <a:ext uri="{FF2B5EF4-FFF2-40B4-BE49-F238E27FC236}">
+                <a16:creationId xmlns:a16="http://schemas.microsoft.com/office/drawing/2014/main" id="{207C825B-6DA2-46B0-AC2F-5D52DFC2DDDC}"/>
+              </a:ext>
+            </a:extLst>
+          </p:cNvPr>
+          <p:cNvSpPr/>
+          <p:nvPr/>
+        </p:nvSpPr>
+        <p:spPr>
+          <a:xfrm rot="2347079">
+            <a:off x="4819650" y="3652380"/>
+            <a:ext cx="360726" cy="478174"/>
+          </a:xfrm>
+          <a:prstGeom prst="triangle">
+            <a:avLst/>
+          </a:prstGeom>
+        </p:spPr>
+        <p:style>
+          <a:lnRef idx="2">
+            <a:schemeClr val="dk1">
+              <a:shade val="50000"/>
+            </a:schemeClr>
+          </a:lnRef>
+          <a:fillRef idx="1">
+            <a:schemeClr val="dk1"/>
+          </a:fillRef>
+          <a:effectRef idx="0">
+            <a:schemeClr val="dk1"/>
+          </a:effectRef>
+          <a:fontRef idx="minor">
+            <a:schemeClr val="lt1"/>
+          </a:fontRef>
+        </p:style>
+        <p:txBody>
+          <a:bodyPr rtlCol="0" anchor="ctr"/>
+          <a:lstStyle/>
+          <a:p>
+            <a:pPr algn="ctr"/>
+            <a:endParaRPr lang="en-PH"/>
+          </a:p>
+        </p:txBody>
+      </p:sp>
+      <p:sp>
+        <p:nvSpPr>
+          <p:cNvPr id="23" name="Isosceles Triangle 22">
+            <a:extLst>
+              <a:ext uri="{FF2B5EF4-FFF2-40B4-BE49-F238E27FC236}">
+                <a16:creationId xmlns:a16="http://schemas.microsoft.com/office/drawing/2014/main" id="{1237730E-1F54-4AA1-98FB-FC7C3D63D7CA}"/>
+              </a:ext>
+            </a:extLst>
+          </p:cNvPr>
+          <p:cNvSpPr/>
+          <p:nvPr/>
+        </p:nvSpPr>
+        <p:spPr>
+          <a:xfrm rot="8550055">
+            <a:off x="8065270" y="3791587"/>
+            <a:ext cx="360726" cy="478174"/>
+          </a:xfrm>
+          <a:prstGeom prst="triangle">
+            <a:avLst/>
+          </a:prstGeom>
+        </p:spPr>
+        <p:style>
+          <a:lnRef idx="2">
+            <a:schemeClr val="dk1">
+              <a:shade val="50000"/>
+            </a:schemeClr>
+          </a:lnRef>
+          <a:fillRef idx="1">
+            <a:schemeClr val="dk1"/>
+          </a:fillRef>
+          <a:effectRef idx="0">
+            <a:schemeClr val="dk1"/>
+          </a:effectRef>
+          <a:fontRef idx="minor">
+            <a:schemeClr val="lt1"/>
+          </a:fontRef>
+        </p:style>
+        <p:txBody>
+          <a:bodyPr rtlCol="0" anchor="ctr"/>
+          <a:lstStyle/>
+          <a:p>
+            <a:pPr algn="ctr"/>
+            <a:endParaRPr lang="en-PH"/>
+          </a:p>
+        </p:txBody>
+      </p:sp>
+      <mc:AlternateContent xmlns:mc="http://schemas.openxmlformats.org/markup-compatibility/2006">
+        <mc:Choice xmlns:a14="http://schemas.microsoft.com/office/drawing/2010/main" Requires="a14">
+          <p:sp>
+            <p:nvSpPr>
+              <p:cNvPr id="2" name="TextBox 1">
+                <a:extLst>
+                  <a:ext uri="{FF2B5EF4-FFF2-40B4-BE49-F238E27FC236}">
+                    <a16:creationId xmlns:a16="http://schemas.microsoft.com/office/drawing/2014/main" id="{42617DA8-C274-4923-9987-5792ABE96507}"/>
+                  </a:ext>
+                </a:extLst>
+              </p:cNvPr>
+              <p:cNvSpPr txBox="1"/>
+              <p:nvPr/>
+            </p:nvSpPr>
+            <p:spPr>
+              <a:xfrm>
+                <a:off x="4857699" y="1786476"/>
+                <a:ext cx="606320" cy="646331"/>
+              </a:xfrm>
+              <a:prstGeom prst="rect">
+                <a:avLst/>
+              </a:prstGeom>
+              <a:noFill/>
+            </p:spPr>
+            <p:txBody>
+              <a:bodyPr wrap="none" rtlCol="0">
+                <a:spAutoFit/>
+              </a:bodyPr>
+              <a:lstStyle/>
+              <a:p>
+                <a:pPr/>
+                <a14:m>
+                  <m:oMathPara xmlns:m="http://schemas.openxmlformats.org/officeDocument/2006/math">
+                    <m:oMathParaPr>
+                      <m:jc m:val="centerGroup"/>
+                    </m:oMathParaPr>
+                    <m:oMath xmlns:m="http://schemas.openxmlformats.org/officeDocument/2006/math">
+                      <m:sSub>
+                        <m:sSubPr>
+                          <m:ctrlPr>
+                            <a:rPr lang="en-PH" b="0" i="1" smtClean="0">
+                              <a:latin typeface="Cambria Math" panose="02040503050406030204" pitchFamily="18" charset="0"/>
+                            </a:rPr>
+                          </m:ctrlPr>
+                        </m:sSubPr>
+                        <m:e>
+                          <m:r>
+                            <a:rPr lang="en-PH" b="0" i="1" smtClean="0">
+                              <a:latin typeface="Cambria Math" panose="02040503050406030204" pitchFamily="18" charset="0"/>
+                            </a:rPr>
+                            <m:t>𝑝</m:t>
+                          </m:r>
+                        </m:e>
+                        <m:sub>
+                          <m:r>
+                            <a:rPr lang="en-PH" b="0" i="1" smtClean="0">
+                              <a:latin typeface="Cambria Math" panose="02040503050406030204" pitchFamily="18" charset="0"/>
+                            </a:rPr>
+                            <m:t>1</m:t>
+                          </m:r>
+                        </m:sub>
+                      </m:sSub>
+                    </m:oMath>
+                  </m:oMathPara>
+                </a14:m>
+                <a:endParaRPr lang="en-PH" b="0" dirty="0"/>
+              </a:p>
+              <a:p>
+                <a:endParaRPr lang="en-PH" dirty="0"/>
+              </a:p>
+            </p:txBody>
+          </p:sp>
+        </mc:Choice>
+        <mc:Fallback>
+          <p:sp>
+            <p:nvSpPr>
+              <p:cNvPr id="2" name="TextBox 1">
+                <a:extLst>
+                  <a:ext uri="{FF2B5EF4-FFF2-40B4-BE49-F238E27FC236}">
+                    <a16:creationId xmlns:a16="http://schemas.microsoft.com/office/drawing/2014/main" id="{42617DA8-C274-4923-9987-5792ABE96507}"/>
+                  </a:ext>
+                </a:extLst>
+              </p:cNvPr>
+              <p:cNvSpPr txBox="1">
+                <a:spLocks noRot="1" noChangeAspect="1" noMove="1" noResize="1" noEditPoints="1" noAdjustHandles="1" noChangeArrowheads="1" noChangeShapeType="1" noTextEdit="1"/>
+              </p:cNvSpPr>
+              <p:nvPr/>
+            </p:nvSpPr>
+            <p:spPr>
+              <a:xfrm>
+                <a:off x="4857699" y="1786476"/>
+                <a:ext cx="606320" cy="646331"/>
+              </a:xfrm>
+              <a:prstGeom prst="rect">
+                <a:avLst/>
+              </a:prstGeom>
+              <a:blipFill>
+                <a:blip r:embed="rId6"/>
+                <a:stretch>
+                  <a:fillRect/>
+                </a:stretch>
+              </a:blipFill>
+            </p:spPr>
+            <p:txBody>
+              <a:bodyPr/>
+              <a:lstStyle/>
+              <a:p>
+                <a:r>
+                  <a:rPr lang="en-PH">
+                    <a:noFill/>
+                  </a:rPr>
+                  <a:t> </a:t>
+                </a:r>
+              </a:p>
+            </p:txBody>
+          </p:sp>
+        </mc:Fallback>
+      </mc:AlternateContent>
+      <mc:AlternateContent xmlns:mc="http://schemas.openxmlformats.org/markup-compatibility/2006">
+        <mc:Choice xmlns:a14="http://schemas.microsoft.com/office/drawing/2010/main" Requires="a14">
+          <p:sp>
+            <p:nvSpPr>
+              <p:cNvPr id="22" name="TextBox 21">
+                <a:extLst>
+                  <a:ext uri="{FF2B5EF4-FFF2-40B4-BE49-F238E27FC236}">
+                    <a16:creationId xmlns:a16="http://schemas.microsoft.com/office/drawing/2014/main" id="{1D11856D-B928-4A4A-AF5C-BB632CECE99A}"/>
+                  </a:ext>
+                </a:extLst>
+              </p:cNvPr>
+              <p:cNvSpPr txBox="1"/>
+              <p:nvPr/>
+            </p:nvSpPr>
+            <p:spPr>
+              <a:xfrm>
+                <a:off x="7492198" y="1817178"/>
+                <a:ext cx="564898" cy="646331"/>
+              </a:xfrm>
+              <a:prstGeom prst="rect">
+                <a:avLst/>
+              </a:prstGeom>
+              <a:noFill/>
+            </p:spPr>
+            <p:txBody>
+              <a:bodyPr wrap="none" rtlCol="0">
+                <a:spAutoFit/>
+              </a:bodyPr>
+              <a:lstStyle/>
+              <a:p>
+                <a:pPr/>
+                <a14:m>
+                  <m:oMathPara xmlns:m="http://schemas.openxmlformats.org/officeDocument/2006/math">
+                    <m:oMathParaPr>
+                      <m:jc m:val="centerGroup"/>
+                    </m:oMathParaPr>
+                    <m:oMath xmlns:m="http://schemas.openxmlformats.org/officeDocument/2006/math">
+                      <m:sSub>
+                        <m:sSubPr>
+                          <m:ctrlPr>
+                            <a:rPr lang="en-PH" b="0" i="1" smtClean="0">
+                              <a:latin typeface="Cambria Math" panose="02040503050406030204" pitchFamily="18" charset="0"/>
+                            </a:rPr>
+                          </m:ctrlPr>
+                        </m:sSubPr>
+                        <m:e>
+                          <m:r>
+                            <a:rPr lang="en-PH" b="0" i="1" smtClean="0">
+                              <a:latin typeface="Cambria Math" panose="02040503050406030204" pitchFamily="18" charset="0"/>
+                            </a:rPr>
+                            <m:t>𝑝</m:t>
+                          </m:r>
+                        </m:e>
+                        <m:sub>
+                          <m:r>
+                            <a:rPr lang="en-PH" b="0" i="1" smtClean="0">
+                              <a:latin typeface="Cambria Math" panose="02040503050406030204" pitchFamily="18" charset="0"/>
+                            </a:rPr>
+                            <m:t>3</m:t>
+                          </m:r>
+                        </m:sub>
+                      </m:sSub>
+                    </m:oMath>
+                  </m:oMathPara>
+                </a14:m>
+                <a:endParaRPr lang="en-PH" b="0" dirty="0"/>
+              </a:p>
+              <a:p>
+                <a:endParaRPr lang="en-PH" dirty="0"/>
+              </a:p>
+            </p:txBody>
+          </p:sp>
+        </mc:Choice>
+        <mc:Fallback>
+          <p:sp>
+            <p:nvSpPr>
+              <p:cNvPr id="22" name="TextBox 21">
+                <a:extLst>
+                  <a:ext uri="{FF2B5EF4-FFF2-40B4-BE49-F238E27FC236}">
+                    <a16:creationId xmlns:a16="http://schemas.microsoft.com/office/drawing/2014/main" id="{1D11856D-B928-4A4A-AF5C-BB632CECE99A}"/>
+                  </a:ext>
+                </a:extLst>
+              </p:cNvPr>
+              <p:cNvSpPr txBox="1">
+                <a:spLocks noRot="1" noChangeAspect="1" noMove="1" noResize="1" noEditPoints="1" noAdjustHandles="1" noChangeArrowheads="1" noChangeShapeType="1" noTextEdit="1"/>
+              </p:cNvSpPr>
+              <p:nvPr/>
+            </p:nvSpPr>
+            <p:spPr>
+              <a:xfrm>
+                <a:off x="7492198" y="1817178"/>
+                <a:ext cx="564898" cy="646331"/>
+              </a:xfrm>
+              <a:prstGeom prst="rect">
+                <a:avLst/>
+              </a:prstGeom>
+              <a:blipFill>
+                <a:blip r:embed="rId7"/>
+                <a:stretch>
+                  <a:fillRect/>
+                </a:stretch>
+              </a:blipFill>
+            </p:spPr>
+            <p:txBody>
+              <a:bodyPr/>
+              <a:lstStyle/>
+              <a:p>
+                <a:r>
+                  <a:rPr lang="en-PH">
+                    <a:noFill/>
+                  </a:rPr>
+                  <a:t> </a:t>
+                </a:r>
+              </a:p>
+            </p:txBody>
+          </p:sp>
+        </mc:Fallback>
+      </mc:AlternateContent>
+      <mc:AlternateContent xmlns:mc="http://schemas.openxmlformats.org/markup-compatibility/2006">
+        <mc:Choice xmlns:a14="http://schemas.microsoft.com/office/drawing/2010/main" Requires="a14">
+          <p:sp>
+            <p:nvSpPr>
+              <p:cNvPr id="24" name="TextBox 23">
+                <a:extLst>
+                  <a:ext uri="{FF2B5EF4-FFF2-40B4-BE49-F238E27FC236}">
+                    <a16:creationId xmlns:a16="http://schemas.microsoft.com/office/drawing/2014/main" id="{04DD67E0-0435-46E2-A0A4-709237C39944}"/>
+                  </a:ext>
+                </a:extLst>
+              </p:cNvPr>
+              <p:cNvSpPr txBox="1"/>
+              <p:nvPr/>
+            </p:nvSpPr>
+            <p:spPr>
+              <a:xfrm>
+                <a:off x="4835802" y="4312467"/>
+                <a:ext cx="564898" cy="646331"/>
+              </a:xfrm>
+              <a:prstGeom prst="rect">
+                <a:avLst/>
+              </a:prstGeom>
+              <a:noFill/>
+            </p:spPr>
+            <p:txBody>
+              <a:bodyPr wrap="none" rtlCol="0">
+                <a:spAutoFit/>
+              </a:bodyPr>
+              <a:lstStyle/>
+              <a:p>
+                <a:pPr/>
+                <a14:m>
+                  <m:oMathPara xmlns:m="http://schemas.openxmlformats.org/officeDocument/2006/math">
+                    <m:oMathParaPr>
+                      <m:jc m:val="centerGroup"/>
+                    </m:oMathParaPr>
+                    <m:oMath xmlns:m="http://schemas.openxmlformats.org/officeDocument/2006/math">
+                      <m:sSub>
+                        <m:sSubPr>
+                          <m:ctrlPr>
+                            <a:rPr lang="en-PH" b="0" i="1" smtClean="0">
+                              <a:latin typeface="Cambria Math" panose="02040503050406030204" pitchFamily="18" charset="0"/>
+                            </a:rPr>
+                          </m:ctrlPr>
+                        </m:sSubPr>
+                        <m:e>
+                          <m:r>
+                            <a:rPr lang="en-PH" b="0" i="1" smtClean="0">
+                              <a:latin typeface="Cambria Math" panose="02040503050406030204" pitchFamily="18" charset="0"/>
+                            </a:rPr>
+                            <m:t>𝑝</m:t>
+                          </m:r>
+                        </m:e>
+                        <m:sub>
+                          <m:r>
+                            <a:rPr lang="en-PH" b="0" i="1" smtClean="0">
+                              <a:latin typeface="Cambria Math" panose="02040503050406030204" pitchFamily="18" charset="0"/>
+                            </a:rPr>
+                            <m:t>2</m:t>
+                          </m:r>
+                        </m:sub>
+                      </m:sSub>
+                    </m:oMath>
+                  </m:oMathPara>
+                </a14:m>
+                <a:endParaRPr lang="en-PH" b="0" dirty="0"/>
+              </a:p>
+              <a:p>
+                <a:endParaRPr lang="en-PH" dirty="0"/>
+              </a:p>
+            </p:txBody>
+          </p:sp>
+        </mc:Choice>
+        <mc:Fallback>
+          <p:sp>
+            <p:nvSpPr>
+              <p:cNvPr id="24" name="TextBox 23">
+                <a:extLst>
+                  <a:ext uri="{FF2B5EF4-FFF2-40B4-BE49-F238E27FC236}">
+                    <a16:creationId xmlns:a16="http://schemas.microsoft.com/office/drawing/2014/main" id="{04DD67E0-0435-46E2-A0A4-709237C39944}"/>
+                  </a:ext>
+                </a:extLst>
+              </p:cNvPr>
+              <p:cNvSpPr txBox="1">
+                <a:spLocks noRot="1" noChangeAspect="1" noMove="1" noResize="1" noEditPoints="1" noAdjustHandles="1" noChangeArrowheads="1" noChangeShapeType="1" noTextEdit="1"/>
+              </p:cNvSpPr>
+              <p:nvPr/>
+            </p:nvSpPr>
+            <p:spPr>
+              <a:xfrm>
+                <a:off x="4835802" y="4312467"/>
+                <a:ext cx="564898" cy="646331"/>
+              </a:xfrm>
+              <a:prstGeom prst="rect">
+                <a:avLst/>
+              </a:prstGeom>
+              <a:blipFill>
+                <a:blip r:embed="rId8"/>
+                <a:stretch>
+                  <a:fillRect/>
+                </a:stretch>
+              </a:blipFill>
+            </p:spPr>
+            <p:txBody>
+              <a:bodyPr/>
+              <a:lstStyle/>
+              <a:p>
+                <a:r>
+                  <a:rPr lang="en-PH">
+                    <a:noFill/>
+                  </a:rPr>
+                  <a:t> </a:t>
+                </a:r>
+              </a:p>
+            </p:txBody>
+          </p:sp>
+        </mc:Fallback>
+      </mc:AlternateContent>
+      <mc:AlternateContent xmlns:mc="http://schemas.openxmlformats.org/markup-compatibility/2006">
+        <mc:Choice xmlns:a14="http://schemas.microsoft.com/office/drawing/2010/main" Requires="a14">
+          <p:sp>
+            <p:nvSpPr>
+              <p:cNvPr id="25" name="TextBox 24">
+                <a:extLst>
+                  <a:ext uri="{FF2B5EF4-FFF2-40B4-BE49-F238E27FC236}">
+                    <a16:creationId xmlns:a16="http://schemas.microsoft.com/office/drawing/2014/main" id="{6E6D2518-EC3D-430E-9762-056166412C44}"/>
+                  </a:ext>
+                </a:extLst>
+              </p:cNvPr>
+              <p:cNvSpPr txBox="1"/>
+              <p:nvPr/>
+            </p:nvSpPr>
+            <p:spPr>
+              <a:xfrm>
+                <a:off x="7956996" y="4330152"/>
+                <a:ext cx="564001" cy="646331"/>
+              </a:xfrm>
+              <a:prstGeom prst="rect">
+                <a:avLst/>
+              </a:prstGeom>
+              <a:noFill/>
+            </p:spPr>
+            <p:txBody>
+              <a:bodyPr wrap="none" rtlCol="0">
+                <a:spAutoFit/>
+              </a:bodyPr>
+              <a:lstStyle/>
+              <a:p>
+                <a:pPr/>
+                <a14:m>
+                  <m:oMathPara xmlns:m="http://schemas.openxmlformats.org/officeDocument/2006/math">
+                    <m:oMathParaPr>
+                      <m:jc m:val="centerGroup"/>
+                    </m:oMathParaPr>
+                    <m:oMath xmlns:m="http://schemas.openxmlformats.org/officeDocument/2006/math">
+                      <m:sSub>
+                        <m:sSubPr>
+                          <m:ctrlPr>
+                            <a:rPr lang="en-PH" b="0" i="1" smtClean="0">
+                              <a:latin typeface="Cambria Math" panose="02040503050406030204" pitchFamily="18" charset="0"/>
+                            </a:rPr>
+                          </m:ctrlPr>
+                        </m:sSubPr>
+                        <m:e>
+                          <m:r>
+                            <a:rPr lang="en-PH" b="0" i="1" smtClean="0">
+                              <a:latin typeface="Cambria Math" panose="02040503050406030204" pitchFamily="18" charset="0"/>
+                            </a:rPr>
+                            <m:t>𝑝</m:t>
+                          </m:r>
+                        </m:e>
+                        <m:sub>
+                          <m:r>
+                            <a:rPr lang="en-PH" b="0" i="1" smtClean="0">
+                              <a:latin typeface="Cambria Math" panose="02040503050406030204" pitchFamily="18" charset="0"/>
+                            </a:rPr>
+                            <m:t>4</m:t>
+                          </m:r>
+                        </m:sub>
+                      </m:sSub>
+                    </m:oMath>
+                  </m:oMathPara>
+                </a14:m>
+                <a:endParaRPr lang="en-PH" b="0" dirty="0"/>
+              </a:p>
+              <a:p>
+                <a:endParaRPr lang="en-PH" dirty="0"/>
+              </a:p>
+            </p:txBody>
+          </p:sp>
+        </mc:Choice>
+        <mc:Fallback>
+          <p:sp>
+            <p:nvSpPr>
+              <p:cNvPr id="25" name="TextBox 24">
+                <a:extLst>
+                  <a:ext uri="{FF2B5EF4-FFF2-40B4-BE49-F238E27FC236}">
+                    <a16:creationId xmlns:a16="http://schemas.microsoft.com/office/drawing/2014/main" id="{6E6D2518-EC3D-430E-9762-056166412C44}"/>
+                  </a:ext>
+                </a:extLst>
+              </p:cNvPr>
+              <p:cNvSpPr txBox="1">
+                <a:spLocks noRot="1" noChangeAspect="1" noMove="1" noResize="1" noEditPoints="1" noAdjustHandles="1" noChangeArrowheads="1" noChangeShapeType="1" noTextEdit="1"/>
+              </p:cNvSpPr>
+              <p:nvPr/>
+            </p:nvSpPr>
+            <p:spPr>
+              <a:xfrm>
+                <a:off x="7956996" y="4330152"/>
+                <a:ext cx="564001" cy="646331"/>
+              </a:xfrm>
+              <a:prstGeom prst="rect">
+                <a:avLst/>
+              </a:prstGeom>
+              <a:blipFill>
+                <a:blip r:embed="rId9"/>
+                <a:stretch>
+                  <a:fillRect/>
+                </a:stretch>
+              </a:blipFill>
+            </p:spPr>
+            <p:txBody>
+              <a:bodyPr/>
+              <a:lstStyle/>
+              <a:p>
+                <a:r>
+                  <a:rPr lang="en-PH">
+                    <a:noFill/>
+                  </a:rPr>
+                  <a:t> </a:t>
+                </a:r>
+              </a:p>
+            </p:txBody>
+          </p:sp>
+        </mc:Fallback>
+      </mc:AlternateContent>
+      <p:sp>
+        <p:nvSpPr>
+          <p:cNvPr id="4" name="TextBox 3">
+            <a:extLst>
+              <a:ext uri="{FF2B5EF4-FFF2-40B4-BE49-F238E27FC236}">
+                <a16:creationId xmlns:a16="http://schemas.microsoft.com/office/drawing/2014/main" id="{BA3A8356-0C11-47FD-8D51-A29570A838C4}"/>
+              </a:ext>
+            </a:extLst>
+          </p:cNvPr>
+          <p:cNvSpPr txBox="1"/>
+          <p:nvPr/>
+        </p:nvSpPr>
+        <p:spPr>
+          <a:xfrm>
+            <a:off x="10379618" y="877746"/>
+            <a:ext cx="1761508" cy="1200329"/>
+          </a:xfrm>
+          <a:prstGeom prst="rect">
+            <a:avLst/>
+          </a:prstGeom>
+          <a:noFill/>
+        </p:spPr>
+        <p:txBody>
+          <a:bodyPr wrap="none" rtlCol="0">
+            <a:spAutoFit/>
+          </a:bodyPr>
+          <a:lstStyle/>
+          <a:p>
+            <a:r>
+              <a:rPr lang="en-PH" dirty="0"/>
+              <a:t>s-channel</a:t>
+            </a:r>
+          </a:p>
+          <a:p>
+            <a:r>
+              <a:rPr lang="en-PH" dirty="0"/>
+              <a:t>annihilation and </a:t>
+            </a:r>
+          </a:p>
+          <a:p>
+            <a:r>
+              <a:rPr lang="en-PH" dirty="0"/>
+              <a:t>creating</a:t>
+            </a:r>
+          </a:p>
+          <a:p>
+            <a:endParaRPr lang="en-PH" dirty="0"/>
+          </a:p>
+        </p:txBody>
+      </p:sp>
+      <mc:AlternateContent xmlns:mc="http://schemas.openxmlformats.org/markup-compatibility/2006">
+        <mc:Choice xmlns:a14="http://schemas.microsoft.com/office/drawing/2010/main" Requires="a14">
+          <p:sp>
+            <p:nvSpPr>
+              <p:cNvPr id="28" name="Subtitle 2">
+                <a:extLst>
+                  <a:ext uri="{FF2B5EF4-FFF2-40B4-BE49-F238E27FC236}">
+                    <a16:creationId xmlns:a16="http://schemas.microsoft.com/office/drawing/2014/main" id="{FADFC5EC-B526-4E43-BE4E-420A99AB904A}"/>
+                  </a:ext>
+                </a:extLst>
+              </p:cNvPr>
+              <p:cNvSpPr txBox="1">
+                <a:spLocks/>
+              </p:cNvSpPr>
+              <p:nvPr/>
+            </p:nvSpPr>
+            <p:spPr>
+              <a:xfrm>
+                <a:off x="5710928" y="2582792"/>
+                <a:ext cx="1227589" cy="483401"/>
+              </a:xfrm>
+              <a:prstGeom prst="rect">
+                <a:avLst/>
+              </a:prstGeom>
+            </p:spPr>
+            <p:txBody>
+              <a:bodyPr vert="horz" lIns="91440" tIns="45720" rIns="91440" bIns="45720" rtlCol="0">
+                <a:normAutofit/>
+              </a:bodyPr>
+              <a:lstStyle>
+                <a:lvl1pPr marL="0" indent="0" algn="ctr" defTabSz="914400" rtl="0" eaLnBrk="1" latinLnBrk="0" hangingPunct="1">
+                  <a:lnSpc>
+                    <a:spcPct val="90000"/>
+                  </a:lnSpc>
+                  <a:spcBef>
+                    <a:spcPts val="1000"/>
+                  </a:spcBef>
+                  <a:buFont typeface="Arial" panose="020B0604020202020204" pitchFamily="34" charset="0"/>
+                  <a:buNone/>
+                  <a:defRPr sz="2400" kern="1200">
+                    <a:solidFill>
+                      <a:schemeClr val="tx1"/>
+                    </a:solidFill>
+                    <a:latin typeface="+mn-lt"/>
+                    <a:ea typeface="+mn-ea"/>
+                    <a:cs typeface="+mn-cs"/>
+                  </a:defRPr>
+                </a:lvl1pPr>
+                <a:lvl2pPr marL="457200" indent="0" algn="ctr" defTabSz="914400" rtl="0" eaLnBrk="1" latinLnBrk="0" hangingPunct="1">
+                  <a:lnSpc>
+                    <a:spcPct val="90000"/>
+                  </a:lnSpc>
+                  <a:spcBef>
+                    <a:spcPts val="500"/>
+                  </a:spcBef>
+                  <a:buFont typeface="Arial" panose="020B0604020202020204" pitchFamily="34" charset="0"/>
+                  <a:buNone/>
+                  <a:defRPr sz="2000" kern="1200">
+                    <a:solidFill>
+                      <a:schemeClr val="tx1"/>
+                    </a:solidFill>
+                    <a:latin typeface="+mn-lt"/>
+                    <a:ea typeface="+mn-ea"/>
+                    <a:cs typeface="+mn-cs"/>
+                  </a:defRPr>
+                </a:lvl2pPr>
+                <a:lvl3pPr marL="914400" indent="0" algn="ctr" defTabSz="914400" rtl="0" eaLnBrk="1" latinLnBrk="0" hangingPunct="1">
+                  <a:lnSpc>
+                    <a:spcPct val="90000"/>
+                  </a:lnSpc>
+                  <a:spcBef>
+                    <a:spcPts val="500"/>
+                  </a:spcBef>
+                  <a:buFont typeface="Arial" panose="020B0604020202020204" pitchFamily="34" charset="0"/>
+                  <a:buNone/>
+                  <a:defRPr sz="1800" kern="1200">
+                    <a:solidFill>
+                      <a:schemeClr val="tx1"/>
+                    </a:solidFill>
+                    <a:latin typeface="+mn-lt"/>
+                    <a:ea typeface="+mn-ea"/>
+                    <a:cs typeface="+mn-cs"/>
+                  </a:defRPr>
+                </a:lvl3pPr>
+                <a:lvl4pPr marL="1371600" indent="0" algn="ctr" defTabSz="914400" rtl="0" eaLnBrk="1" latinLnBrk="0" hangingPunct="1">
+                  <a:lnSpc>
+                    <a:spcPct val="90000"/>
+                  </a:lnSpc>
+                  <a:spcBef>
+                    <a:spcPts val="500"/>
+                  </a:spcBef>
+                  <a:buFont typeface="Arial" panose="020B0604020202020204" pitchFamily="34" charset="0"/>
+                  <a:buNone/>
+                  <a:defRPr sz="1600" kern="1200">
+                    <a:solidFill>
+                      <a:schemeClr val="tx1"/>
+                    </a:solidFill>
+                    <a:latin typeface="+mn-lt"/>
+                    <a:ea typeface="+mn-ea"/>
+                    <a:cs typeface="+mn-cs"/>
+                  </a:defRPr>
+                </a:lvl4pPr>
+                <a:lvl5pPr marL="1828800" indent="0" algn="ctr" defTabSz="914400" rtl="0" eaLnBrk="1" latinLnBrk="0" hangingPunct="1">
+                  <a:lnSpc>
+                    <a:spcPct val="90000"/>
+                  </a:lnSpc>
+                  <a:spcBef>
+                    <a:spcPts val="500"/>
+                  </a:spcBef>
+                  <a:buFont typeface="Arial" panose="020B0604020202020204" pitchFamily="34" charset="0"/>
+                  <a:buNone/>
+                  <a:defRPr sz="1600" kern="1200">
+                    <a:solidFill>
+                      <a:schemeClr val="tx1"/>
+                    </a:solidFill>
+                    <a:latin typeface="+mn-lt"/>
+                    <a:ea typeface="+mn-ea"/>
+                    <a:cs typeface="+mn-cs"/>
+                  </a:defRPr>
+                </a:lvl5pPr>
+                <a:lvl6pPr marL="2286000" indent="0" algn="ctr" defTabSz="914400" rtl="0" eaLnBrk="1" latinLnBrk="0" hangingPunct="1">
+                  <a:lnSpc>
+                    <a:spcPct val="90000"/>
+                  </a:lnSpc>
+                  <a:spcBef>
+                    <a:spcPts val="500"/>
+                  </a:spcBef>
+                  <a:buFont typeface="Arial" panose="020B0604020202020204" pitchFamily="34" charset="0"/>
+                  <a:buNone/>
+                  <a:defRPr sz="1600" kern="1200">
+                    <a:solidFill>
+                      <a:schemeClr val="tx1"/>
+                    </a:solidFill>
+                    <a:latin typeface="+mn-lt"/>
+                    <a:ea typeface="+mn-ea"/>
+                    <a:cs typeface="+mn-cs"/>
+                  </a:defRPr>
+                </a:lvl6pPr>
+                <a:lvl7pPr marL="2743200" indent="0" algn="ctr" defTabSz="914400" rtl="0" eaLnBrk="1" latinLnBrk="0" hangingPunct="1">
+                  <a:lnSpc>
+                    <a:spcPct val="90000"/>
+                  </a:lnSpc>
+                  <a:spcBef>
+                    <a:spcPts val="500"/>
+                  </a:spcBef>
+                  <a:buFont typeface="Arial" panose="020B0604020202020204" pitchFamily="34" charset="0"/>
+                  <a:buNone/>
+                  <a:defRPr sz="1600" kern="1200">
+                    <a:solidFill>
+                      <a:schemeClr val="tx1"/>
+                    </a:solidFill>
+                    <a:latin typeface="+mn-lt"/>
+                    <a:ea typeface="+mn-ea"/>
+                    <a:cs typeface="+mn-cs"/>
+                  </a:defRPr>
+                </a:lvl7pPr>
+                <a:lvl8pPr marL="3200400" indent="0" algn="ctr" defTabSz="914400" rtl="0" eaLnBrk="1" latinLnBrk="0" hangingPunct="1">
+                  <a:lnSpc>
+                    <a:spcPct val="90000"/>
+                  </a:lnSpc>
+                  <a:spcBef>
+                    <a:spcPts val="500"/>
+                  </a:spcBef>
+                  <a:buFont typeface="Arial" panose="020B0604020202020204" pitchFamily="34" charset="0"/>
+                  <a:buNone/>
+                  <a:defRPr sz="1600" kern="1200">
+                    <a:solidFill>
+                      <a:schemeClr val="tx1"/>
+                    </a:solidFill>
+                    <a:latin typeface="+mn-lt"/>
+                    <a:ea typeface="+mn-ea"/>
+                    <a:cs typeface="+mn-cs"/>
+                  </a:defRPr>
+                </a:lvl8pPr>
+                <a:lvl9pPr marL="3657600" indent="0" algn="ctr" defTabSz="914400" rtl="0" eaLnBrk="1" latinLnBrk="0" hangingPunct="1">
+                  <a:lnSpc>
+                    <a:spcPct val="90000"/>
+                  </a:lnSpc>
+                  <a:spcBef>
+                    <a:spcPts val="500"/>
+                  </a:spcBef>
+                  <a:buFont typeface="Arial" panose="020B0604020202020204" pitchFamily="34" charset="0"/>
+                  <a:buNone/>
+                  <a:defRPr sz="1600" kern="1200">
+                    <a:solidFill>
+                      <a:schemeClr val="tx1"/>
+                    </a:solidFill>
+                    <a:latin typeface="+mn-lt"/>
+                    <a:ea typeface="+mn-ea"/>
+                    <a:cs typeface="+mn-cs"/>
+                  </a:defRPr>
+                </a:lvl9pPr>
+              </a:lstStyle>
+              <a:p>
+                <a:pPr/>
+                <a14:m>
+                  <m:oMathPara xmlns:m="http://schemas.openxmlformats.org/officeDocument/2006/math">
+                    <m:oMathParaPr>
+                      <m:jc m:val="centerGroup"/>
+                    </m:oMathParaPr>
+                    <m:oMath xmlns:m="http://schemas.openxmlformats.org/officeDocument/2006/math">
+                      <m:r>
+                        <a:rPr lang="en-PH" i="1" smtClean="0">
+                          <a:latin typeface="Cambria Math" panose="02040503050406030204" pitchFamily="18" charset="0"/>
+                        </a:rPr>
+                        <m:t>𝛾</m:t>
+                      </m:r>
+                    </m:oMath>
+                  </m:oMathPara>
+                </a14:m>
+                <a:endParaRPr lang="en-PH" dirty="0"/>
+              </a:p>
+            </p:txBody>
+          </p:sp>
+        </mc:Choice>
+        <mc:Fallback>
+          <p:sp>
+            <p:nvSpPr>
+              <p:cNvPr id="28" name="Subtitle 2">
+                <a:extLst>
+                  <a:ext uri="{FF2B5EF4-FFF2-40B4-BE49-F238E27FC236}">
+                    <a16:creationId xmlns:a16="http://schemas.microsoft.com/office/drawing/2014/main" id="{FADFC5EC-B526-4E43-BE4E-420A99AB904A}"/>
+                  </a:ext>
+                </a:extLst>
+              </p:cNvPr>
+              <p:cNvSpPr txBox="1">
+                <a:spLocks noRot="1" noChangeAspect="1" noMove="1" noResize="1" noEditPoints="1" noAdjustHandles="1" noChangeArrowheads="1" noChangeShapeType="1" noTextEdit="1"/>
+              </p:cNvSpPr>
+              <p:nvPr/>
+            </p:nvSpPr>
+            <p:spPr>
+              <a:xfrm>
+                <a:off x="5710928" y="2582792"/>
+                <a:ext cx="1227589" cy="483401"/>
+              </a:xfrm>
+              <a:prstGeom prst="rect">
+                <a:avLst/>
+              </a:prstGeom>
+              <a:blipFill>
+                <a:blip r:embed="rId10"/>
+                <a:stretch>
+                  <a:fillRect/>
+                </a:stretch>
+              </a:blipFill>
+            </p:spPr>
+            <p:txBody>
+              <a:bodyPr/>
+              <a:lstStyle/>
+              <a:p>
+                <a:r>
+                  <a:rPr lang="en-PH">
+                    <a:noFill/>
+                  </a:rPr>
+                  <a:t> </a:t>
+                </a:r>
+              </a:p>
+            </p:txBody>
+          </p:sp>
+        </mc:Fallback>
+      </mc:AlternateContent>
+    </p:spTree>
+    <p:extLst>
+      <p:ext uri="{BB962C8B-B14F-4D97-AF65-F5344CB8AC3E}">
+        <p14:creationId xmlns:p14="http://schemas.microsoft.com/office/powerpoint/2010/main" val="2212968793"/>
+      </p:ext>
+    </p:extLst>
+  </p:cSld>
+  <p:clrMapOvr>
+    <a:masterClrMapping/>
+  </p:clrMapOvr>
+</p:sld>
+</file>
+
+<file path=ppt/slides/slide5.xml><?xml version="1.0" encoding="utf-8"?>
+<p:sld xmlns:a="http://schemas.openxmlformats.org/drawingml/2006/main" xmlns:r="http://schemas.openxmlformats.org/officeDocument/2006/relationships" xmlns:p="http://schemas.openxmlformats.org/presentationml/2006/main">
+  <p:cSld>
+    <p:spTree>
+      <p:nvGrpSpPr>
+        <p:cNvPr id="1" name=""/>
+        <p:cNvGrpSpPr/>
+        <p:nvPr/>
+      </p:nvGrpSpPr>
+      <p:grpSpPr>
+        <a:xfrm>
+          <a:off x="0" y="0"/>
+          <a:ext cx="0" cy="0"/>
+          <a:chOff x="0" y="0"/>
+          <a:chExt cx="0" cy="0"/>
+        </a:xfrm>
+      </p:grpSpPr>
       <mc:AlternateContent xmlns:mc="http://schemas.openxmlformats.org/markup-compatibility/2006">
         <mc:Choice xmlns:a14="http://schemas.microsoft.com/office/drawing/2010/main" Requires="a14">
           <p:sp>
@@ -5988,10 +11120,10 @@
                         </m:e>
                         <m:sup>
                           <m:r>
-                            <a:rPr lang="en-PH" i="1">
+                            <a:rPr lang="en-PH" b="0" i="1" smtClean="0">
                               <a:latin typeface="Cambria Math" panose="02040503050406030204" pitchFamily="18" charset="0"/>
                             </a:rPr>
-                            <m:t>−</m:t>
+                            <m:t>+</m:t>
                           </m:r>
                         </m:sup>
                       </m:sSup>
@@ -6546,10 +11678,10 @@
                         </m:e>
                         <m:sup>
                           <m:r>
-                            <a:rPr lang="en-PH" i="1">
+                            <a:rPr lang="en-PH" b="0" i="1" smtClean="0">
                               <a:latin typeface="Cambria Math" panose="02040503050406030204" pitchFamily="18" charset="0"/>
                             </a:rPr>
-                            <m:t>−</m:t>
+                            <m:t>+</m:t>
                           </m:r>
                         </m:sup>
                       </m:sSup>
@@ -7743,6 +12875,310 @@
           </p:sp>
         </mc:Fallback>
       </mc:AlternateContent>
+      <p:sp>
+        <p:nvSpPr>
+          <p:cNvPr id="4" name="TextBox 3">
+            <a:extLst>
+              <a:ext uri="{FF2B5EF4-FFF2-40B4-BE49-F238E27FC236}">
+                <a16:creationId xmlns:a16="http://schemas.microsoft.com/office/drawing/2014/main" id="{BA3A8356-0C11-47FD-8D51-A29570A838C4}"/>
+              </a:ext>
+            </a:extLst>
+          </p:cNvPr>
+          <p:cNvSpPr txBox="1"/>
+          <p:nvPr/>
+        </p:nvSpPr>
+        <p:spPr>
+          <a:xfrm>
+            <a:off x="10379618" y="877746"/>
+            <a:ext cx="1106200" cy="923330"/>
+          </a:xfrm>
+          <a:prstGeom prst="rect">
+            <a:avLst/>
+          </a:prstGeom>
+          <a:noFill/>
+        </p:spPr>
+        <p:txBody>
+          <a:bodyPr wrap="none" rtlCol="0">
+            <a:spAutoFit/>
+          </a:bodyPr>
+          <a:lstStyle/>
+          <a:p>
+            <a:r>
+              <a:rPr lang="en-PH" dirty="0"/>
+              <a:t>t-channel</a:t>
+            </a:r>
+          </a:p>
+          <a:p>
+            <a:r>
+              <a:rPr lang="en-PH" dirty="0"/>
+              <a:t>scattering</a:t>
+            </a:r>
+          </a:p>
+          <a:p>
+            <a:endParaRPr lang="en-PH" dirty="0"/>
+          </a:p>
+        </p:txBody>
+      </p:sp>
+      <mc:AlternateContent xmlns:mc="http://schemas.openxmlformats.org/markup-compatibility/2006">
+        <mc:Choice xmlns:a14="http://schemas.microsoft.com/office/drawing/2010/main" Requires="a14">
+          <p:sp>
+            <p:nvSpPr>
+              <p:cNvPr id="28" name="Subtitle 2">
+                <a:extLst>
+                  <a:ext uri="{FF2B5EF4-FFF2-40B4-BE49-F238E27FC236}">
+                    <a16:creationId xmlns:a16="http://schemas.microsoft.com/office/drawing/2014/main" id="{FADFC5EC-B526-4E43-BE4E-420A99AB904A}"/>
+                  </a:ext>
+                </a:extLst>
+              </p:cNvPr>
+              <p:cNvSpPr txBox="1">
+                <a:spLocks/>
+              </p:cNvSpPr>
+              <p:nvPr/>
+            </p:nvSpPr>
+            <p:spPr>
+              <a:xfrm>
+                <a:off x="6424063" y="3071477"/>
+                <a:ext cx="1227589" cy="483401"/>
+              </a:xfrm>
+              <a:prstGeom prst="rect">
+                <a:avLst/>
+              </a:prstGeom>
+            </p:spPr>
+            <p:txBody>
+              <a:bodyPr vert="horz" lIns="91440" tIns="45720" rIns="91440" bIns="45720" rtlCol="0">
+                <a:normAutofit/>
+              </a:bodyPr>
+              <a:lstStyle>
+                <a:lvl1pPr marL="0" indent="0" algn="ctr" defTabSz="914400" rtl="0" eaLnBrk="1" latinLnBrk="0" hangingPunct="1">
+                  <a:lnSpc>
+                    <a:spcPct val="90000"/>
+                  </a:lnSpc>
+                  <a:spcBef>
+                    <a:spcPts val="1000"/>
+                  </a:spcBef>
+                  <a:buFont typeface="Arial" panose="020B0604020202020204" pitchFamily="34" charset="0"/>
+                  <a:buNone/>
+                  <a:defRPr sz="2400" kern="1200">
+                    <a:solidFill>
+                      <a:schemeClr val="tx1"/>
+                    </a:solidFill>
+                    <a:latin typeface="+mn-lt"/>
+                    <a:ea typeface="+mn-ea"/>
+                    <a:cs typeface="+mn-cs"/>
+                  </a:defRPr>
+                </a:lvl1pPr>
+                <a:lvl2pPr marL="457200" indent="0" algn="ctr" defTabSz="914400" rtl="0" eaLnBrk="1" latinLnBrk="0" hangingPunct="1">
+                  <a:lnSpc>
+                    <a:spcPct val="90000"/>
+                  </a:lnSpc>
+                  <a:spcBef>
+                    <a:spcPts val="500"/>
+                  </a:spcBef>
+                  <a:buFont typeface="Arial" panose="020B0604020202020204" pitchFamily="34" charset="0"/>
+                  <a:buNone/>
+                  <a:defRPr sz="2000" kern="1200">
+                    <a:solidFill>
+                      <a:schemeClr val="tx1"/>
+                    </a:solidFill>
+                    <a:latin typeface="+mn-lt"/>
+                    <a:ea typeface="+mn-ea"/>
+                    <a:cs typeface="+mn-cs"/>
+                  </a:defRPr>
+                </a:lvl2pPr>
+                <a:lvl3pPr marL="914400" indent="0" algn="ctr" defTabSz="914400" rtl="0" eaLnBrk="1" latinLnBrk="0" hangingPunct="1">
+                  <a:lnSpc>
+                    <a:spcPct val="90000"/>
+                  </a:lnSpc>
+                  <a:spcBef>
+                    <a:spcPts val="500"/>
+                  </a:spcBef>
+                  <a:buFont typeface="Arial" panose="020B0604020202020204" pitchFamily="34" charset="0"/>
+                  <a:buNone/>
+                  <a:defRPr sz="1800" kern="1200">
+                    <a:solidFill>
+                      <a:schemeClr val="tx1"/>
+                    </a:solidFill>
+                    <a:latin typeface="+mn-lt"/>
+                    <a:ea typeface="+mn-ea"/>
+                    <a:cs typeface="+mn-cs"/>
+                  </a:defRPr>
+                </a:lvl3pPr>
+                <a:lvl4pPr marL="1371600" indent="0" algn="ctr" defTabSz="914400" rtl="0" eaLnBrk="1" latinLnBrk="0" hangingPunct="1">
+                  <a:lnSpc>
+                    <a:spcPct val="90000"/>
+                  </a:lnSpc>
+                  <a:spcBef>
+                    <a:spcPts val="500"/>
+                  </a:spcBef>
+                  <a:buFont typeface="Arial" panose="020B0604020202020204" pitchFamily="34" charset="0"/>
+                  <a:buNone/>
+                  <a:defRPr sz="1600" kern="1200">
+                    <a:solidFill>
+                      <a:schemeClr val="tx1"/>
+                    </a:solidFill>
+                    <a:latin typeface="+mn-lt"/>
+                    <a:ea typeface="+mn-ea"/>
+                    <a:cs typeface="+mn-cs"/>
+                  </a:defRPr>
+                </a:lvl4pPr>
+                <a:lvl5pPr marL="1828800" indent="0" algn="ctr" defTabSz="914400" rtl="0" eaLnBrk="1" latinLnBrk="0" hangingPunct="1">
+                  <a:lnSpc>
+                    <a:spcPct val="90000"/>
+                  </a:lnSpc>
+                  <a:spcBef>
+                    <a:spcPts val="500"/>
+                  </a:spcBef>
+                  <a:buFont typeface="Arial" panose="020B0604020202020204" pitchFamily="34" charset="0"/>
+                  <a:buNone/>
+                  <a:defRPr sz="1600" kern="1200">
+                    <a:solidFill>
+                      <a:schemeClr val="tx1"/>
+                    </a:solidFill>
+                    <a:latin typeface="+mn-lt"/>
+                    <a:ea typeface="+mn-ea"/>
+                    <a:cs typeface="+mn-cs"/>
+                  </a:defRPr>
+                </a:lvl5pPr>
+                <a:lvl6pPr marL="2286000" indent="0" algn="ctr" defTabSz="914400" rtl="0" eaLnBrk="1" latinLnBrk="0" hangingPunct="1">
+                  <a:lnSpc>
+                    <a:spcPct val="90000"/>
+                  </a:lnSpc>
+                  <a:spcBef>
+                    <a:spcPts val="500"/>
+                  </a:spcBef>
+                  <a:buFont typeface="Arial" panose="020B0604020202020204" pitchFamily="34" charset="0"/>
+                  <a:buNone/>
+                  <a:defRPr sz="1600" kern="1200">
+                    <a:solidFill>
+                      <a:schemeClr val="tx1"/>
+                    </a:solidFill>
+                    <a:latin typeface="+mn-lt"/>
+                    <a:ea typeface="+mn-ea"/>
+                    <a:cs typeface="+mn-cs"/>
+                  </a:defRPr>
+                </a:lvl6pPr>
+                <a:lvl7pPr marL="2743200" indent="0" algn="ctr" defTabSz="914400" rtl="0" eaLnBrk="1" latinLnBrk="0" hangingPunct="1">
+                  <a:lnSpc>
+                    <a:spcPct val="90000"/>
+                  </a:lnSpc>
+                  <a:spcBef>
+                    <a:spcPts val="500"/>
+                  </a:spcBef>
+                  <a:buFont typeface="Arial" panose="020B0604020202020204" pitchFamily="34" charset="0"/>
+                  <a:buNone/>
+                  <a:defRPr sz="1600" kern="1200">
+                    <a:solidFill>
+                      <a:schemeClr val="tx1"/>
+                    </a:solidFill>
+                    <a:latin typeface="+mn-lt"/>
+                    <a:ea typeface="+mn-ea"/>
+                    <a:cs typeface="+mn-cs"/>
+                  </a:defRPr>
+                </a:lvl7pPr>
+                <a:lvl8pPr marL="3200400" indent="0" algn="ctr" defTabSz="914400" rtl="0" eaLnBrk="1" latinLnBrk="0" hangingPunct="1">
+                  <a:lnSpc>
+                    <a:spcPct val="90000"/>
+                  </a:lnSpc>
+                  <a:spcBef>
+                    <a:spcPts val="500"/>
+                  </a:spcBef>
+                  <a:buFont typeface="Arial" panose="020B0604020202020204" pitchFamily="34" charset="0"/>
+                  <a:buNone/>
+                  <a:defRPr sz="1600" kern="1200">
+                    <a:solidFill>
+                      <a:schemeClr val="tx1"/>
+                    </a:solidFill>
+                    <a:latin typeface="+mn-lt"/>
+                    <a:ea typeface="+mn-ea"/>
+                    <a:cs typeface="+mn-cs"/>
+                  </a:defRPr>
+                </a:lvl8pPr>
+                <a:lvl9pPr marL="3657600" indent="0" algn="ctr" defTabSz="914400" rtl="0" eaLnBrk="1" latinLnBrk="0" hangingPunct="1">
+                  <a:lnSpc>
+                    <a:spcPct val="90000"/>
+                  </a:lnSpc>
+                  <a:spcBef>
+                    <a:spcPts val="500"/>
+                  </a:spcBef>
+                  <a:buFont typeface="Arial" panose="020B0604020202020204" pitchFamily="34" charset="0"/>
+                  <a:buNone/>
+                  <a:defRPr sz="1600" kern="1200">
+                    <a:solidFill>
+                      <a:schemeClr val="tx1"/>
+                    </a:solidFill>
+                    <a:latin typeface="+mn-lt"/>
+                    <a:ea typeface="+mn-ea"/>
+                    <a:cs typeface="+mn-cs"/>
+                  </a:defRPr>
+                </a:lvl9pPr>
+              </a:lstStyle>
+              <a:p>
+                <a:pPr/>
+                <a14:m>
+                  <m:oMathPara xmlns:m="http://schemas.openxmlformats.org/officeDocument/2006/math">
+                    <m:oMathParaPr>
+                      <m:jc m:val="centerGroup"/>
+                    </m:oMathParaPr>
+                    <m:oMath xmlns:m="http://schemas.openxmlformats.org/officeDocument/2006/math">
+                      <m:r>
+                        <a:rPr lang="en-PH" i="1" smtClean="0">
+                          <a:latin typeface="Cambria Math" panose="02040503050406030204" pitchFamily="18" charset="0"/>
+                        </a:rPr>
+                        <m:t>𝛾</m:t>
+                      </m:r>
+                    </m:oMath>
+                  </m:oMathPara>
+                </a14:m>
+                <a:endParaRPr lang="en-PH" dirty="0"/>
+              </a:p>
+            </p:txBody>
+          </p:sp>
+        </mc:Choice>
+        <mc:Fallback>
+          <p:sp>
+            <p:nvSpPr>
+              <p:cNvPr id="28" name="Subtitle 2">
+                <a:extLst>
+                  <a:ext uri="{FF2B5EF4-FFF2-40B4-BE49-F238E27FC236}">
+                    <a16:creationId xmlns:a16="http://schemas.microsoft.com/office/drawing/2014/main" id="{FADFC5EC-B526-4E43-BE4E-420A99AB904A}"/>
+                  </a:ext>
+                </a:extLst>
+              </p:cNvPr>
+              <p:cNvSpPr txBox="1">
+                <a:spLocks noRot="1" noChangeAspect="1" noMove="1" noResize="1" noEditPoints="1" noAdjustHandles="1" noChangeArrowheads="1" noChangeShapeType="1" noTextEdit="1"/>
+              </p:cNvSpPr>
+              <p:nvPr/>
+            </p:nvSpPr>
+            <p:spPr>
+              <a:xfrm>
+                <a:off x="6424063" y="3071477"/>
+                <a:ext cx="1227589" cy="483401"/>
+              </a:xfrm>
+              <a:prstGeom prst="rect">
+                <a:avLst/>
+              </a:prstGeom>
+              <a:blipFill>
+                <a:blip r:embed="rId10"/>
+                <a:stretch>
+                  <a:fillRect/>
+                </a:stretch>
+              </a:blipFill>
+            </p:spPr>
+            <p:txBody>
+              <a:bodyPr/>
+              <a:lstStyle/>
+              <a:p>
+                <a:r>
+                  <a:rPr lang="en-PH">
+                    <a:noFill/>
+                  </a:rPr>
+                  <a:t> </a:t>
+                </a:r>
+              </a:p>
+            </p:txBody>
+          </p:sp>
+        </mc:Fallback>
+      </mc:AlternateContent>
       <mc:AlternateContent xmlns:mc="http://schemas.openxmlformats.org/markup-compatibility/2006">
         <mc:Choice xmlns:a14="http://schemas.microsoft.com/office/drawing/2010/main" Requires="a14">
           <p:sp>
@@ -7750,7 +13186,7 @@
               <p:cNvPr id="26" name="TextBox 25">
                 <a:extLst>
                   <a:ext uri="{FF2B5EF4-FFF2-40B4-BE49-F238E27FC236}">
-                    <a16:creationId xmlns:a16="http://schemas.microsoft.com/office/drawing/2014/main" id="{38EB506C-05A5-4DE9-810A-4F7907F822BE}"/>
+                    <a16:creationId xmlns:a16="http://schemas.microsoft.com/office/drawing/2014/main" id="{9BF5BF1D-81A3-4FB4-B81F-6A69C141D18A}"/>
                   </a:ext>
                 </a:extLst>
               </p:cNvPr>
@@ -7759,7 +13195,7 @@
             </p:nvSpPr>
             <p:spPr>
               <a:xfrm>
-                <a:off x="6325778" y="1682665"/>
+                <a:off x="6325778" y="1576469"/>
                 <a:ext cx="370422" cy="369332"/>
               </a:xfrm>
               <a:prstGeom prst="rect">
@@ -7800,7 +13236,7 @@
               <p:cNvPr id="26" name="TextBox 25">
                 <a:extLst>
                   <a:ext uri="{FF2B5EF4-FFF2-40B4-BE49-F238E27FC236}">
-                    <a16:creationId xmlns:a16="http://schemas.microsoft.com/office/drawing/2014/main" id="{38EB506C-05A5-4DE9-810A-4F7907F822BE}"/>
+                    <a16:creationId xmlns:a16="http://schemas.microsoft.com/office/drawing/2014/main" id="{9BF5BF1D-81A3-4FB4-B81F-6A69C141D18A}"/>
                   </a:ext>
                 </a:extLst>
               </p:cNvPr>
@@ -7811,16 +13247,16 @@
             </p:nvSpPr>
             <p:spPr>
               <a:xfrm>
-                <a:off x="6325778" y="1682665"/>
+                <a:off x="6325778" y="1576469"/>
                 <a:ext cx="370422" cy="369332"/>
               </a:xfrm>
               <a:prstGeom prst="rect">
                 <a:avLst/>
               </a:prstGeom>
               <a:blipFill>
-                <a:blip r:embed="rId10"/>
+                <a:blip r:embed="rId11"/>
                 <a:stretch>
-                  <a:fillRect b="-3279"/>
+                  <a:fillRect b="-5000"/>
                 </a:stretch>
               </a:blipFill>
             </p:spPr>
@@ -7846,7 +13282,7 @@
               <p:cNvPr id="27" name="TextBox 26">
                 <a:extLst>
                   <a:ext uri="{FF2B5EF4-FFF2-40B4-BE49-F238E27FC236}">
-                    <a16:creationId xmlns:a16="http://schemas.microsoft.com/office/drawing/2014/main" id="{A3FFB04F-1BC9-4367-B241-70134D90EC3D}"/>
+                    <a16:creationId xmlns:a16="http://schemas.microsoft.com/office/drawing/2014/main" id="{A7280B4F-158F-4B56-B206-88853A87348C}"/>
                   </a:ext>
                 </a:extLst>
               </p:cNvPr>
@@ -7855,7 +13291,7 @@
             </p:nvSpPr>
             <p:spPr>
               <a:xfrm>
-                <a:off x="6364788" y="4546893"/>
+                <a:off x="6484372" y="4455870"/>
                 <a:ext cx="361317" cy="369332"/>
               </a:xfrm>
               <a:prstGeom prst="rect">
@@ -7896,7 +13332,7 @@
               <p:cNvPr id="27" name="TextBox 26">
                 <a:extLst>
                   <a:ext uri="{FF2B5EF4-FFF2-40B4-BE49-F238E27FC236}">
-                    <a16:creationId xmlns:a16="http://schemas.microsoft.com/office/drawing/2014/main" id="{A3FFB04F-1BC9-4367-B241-70134D90EC3D}"/>
+                    <a16:creationId xmlns:a16="http://schemas.microsoft.com/office/drawing/2014/main" id="{A7280B4F-158F-4B56-B206-88853A87348C}"/>
                   </a:ext>
                 </a:extLst>
               </p:cNvPr>
@@ -7907,14 +13343,2213 @@
             </p:nvSpPr>
             <p:spPr>
               <a:xfrm>
-                <a:off x="6364788" y="4546893"/>
+                <a:off x="6484372" y="4455870"/>
                 <a:ext cx="361317" cy="369332"/>
               </a:xfrm>
               <a:prstGeom prst="rect">
                 <a:avLst/>
               </a:prstGeom>
               <a:blipFill>
-                <a:blip r:embed="rId11"/>
+                <a:blip r:embed="rId12"/>
+                <a:stretch>
+                  <a:fillRect/>
+                </a:stretch>
+              </a:blipFill>
+            </p:spPr>
+            <p:txBody>
+              <a:bodyPr/>
+              <a:lstStyle/>
+              <a:p>
+                <a:r>
+                  <a:rPr lang="en-PH">
+                    <a:noFill/>
+                  </a:rPr>
+                  <a:t> </a:t>
+                </a:r>
+              </a:p>
+            </p:txBody>
+          </p:sp>
+        </mc:Fallback>
+      </mc:AlternateContent>
+    </p:spTree>
+    <p:extLst>
+      <p:ext uri="{BB962C8B-B14F-4D97-AF65-F5344CB8AC3E}">
+        <p14:creationId xmlns:p14="http://schemas.microsoft.com/office/powerpoint/2010/main" val="2930192642"/>
+      </p:ext>
+    </p:extLst>
+  </p:cSld>
+  <p:clrMapOvr>
+    <a:masterClrMapping/>
+  </p:clrMapOvr>
+</p:sld>
+</file>
+
+<file path=ppt/slides/slide6.xml><?xml version="1.0" encoding="utf-8"?>
+<p:sld xmlns:a="http://schemas.openxmlformats.org/drawingml/2006/main" xmlns:r="http://schemas.openxmlformats.org/officeDocument/2006/relationships" xmlns:p="http://schemas.openxmlformats.org/presentationml/2006/main">
+  <p:cSld>
+    <p:spTree>
+      <p:nvGrpSpPr>
+        <p:cNvPr id="1" name=""/>
+        <p:cNvGrpSpPr/>
+        <p:nvPr/>
+      </p:nvGrpSpPr>
+      <p:grpSpPr>
+        <a:xfrm>
+          <a:off x="0" y="0"/>
+          <a:ext cx="0" cy="0"/>
+          <a:chOff x="0" y="0"/>
+          <a:chExt cx="0" cy="0"/>
+        </a:xfrm>
+      </p:grpSpPr>
+      <p:sp>
+        <p:nvSpPr>
+          <p:cNvPr id="2" name="Title 1">
+            <a:extLst>
+              <a:ext uri="{FF2B5EF4-FFF2-40B4-BE49-F238E27FC236}">
+                <a16:creationId xmlns:a16="http://schemas.microsoft.com/office/drawing/2014/main" id="{9859EB74-4DB8-4D4B-90AC-57949A6FBA7E}"/>
+              </a:ext>
+            </a:extLst>
+          </p:cNvPr>
+          <p:cNvSpPr>
+            <a:spLocks noGrp="1"/>
+          </p:cNvSpPr>
+          <p:nvPr>
+            <p:ph type="title"/>
+          </p:nvPr>
+        </p:nvSpPr>
+        <p:spPr/>
+        <p:txBody>
+          <a:bodyPr/>
+          <a:lstStyle/>
+          <a:p>
+            <a:r>
+              <a:rPr lang="en-PH" dirty="0"/>
+              <a:t>Moller</a:t>
+            </a:r>
+          </a:p>
+        </p:txBody>
+      </p:sp>
+      <p:sp>
+        <p:nvSpPr>
+          <p:cNvPr id="3" name="Content Placeholder 2">
+            <a:extLst>
+              <a:ext uri="{FF2B5EF4-FFF2-40B4-BE49-F238E27FC236}">
+                <a16:creationId xmlns:a16="http://schemas.microsoft.com/office/drawing/2014/main" id="{1C765270-5D07-4997-96AC-D96115E66442}"/>
+              </a:ext>
+            </a:extLst>
+          </p:cNvPr>
+          <p:cNvSpPr>
+            <a:spLocks noGrp="1"/>
+          </p:cNvSpPr>
+          <p:nvPr>
+            <p:ph idx="1"/>
+          </p:nvPr>
+        </p:nvSpPr>
+        <p:spPr/>
+        <p:txBody>
+          <a:bodyPr/>
+          <a:lstStyle/>
+          <a:p>
+            <a:endParaRPr lang="en-PH"/>
+          </a:p>
+        </p:txBody>
+      </p:sp>
+    </p:spTree>
+    <p:extLst>
+      <p:ext uri="{BB962C8B-B14F-4D97-AF65-F5344CB8AC3E}">
+        <p14:creationId xmlns:p14="http://schemas.microsoft.com/office/powerpoint/2010/main" val="144343782"/>
+      </p:ext>
+    </p:extLst>
+  </p:cSld>
+  <p:clrMapOvr>
+    <a:masterClrMapping/>
+  </p:clrMapOvr>
+</p:sld>
+</file>
+
+<file path=ppt/slides/slide7.xml><?xml version="1.0" encoding="utf-8"?>
+<p:sld xmlns:a="http://schemas.openxmlformats.org/drawingml/2006/main" xmlns:r="http://schemas.openxmlformats.org/officeDocument/2006/relationships" xmlns:p="http://schemas.openxmlformats.org/presentationml/2006/main">
+  <p:cSld>
+    <p:spTree>
+      <p:nvGrpSpPr>
+        <p:cNvPr id="1" name=""/>
+        <p:cNvGrpSpPr/>
+        <p:nvPr/>
+      </p:nvGrpSpPr>
+      <p:grpSpPr>
+        <a:xfrm>
+          <a:off x="0" y="0"/>
+          <a:ext cx="0" cy="0"/>
+          <a:chOff x="0" y="0"/>
+          <a:chExt cx="0" cy="0"/>
+        </a:xfrm>
+      </p:grpSpPr>
+      <mc:AlternateContent xmlns:mc="http://schemas.openxmlformats.org/markup-compatibility/2006" xmlns:a14="http://schemas.microsoft.com/office/drawing/2010/main">
+        <mc:Choice Requires="a14">
+          <p:sp>
+            <p:nvSpPr>
+              <p:cNvPr id="3" name="Subtitle 2">
+                <a:extLst>
+                  <a:ext uri="{FF2B5EF4-FFF2-40B4-BE49-F238E27FC236}">
+                    <a16:creationId xmlns:a16="http://schemas.microsoft.com/office/drawing/2014/main" id="{009F0F80-A38A-48B5-852C-2AB810B006CB}"/>
+                  </a:ext>
+                </a:extLst>
+              </p:cNvPr>
+              <p:cNvSpPr>
+                <a:spLocks noGrp="1"/>
+              </p:cNvSpPr>
+              <p:nvPr>
+                <p:ph type="subTitle" idx="1"/>
+              </p:nvPr>
+            </p:nvSpPr>
+            <p:spPr>
+              <a:xfrm>
+                <a:off x="4107303" y="5315690"/>
+                <a:ext cx="1227589" cy="483401"/>
+              </a:xfrm>
+            </p:spPr>
+            <p:txBody>
+              <a:bodyPr/>
+              <a:lstStyle/>
+              <a:p>
+                <a:pPr/>
+                <a14:m>
+                  <m:oMathPara xmlns:m="http://schemas.openxmlformats.org/officeDocument/2006/math">
+                    <m:oMathParaPr>
+                      <m:jc m:val="centerGroup"/>
+                    </m:oMathParaPr>
+                    <m:oMath xmlns:m="http://schemas.openxmlformats.org/officeDocument/2006/math">
+                      <m:sSup>
+                        <m:sSupPr>
+                          <m:ctrlPr>
+                            <a:rPr lang="en-PH" b="0" i="1" smtClean="0">
+                              <a:latin typeface="Cambria Math" panose="02040503050406030204" pitchFamily="18" charset="0"/>
+                            </a:rPr>
+                          </m:ctrlPr>
+                        </m:sSupPr>
+                        <m:e>
+                          <m:r>
+                            <a:rPr lang="en-PH" b="0" i="1" smtClean="0">
+                              <a:latin typeface="Cambria Math" panose="02040503050406030204" pitchFamily="18" charset="0"/>
+                            </a:rPr>
+                            <m:t>𝑒</m:t>
+                          </m:r>
+                        </m:e>
+                        <m:sup>
+                          <m:r>
+                            <a:rPr lang="en-PH" b="0" i="1" smtClean="0">
+                              <a:latin typeface="Cambria Math" panose="02040503050406030204" pitchFamily="18" charset="0"/>
+                            </a:rPr>
+                            <m:t>−</m:t>
+                          </m:r>
+                        </m:sup>
+                      </m:sSup>
+                    </m:oMath>
+                  </m:oMathPara>
+                </a14:m>
+                <a:endParaRPr lang="en-PH" dirty="0"/>
+              </a:p>
+            </p:txBody>
+          </p:sp>
+        </mc:Choice>
+        <mc:Fallback xmlns="">
+          <p:sp>
+            <p:nvSpPr>
+              <p:cNvPr id="3" name="Subtitle 2">
+                <a:extLst>
+                  <a:ext uri="{FF2B5EF4-FFF2-40B4-BE49-F238E27FC236}">
+                    <a16:creationId xmlns:a16="http://schemas.microsoft.com/office/drawing/2014/main" id="{009F0F80-A38A-48B5-852C-2AB810B006CB}"/>
+                  </a:ext>
+                </a:extLst>
+              </p:cNvPr>
+              <p:cNvSpPr>
+                <a:spLocks noGrp="1" noRot="1" noChangeAspect="1" noMove="1" noResize="1" noEditPoints="1" noAdjustHandles="1" noChangeArrowheads="1" noChangeShapeType="1" noTextEdit="1"/>
+              </p:cNvSpPr>
+              <p:nvPr>
+                <p:ph type="subTitle" idx="1"/>
+              </p:nvPr>
+            </p:nvSpPr>
+            <p:spPr>
+              <a:xfrm>
+                <a:off x="4107303" y="5315690"/>
+                <a:ext cx="1227589" cy="483401"/>
+              </a:xfrm>
+              <a:blipFill>
+                <a:blip r:embed="rId2"/>
+                <a:stretch>
+                  <a:fillRect/>
+                </a:stretch>
+              </a:blipFill>
+            </p:spPr>
+            <p:txBody>
+              <a:bodyPr/>
+              <a:lstStyle/>
+              <a:p>
+                <a:r>
+                  <a:rPr lang="en-PH">
+                    <a:noFill/>
+                  </a:rPr>
+                  <a:t> </a:t>
+                </a:r>
+              </a:p>
+            </p:txBody>
+          </p:sp>
+        </mc:Fallback>
+      </mc:AlternateContent>
+      <mc:AlternateContent xmlns:mc="http://schemas.openxmlformats.org/markup-compatibility/2006" xmlns:a14="http://schemas.microsoft.com/office/drawing/2010/main">
+        <mc:Choice Requires="a14">
+          <p:sp>
+            <p:nvSpPr>
+              <p:cNvPr id="5" name="Subtitle 2">
+                <a:extLst>
+                  <a:ext uri="{FF2B5EF4-FFF2-40B4-BE49-F238E27FC236}">
+                    <a16:creationId xmlns:a16="http://schemas.microsoft.com/office/drawing/2014/main" id="{835E549A-AF36-48F1-98E6-2D0872BD5D15}"/>
+                  </a:ext>
+                </a:extLst>
+              </p:cNvPr>
+              <p:cNvSpPr txBox="1">
+                <a:spLocks/>
+              </p:cNvSpPr>
+              <p:nvPr/>
+            </p:nvSpPr>
+            <p:spPr>
+              <a:xfrm>
+                <a:off x="4107303" y="842676"/>
+                <a:ext cx="1227589" cy="483401"/>
+              </a:xfrm>
+              <a:prstGeom prst="rect">
+                <a:avLst/>
+              </a:prstGeom>
+            </p:spPr>
+            <p:txBody>
+              <a:bodyPr vert="horz" lIns="91440" tIns="45720" rIns="91440" bIns="45720" rtlCol="0">
+                <a:normAutofit/>
+              </a:bodyPr>
+              <a:lstStyle>
+                <a:lvl1pPr marL="0" indent="0" algn="ctr" defTabSz="914400" rtl="0" eaLnBrk="1" latinLnBrk="0" hangingPunct="1">
+                  <a:lnSpc>
+                    <a:spcPct val="90000"/>
+                  </a:lnSpc>
+                  <a:spcBef>
+                    <a:spcPts val="1000"/>
+                  </a:spcBef>
+                  <a:buFont typeface="Arial" panose="020B0604020202020204" pitchFamily="34" charset="0"/>
+                  <a:buNone/>
+                  <a:defRPr sz="2400" kern="1200">
+                    <a:solidFill>
+                      <a:schemeClr val="tx1"/>
+                    </a:solidFill>
+                    <a:latin typeface="+mn-lt"/>
+                    <a:ea typeface="+mn-ea"/>
+                    <a:cs typeface="+mn-cs"/>
+                  </a:defRPr>
+                </a:lvl1pPr>
+                <a:lvl2pPr marL="457200" indent="0" algn="ctr" defTabSz="914400" rtl="0" eaLnBrk="1" latinLnBrk="0" hangingPunct="1">
+                  <a:lnSpc>
+                    <a:spcPct val="90000"/>
+                  </a:lnSpc>
+                  <a:spcBef>
+                    <a:spcPts val="500"/>
+                  </a:spcBef>
+                  <a:buFont typeface="Arial" panose="020B0604020202020204" pitchFamily="34" charset="0"/>
+                  <a:buNone/>
+                  <a:defRPr sz="2000" kern="1200">
+                    <a:solidFill>
+                      <a:schemeClr val="tx1"/>
+                    </a:solidFill>
+                    <a:latin typeface="+mn-lt"/>
+                    <a:ea typeface="+mn-ea"/>
+                    <a:cs typeface="+mn-cs"/>
+                  </a:defRPr>
+                </a:lvl2pPr>
+                <a:lvl3pPr marL="914400" indent="0" algn="ctr" defTabSz="914400" rtl="0" eaLnBrk="1" latinLnBrk="0" hangingPunct="1">
+                  <a:lnSpc>
+                    <a:spcPct val="90000"/>
+                  </a:lnSpc>
+                  <a:spcBef>
+                    <a:spcPts val="500"/>
+                  </a:spcBef>
+                  <a:buFont typeface="Arial" panose="020B0604020202020204" pitchFamily="34" charset="0"/>
+                  <a:buNone/>
+                  <a:defRPr sz="1800" kern="1200">
+                    <a:solidFill>
+                      <a:schemeClr val="tx1"/>
+                    </a:solidFill>
+                    <a:latin typeface="+mn-lt"/>
+                    <a:ea typeface="+mn-ea"/>
+                    <a:cs typeface="+mn-cs"/>
+                  </a:defRPr>
+                </a:lvl3pPr>
+                <a:lvl4pPr marL="1371600" indent="0" algn="ctr" defTabSz="914400" rtl="0" eaLnBrk="1" latinLnBrk="0" hangingPunct="1">
+                  <a:lnSpc>
+                    <a:spcPct val="90000"/>
+                  </a:lnSpc>
+                  <a:spcBef>
+                    <a:spcPts val="500"/>
+                  </a:spcBef>
+                  <a:buFont typeface="Arial" panose="020B0604020202020204" pitchFamily="34" charset="0"/>
+                  <a:buNone/>
+                  <a:defRPr sz="1600" kern="1200">
+                    <a:solidFill>
+                      <a:schemeClr val="tx1"/>
+                    </a:solidFill>
+                    <a:latin typeface="+mn-lt"/>
+                    <a:ea typeface="+mn-ea"/>
+                    <a:cs typeface="+mn-cs"/>
+                  </a:defRPr>
+                </a:lvl4pPr>
+                <a:lvl5pPr marL="1828800" indent="0" algn="ctr" defTabSz="914400" rtl="0" eaLnBrk="1" latinLnBrk="0" hangingPunct="1">
+                  <a:lnSpc>
+                    <a:spcPct val="90000"/>
+                  </a:lnSpc>
+                  <a:spcBef>
+                    <a:spcPts val="500"/>
+                  </a:spcBef>
+                  <a:buFont typeface="Arial" panose="020B0604020202020204" pitchFamily="34" charset="0"/>
+                  <a:buNone/>
+                  <a:defRPr sz="1600" kern="1200">
+                    <a:solidFill>
+                      <a:schemeClr val="tx1"/>
+                    </a:solidFill>
+                    <a:latin typeface="+mn-lt"/>
+                    <a:ea typeface="+mn-ea"/>
+                    <a:cs typeface="+mn-cs"/>
+                  </a:defRPr>
+                </a:lvl5pPr>
+                <a:lvl6pPr marL="2286000" indent="0" algn="ctr" defTabSz="914400" rtl="0" eaLnBrk="1" latinLnBrk="0" hangingPunct="1">
+                  <a:lnSpc>
+                    <a:spcPct val="90000"/>
+                  </a:lnSpc>
+                  <a:spcBef>
+                    <a:spcPts val="500"/>
+                  </a:spcBef>
+                  <a:buFont typeface="Arial" panose="020B0604020202020204" pitchFamily="34" charset="0"/>
+                  <a:buNone/>
+                  <a:defRPr sz="1600" kern="1200">
+                    <a:solidFill>
+                      <a:schemeClr val="tx1"/>
+                    </a:solidFill>
+                    <a:latin typeface="+mn-lt"/>
+                    <a:ea typeface="+mn-ea"/>
+                    <a:cs typeface="+mn-cs"/>
+                  </a:defRPr>
+                </a:lvl6pPr>
+                <a:lvl7pPr marL="2743200" indent="0" algn="ctr" defTabSz="914400" rtl="0" eaLnBrk="1" latinLnBrk="0" hangingPunct="1">
+                  <a:lnSpc>
+                    <a:spcPct val="90000"/>
+                  </a:lnSpc>
+                  <a:spcBef>
+                    <a:spcPts val="500"/>
+                  </a:spcBef>
+                  <a:buFont typeface="Arial" panose="020B0604020202020204" pitchFamily="34" charset="0"/>
+                  <a:buNone/>
+                  <a:defRPr sz="1600" kern="1200">
+                    <a:solidFill>
+                      <a:schemeClr val="tx1"/>
+                    </a:solidFill>
+                    <a:latin typeface="+mn-lt"/>
+                    <a:ea typeface="+mn-ea"/>
+                    <a:cs typeface="+mn-cs"/>
+                  </a:defRPr>
+                </a:lvl7pPr>
+                <a:lvl8pPr marL="3200400" indent="0" algn="ctr" defTabSz="914400" rtl="0" eaLnBrk="1" latinLnBrk="0" hangingPunct="1">
+                  <a:lnSpc>
+                    <a:spcPct val="90000"/>
+                  </a:lnSpc>
+                  <a:spcBef>
+                    <a:spcPts val="500"/>
+                  </a:spcBef>
+                  <a:buFont typeface="Arial" panose="020B0604020202020204" pitchFamily="34" charset="0"/>
+                  <a:buNone/>
+                  <a:defRPr sz="1600" kern="1200">
+                    <a:solidFill>
+                      <a:schemeClr val="tx1"/>
+                    </a:solidFill>
+                    <a:latin typeface="+mn-lt"/>
+                    <a:ea typeface="+mn-ea"/>
+                    <a:cs typeface="+mn-cs"/>
+                  </a:defRPr>
+                </a:lvl8pPr>
+                <a:lvl9pPr marL="3657600" indent="0" algn="ctr" defTabSz="914400" rtl="0" eaLnBrk="1" latinLnBrk="0" hangingPunct="1">
+                  <a:lnSpc>
+                    <a:spcPct val="90000"/>
+                  </a:lnSpc>
+                  <a:spcBef>
+                    <a:spcPts val="500"/>
+                  </a:spcBef>
+                  <a:buFont typeface="Arial" panose="020B0604020202020204" pitchFamily="34" charset="0"/>
+                  <a:buNone/>
+                  <a:defRPr sz="1600" kern="1200">
+                    <a:solidFill>
+                      <a:schemeClr val="tx1"/>
+                    </a:solidFill>
+                    <a:latin typeface="+mn-lt"/>
+                    <a:ea typeface="+mn-ea"/>
+                    <a:cs typeface="+mn-cs"/>
+                  </a:defRPr>
+                </a:lvl9pPr>
+              </a:lstStyle>
+              <a:p>
+                <a:pPr/>
+                <a14:m>
+                  <m:oMathPara xmlns:m="http://schemas.openxmlformats.org/officeDocument/2006/math">
+                    <m:oMathParaPr>
+                      <m:jc m:val="centerGroup"/>
+                    </m:oMathParaPr>
+                    <m:oMath xmlns:m="http://schemas.openxmlformats.org/officeDocument/2006/math">
+                      <m:sSup>
+                        <m:sSupPr>
+                          <m:ctrlPr>
+                            <a:rPr lang="en-PH" i="1" smtClean="0">
+                              <a:latin typeface="Cambria Math" panose="02040503050406030204" pitchFamily="18" charset="0"/>
+                            </a:rPr>
+                          </m:ctrlPr>
+                        </m:sSupPr>
+                        <m:e>
+                          <m:r>
+                            <a:rPr lang="en-PH" b="0" i="1" smtClean="0">
+                              <a:latin typeface="Cambria Math" panose="02040503050406030204" pitchFamily="18" charset="0"/>
+                            </a:rPr>
+                            <m:t>𝑒</m:t>
+                          </m:r>
+                        </m:e>
+                        <m:sup>
+                          <m:r>
+                            <a:rPr lang="en-PH" i="1" smtClean="0">
+                              <a:latin typeface="Cambria Math" panose="02040503050406030204" pitchFamily="18" charset="0"/>
+                            </a:rPr>
+                            <m:t>−</m:t>
+                          </m:r>
+                        </m:sup>
+                      </m:sSup>
+                    </m:oMath>
+                  </m:oMathPara>
+                </a14:m>
+                <a:endParaRPr lang="en-PH" dirty="0"/>
+              </a:p>
+            </p:txBody>
+          </p:sp>
+        </mc:Choice>
+        <mc:Fallback xmlns="">
+          <p:sp>
+            <p:nvSpPr>
+              <p:cNvPr id="5" name="Subtitle 2">
+                <a:extLst>
+                  <a:ext uri="{FF2B5EF4-FFF2-40B4-BE49-F238E27FC236}">
+                    <a16:creationId xmlns:a16="http://schemas.microsoft.com/office/drawing/2014/main" id="{835E549A-AF36-48F1-98E6-2D0872BD5D15}"/>
+                  </a:ext>
+                </a:extLst>
+              </p:cNvPr>
+              <p:cNvSpPr txBox="1">
+                <a:spLocks noRot="1" noChangeAspect="1" noMove="1" noResize="1" noEditPoints="1" noAdjustHandles="1" noChangeArrowheads="1" noChangeShapeType="1" noTextEdit="1"/>
+              </p:cNvSpPr>
+              <p:nvPr/>
+            </p:nvSpPr>
+            <p:spPr>
+              <a:xfrm>
+                <a:off x="4107303" y="842676"/>
+                <a:ext cx="1227589" cy="483401"/>
+              </a:xfrm>
+              <a:prstGeom prst="rect">
+                <a:avLst/>
+              </a:prstGeom>
+              <a:blipFill>
+                <a:blip r:embed="rId3"/>
+                <a:stretch>
+                  <a:fillRect/>
+                </a:stretch>
+              </a:blipFill>
+            </p:spPr>
+            <p:txBody>
+              <a:bodyPr/>
+              <a:lstStyle/>
+              <a:p>
+                <a:r>
+                  <a:rPr lang="en-PH">
+                    <a:noFill/>
+                  </a:rPr>
+                  <a:t> </a:t>
+                </a:r>
+              </a:p>
+            </p:txBody>
+          </p:sp>
+        </mc:Fallback>
+      </mc:AlternateContent>
+      <mc:AlternateContent xmlns:mc="http://schemas.openxmlformats.org/markup-compatibility/2006" xmlns:a14="http://schemas.microsoft.com/office/drawing/2010/main">
+        <mc:Choice Requires="a14">
+          <p:sp>
+            <p:nvSpPr>
+              <p:cNvPr id="7" name="Subtitle 2">
+                <a:extLst>
+                  <a:ext uri="{FF2B5EF4-FFF2-40B4-BE49-F238E27FC236}">
+                    <a16:creationId xmlns:a16="http://schemas.microsoft.com/office/drawing/2014/main" id="{D77FC54E-E034-4EB9-80AB-D6BAEB458C58}"/>
+                  </a:ext>
+                </a:extLst>
+              </p:cNvPr>
+              <p:cNvSpPr txBox="1">
+                <a:spLocks/>
+              </p:cNvSpPr>
+              <p:nvPr/>
+            </p:nvSpPr>
+            <p:spPr>
+              <a:xfrm>
+                <a:off x="8421083" y="5315690"/>
+                <a:ext cx="1227589" cy="483401"/>
+              </a:xfrm>
+              <a:prstGeom prst="rect">
+                <a:avLst/>
+              </a:prstGeom>
+            </p:spPr>
+            <p:txBody>
+              <a:bodyPr vert="horz" lIns="91440" tIns="45720" rIns="91440" bIns="45720" rtlCol="0">
+                <a:normAutofit/>
+              </a:bodyPr>
+              <a:lstStyle>
+                <a:lvl1pPr marL="0" indent="0" algn="ctr" defTabSz="914400" rtl="0" eaLnBrk="1" latinLnBrk="0" hangingPunct="1">
+                  <a:lnSpc>
+                    <a:spcPct val="90000"/>
+                  </a:lnSpc>
+                  <a:spcBef>
+                    <a:spcPts val="1000"/>
+                  </a:spcBef>
+                  <a:buFont typeface="Arial" panose="020B0604020202020204" pitchFamily="34" charset="0"/>
+                  <a:buNone/>
+                  <a:defRPr sz="2400" kern="1200">
+                    <a:solidFill>
+                      <a:schemeClr val="tx1"/>
+                    </a:solidFill>
+                    <a:latin typeface="+mn-lt"/>
+                    <a:ea typeface="+mn-ea"/>
+                    <a:cs typeface="+mn-cs"/>
+                  </a:defRPr>
+                </a:lvl1pPr>
+                <a:lvl2pPr marL="457200" indent="0" algn="ctr" defTabSz="914400" rtl="0" eaLnBrk="1" latinLnBrk="0" hangingPunct="1">
+                  <a:lnSpc>
+                    <a:spcPct val="90000"/>
+                  </a:lnSpc>
+                  <a:spcBef>
+                    <a:spcPts val="500"/>
+                  </a:spcBef>
+                  <a:buFont typeface="Arial" panose="020B0604020202020204" pitchFamily="34" charset="0"/>
+                  <a:buNone/>
+                  <a:defRPr sz="2000" kern="1200">
+                    <a:solidFill>
+                      <a:schemeClr val="tx1"/>
+                    </a:solidFill>
+                    <a:latin typeface="+mn-lt"/>
+                    <a:ea typeface="+mn-ea"/>
+                    <a:cs typeface="+mn-cs"/>
+                  </a:defRPr>
+                </a:lvl2pPr>
+                <a:lvl3pPr marL="914400" indent="0" algn="ctr" defTabSz="914400" rtl="0" eaLnBrk="1" latinLnBrk="0" hangingPunct="1">
+                  <a:lnSpc>
+                    <a:spcPct val="90000"/>
+                  </a:lnSpc>
+                  <a:spcBef>
+                    <a:spcPts val="500"/>
+                  </a:spcBef>
+                  <a:buFont typeface="Arial" panose="020B0604020202020204" pitchFamily="34" charset="0"/>
+                  <a:buNone/>
+                  <a:defRPr sz="1800" kern="1200">
+                    <a:solidFill>
+                      <a:schemeClr val="tx1"/>
+                    </a:solidFill>
+                    <a:latin typeface="+mn-lt"/>
+                    <a:ea typeface="+mn-ea"/>
+                    <a:cs typeface="+mn-cs"/>
+                  </a:defRPr>
+                </a:lvl3pPr>
+                <a:lvl4pPr marL="1371600" indent="0" algn="ctr" defTabSz="914400" rtl="0" eaLnBrk="1" latinLnBrk="0" hangingPunct="1">
+                  <a:lnSpc>
+                    <a:spcPct val="90000"/>
+                  </a:lnSpc>
+                  <a:spcBef>
+                    <a:spcPts val="500"/>
+                  </a:spcBef>
+                  <a:buFont typeface="Arial" panose="020B0604020202020204" pitchFamily="34" charset="0"/>
+                  <a:buNone/>
+                  <a:defRPr sz="1600" kern="1200">
+                    <a:solidFill>
+                      <a:schemeClr val="tx1"/>
+                    </a:solidFill>
+                    <a:latin typeface="+mn-lt"/>
+                    <a:ea typeface="+mn-ea"/>
+                    <a:cs typeface="+mn-cs"/>
+                  </a:defRPr>
+                </a:lvl4pPr>
+                <a:lvl5pPr marL="1828800" indent="0" algn="ctr" defTabSz="914400" rtl="0" eaLnBrk="1" latinLnBrk="0" hangingPunct="1">
+                  <a:lnSpc>
+                    <a:spcPct val="90000"/>
+                  </a:lnSpc>
+                  <a:spcBef>
+                    <a:spcPts val="500"/>
+                  </a:spcBef>
+                  <a:buFont typeface="Arial" panose="020B0604020202020204" pitchFamily="34" charset="0"/>
+                  <a:buNone/>
+                  <a:defRPr sz="1600" kern="1200">
+                    <a:solidFill>
+                      <a:schemeClr val="tx1"/>
+                    </a:solidFill>
+                    <a:latin typeface="+mn-lt"/>
+                    <a:ea typeface="+mn-ea"/>
+                    <a:cs typeface="+mn-cs"/>
+                  </a:defRPr>
+                </a:lvl5pPr>
+                <a:lvl6pPr marL="2286000" indent="0" algn="ctr" defTabSz="914400" rtl="0" eaLnBrk="1" latinLnBrk="0" hangingPunct="1">
+                  <a:lnSpc>
+                    <a:spcPct val="90000"/>
+                  </a:lnSpc>
+                  <a:spcBef>
+                    <a:spcPts val="500"/>
+                  </a:spcBef>
+                  <a:buFont typeface="Arial" panose="020B0604020202020204" pitchFamily="34" charset="0"/>
+                  <a:buNone/>
+                  <a:defRPr sz="1600" kern="1200">
+                    <a:solidFill>
+                      <a:schemeClr val="tx1"/>
+                    </a:solidFill>
+                    <a:latin typeface="+mn-lt"/>
+                    <a:ea typeface="+mn-ea"/>
+                    <a:cs typeface="+mn-cs"/>
+                  </a:defRPr>
+                </a:lvl6pPr>
+                <a:lvl7pPr marL="2743200" indent="0" algn="ctr" defTabSz="914400" rtl="0" eaLnBrk="1" latinLnBrk="0" hangingPunct="1">
+                  <a:lnSpc>
+                    <a:spcPct val="90000"/>
+                  </a:lnSpc>
+                  <a:spcBef>
+                    <a:spcPts val="500"/>
+                  </a:spcBef>
+                  <a:buFont typeface="Arial" panose="020B0604020202020204" pitchFamily="34" charset="0"/>
+                  <a:buNone/>
+                  <a:defRPr sz="1600" kern="1200">
+                    <a:solidFill>
+                      <a:schemeClr val="tx1"/>
+                    </a:solidFill>
+                    <a:latin typeface="+mn-lt"/>
+                    <a:ea typeface="+mn-ea"/>
+                    <a:cs typeface="+mn-cs"/>
+                  </a:defRPr>
+                </a:lvl7pPr>
+                <a:lvl8pPr marL="3200400" indent="0" algn="ctr" defTabSz="914400" rtl="0" eaLnBrk="1" latinLnBrk="0" hangingPunct="1">
+                  <a:lnSpc>
+                    <a:spcPct val="90000"/>
+                  </a:lnSpc>
+                  <a:spcBef>
+                    <a:spcPts val="500"/>
+                  </a:spcBef>
+                  <a:buFont typeface="Arial" panose="020B0604020202020204" pitchFamily="34" charset="0"/>
+                  <a:buNone/>
+                  <a:defRPr sz="1600" kern="1200">
+                    <a:solidFill>
+                      <a:schemeClr val="tx1"/>
+                    </a:solidFill>
+                    <a:latin typeface="+mn-lt"/>
+                    <a:ea typeface="+mn-ea"/>
+                    <a:cs typeface="+mn-cs"/>
+                  </a:defRPr>
+                </a:lvl8pPr>
+                <a:lvl9pPr marL="3657600" indent="0" algn="ctr" defTabSz="914400" rtl="0" eaLnBrk="1" latinLnBrk="0" hangingPunct="1">
+                  <a:lnSpc>
+                    <a:spcPct val="90000"/>
+                  </a:lnSpc>
+                  <a:spcBef>
+                    <a:spcPts val="500"/>
+                  </a:spcBef>
+                  <a:buFont typeface="Arial" panose="020B0604020202020204" pitchFamily="34" charset="0"/>
+                  <a:buNone/>
+                  <a:defRPr sz="1600" kern="1200">
+                    <a:solidFill>
+                      <a:schemeClr val="tx1"/>
+                    </a:solidFill>
+                    <a:latin typeface="+mn-lt"/>
+                    <a:ea typeface="+mn-ea"/>
+                    <a:cs typeface="+mn-cs"/>
+                  </a:defRPr>
+                </a:lvl9pPr>
+              </a:lstStyle>
+              <a:p>
+                <a:pPr/>
+                <a14:m>
+                  <m:oMathPara xmlns:m="http://schemas.openxmlformats.org/officeDocument/2006/math">
+                    <m:oMathParaPr>
+                      <m:jc m:val="centerGroup"/>
+                    </m:oMathParaPr>
+                    <m:oMath xmlns:m="http://schemas.openxmlformats.org/officeDocument/2006/math">
+                      <m:sSup>
+                        <m:sSupPr>
+                          <m:ctrlPr>
+                            <a:rPr lang="en-PH" i="1" smtClean="0">
+                              <a:latin typeface="Cambria Math" panose="02040503050406030204" pitchFamily="18" charset="0"/>
+                            </a:rPr>
+                          </m:ctrlPr>
+                        </m:sSupPr>
+                        <m:e>
+                          <m:r>
+                            <a:rPr lang="en-PH" b="0" i="1" smtClean="0">
+                              <a:latin typeface="Cambria Math" panose="02040503050406030204" pitchFamily="18" charset="0"/>
+                            </a:rPr>
+                            <m:t>𝑒</m:t>
+                          </m:r>
+                        </m:e>
+                        <m:sup>
+                          <m:r>
+                            <a:rPr lang="en-PH" i="1">
+                              <a:latin typeface="Cambria Math" panose="02040503050406030204" pitchFamily="18" charset="0"/>
+                            </a:rPr>
+                            <m:t>−</m:t>
+                          </m:r>
+                        </m:sup>
+                      </m:sSup>
+                    </m:oMath>
+                  </m:oMathPara>
+                </a14:m>
+                <a:endParaRPr lang="en-PH" dirty="0"/>
+              </a:p>
+            </p:txBody>
+          </p:sp>
+        </mc:Choice>
+        <mc:Fallback xmlns="">
+          <p:sp>
+            <p:nvSpPr>
+              <p:cNvPr id="7" name="Subtitle 2">
+                <a:extLst>
+                  <a:ext uri="{FF2B5EF4-FFF2-40B4-BE49-F238E27FC236}">
+                    <a16:creationId xmlns:a16="http://schemas.microsoft.com/office/drawing/2014/main" id="{D77FC54E-E034-4EB9-80AB-D6BAEB458C58}"/>
+                  </a:ext>
+                </a:extLst>
+              </p:cNvPr>
+              <p:cNvSpPr txBox="1">
+                <a:spLocks noRot="1" noChangeAspect="1" noMove="1" noResize="1" noEditPoints="1" noAdjustHandles="1" noChangeArrowheads="1" noChangeShapeType="1" noTextEdit="1"/>
+              </p:cNvSpPr>
+              <p:nvPr/>
+            </p:nvSpPr>
+            <p:spPr>
+              <a:xfrm>
+                <a:off x="8421083" y="5315690"/>
+                <a:ext cx="1227589" cy="483401"/>
+              </a:xfrm>
+              <a:prstGeom prst="rect">
+                <a:avLst/>
+              </a:prstGeom>
+              <a:blipFill>
+                <a:blip r:embed="rId4"/>
+                <a:stretch>
+                  <a:fillRect/>
+                </a:stretch>
+              </a:blipFill>
+            </p:spPr>
+            <p:txBody>
+              <a:bodyPr/>
+              <a:lstStyle/>
+              <a:p>
+                <a:r>
+                  <a:rPr lang="en-PH">
+                    <a:noFill/>
+                  </a:rPr>
+                  <a:t> </a:t>
+                </a:r>
+              </a:p>
+            </p:txBody>
+          </p:sp>
+        </mc:Fallback>
+      </mc:AlternateContent>
+      <mc:AlternateContent xmlns:mc="http://schemas.openxmlformats.org/markup-compatibility/2006" xmlns:a14="http://schemas.microsoft.com/office/drawing/2010/main">
+        <mc:Choice Requires="a14">
+          <p:sp>
+            <p:nvSpPr>
+              <p:cNvPr id="8" name="Subtitle 2">
+                <a:extLst>
+                  <a:ext uri="{FF2B5EF4-FFF2-40B4-BE49-F238E27FC236}">
+                    <a16:creationId xmlns:a16="http://schemas.microsoft.com/office/drawing/2014/main" id="{B967AC0D-C9AC-4D83-8D1F-26CC70E3221D}"/>
+                  </a:ext>
+                </a:extLst>
+              </p:cNvPr>
+              <p:cNvSpPr txBox="1">
+                <a:spLocks/>
+              </p:cNvSpPr>
+              <p:nvPr/>
+            </p:nvSpPr>
+            <p:spPr>
+              <a:xfrm>
+                <a:off x="7843274" y="842675"/>
+                <a:ext cx="1227589" cy="483401"/>
+              </a:xfrm>
+              <a:prstGeom prst="rect">
+                <a:avLst/>
+              </a:prstGeom>
+            </p:spPr>
+            <p:txBody>
+              <a:bodyPr vert="horz" lIns="91440" tIns="45720" rIns="91440" bIns="45720" rtlCol="0">
+                <a:normAutofit/>
+              </a:bodyPr>
+              <a:lstStyle>
+                <a:lvl1pPr marL="0" indent="0" algn="ctr" defTabSz="914400" rtl="0" eaLnBrk="1" latinLnBrk="0" hangingPunct="1">
+                  <a:lnSpc>
+                    <a:spcPct val="90000"/>
+                  </a:lnSpc>
+                  <a:spcBef>
+                    <a:spcPts val="1000"/>
+                  </a:spcBef>
+                  <a:buFont typeface="Arial" panose="020B0604020202020204" pitchFamily="34" charset="0"/>
+                  <a:buNone/>
+                  <a:defRPr sz="2400" kern="1200">
+                    <a:solidFill>
+                      <a:schemeClr val="tx1"/>
+                    </a:solidFill>
+                    <a:latin typeface="+mn-lt"/>
+                    <a:ea typeface="+mn-ea"/>
+                    <a:cs typeface="+mn-cs"/>
+                  </a:defRPr>
+                </a:lvl1pPr>
+                <a:lvl2pPr marL="457200" indent="0" algn="ctr" defTabSz="914400" rtl="0" eaLnBrk="1" latinLnBrk="0" hangingPunct="1">
+                  <a:lnSpc>
+                    <a:spcPct val="90000"/>
+                  </a:lnSpc>
+                  <a:spcBef>
+                    <a:spcPts val="500"/>
+                  </a:spcBef>
+                  <a:buFont typeface="Arial" panose="020B0604020202020204" pitchFamily="34" charset="0"/>
+                  <a:buNone/>
+                  <a:defRPr sz="2000" kern="1200">
+                    <a:solidFill>
+                      <a:schemeClr val="tx1"/>
+                    </a:solidFill>
+                    <a:latin typeface="+mn-lt"/>
+                    <a:ea typeface="+mn-ea"/>
+                    <a:cs typeface="+mn-cs"/>
+                  </a:defRPr>
+                </a:lvl2pPr>
+                <a:lvl3pPr marL="914400" indent="0" algn="ctr" defTabSz="914400" rtl="0" eaLnBrk="1" latinLnBrk="0" hangingPunct="1">
+                  <a:lnSpc>
+                    <a:spcPct val="90000"/>
+                  </a:lnSpc>
+                  <a:spcBef>
+                    <a:spcPts val="500"/>
+                  </a:spcBef>
+                  <a:buFont typeface="Arial" panose="020B0604020202020204" pitchFamily="34" charset="0"/>
+                  <a:buNone/>
+                  <a:defRPr sz="1800" kern="1200">
+                    <a:solidFill>
+                      <a:schemeClr val="tx1"/>
+                    </a:solidFill>
+                    <a:latin typeface="+mn-lt"/>
+                    <a:ea typeface="+mn-ea"/>
+                    <a:cs typeface="+mn-cs"/>
+                  </a:defRPr>
+                </a:lvl3pPr>
+                <a:lvl4pPr marL="1371600" indent="0" algn="ctr" defTabSz="914400" rtl="0" eaLnBrk="1" latinLnBrk="0" hangingPunct="1">
+                  <a:lnSpc>
+                    <a:spcPct val="90000"/>
+                  </a:lnSpc>
+                  <a:spcBef>
+                    <a:spcPts val="500"/>
+                  </a:spcBef>
+                  <a:buFont typeface="Arial" panose="020B0604020202020204" pitchFamily="34" charset="0"/>
+                  <a:buNone/>
+                  <a:defRPr sz="1600" kern="1200">
+                    <a:solidFill>
+                      <a:schemeClr val="tx1"/>
+                    </a:solidFill>
+                    <a:latin typeface="+mn-lt"/>
+                    <a:ea typeface="+mn-ea"/>
+                    <a:cs typeface="+mn-cs"/>
+                  </a:defRPr>
+                </a:lvl4pPr>
+                <a:lvl5pPr marL="1828800" indent="0" algn="ctr" defTabSz="914400" rtl="0" eaLnBrk="1" latinLnBrk="0" hangingPunct="1">
+                  <a:lnSpc>
+                    <a:spcPct val="90000"/>
+                  </a:lnSpc>
+                  <a:spcBef>
+                    <a:spcPts val="500"/>
+                  </a:spcBef>
+                  <a:buFont typeface="Arial" panose="020B0604020202020204" pitchFamily="34" charset="0"/>
+                  <a:buNone/>
+                  <a:defRPr sz="1600" kern="1200">
+                    <a:solidFill>
+                      <a:schemeClr val="tx1"/>
+                    </a:solidFill>
+                    <a:latin typeface="+mn-lt"/>
+                    <a:ea typeface="+mn-ea"/>
+                    <a:cs typeface="+mn-cs"/>
+                  </a:defRPr>
+                </a:lvl5pPr>
+                <a:lvl6pPr marL="2286000" indent="0" algn="ctr" defTabSz="914400" rtl="0" eaLnBrk="1" latinLnBrk="0" hangingPunct="1">
+                  <a:lnSpc>
+                    <a:spcPct val="90000"/>
+                  </a:lnSpc>
+                  <a:spcBef>
+                    <a:spcPts val="500"/>
+                  </a:spcBef>
+                  <a:buFont typeface="Arial" panose="020B0604020202020204" pitchFamily="34" charset="0"/>
+                  <a:buNone/>
+                  <a:defRPr sz="1600" kern="1200">
+                    <a:solidFill>
+                      <a:schemeClr val="tx1"/>
+                    </a:solidFill>
+                    <a:latin typeface="+mn-lt"/>
+                    <a:ea typeface="+mn-ea"/>
+                    <a:cs typeface="+mn-cs"/>
+                  </a:defRPr>
+                </a:lvl6pPr>
+                <a:lvl7pPr marL="2743200" indent="0" algn="ctr" defTabSz="914400" rtl="0" eaLnBrk="1" latinLnBrk="0" hangingPunct="1">
+                  <a:lnSpc>
+                    <a:spcPct val="90000"/>
+                  </a:lnSpc>
+                  <a:spcBef>
+                    <a:spcPts val="500"/>
+                  </a:spcBef>
+                  <a:buFont typeface="Arial" panose="020B0604020202020204" pitchFamily="34" charset="0"/>
+                  <a:buNone/>
+                  <a:defRPr sz="1600" kern="1200">
+                    <a:solidFill>
+                      <a:schemeClr val="tx1"/>
+                    </a:solidFill>
+                    <a:latin typeface="+mn-lt"/>
+                    <a:ea typeface="+mn-ea"/>
+                    <a:cs typeface="+mn-cs"/>
+                  </a:defRPr>
+                </a:lvl7pPr>
+                <a:lvl8pPr marL="3200400" indent="0" algn="ctr" defTabSz="914400" rtl="0" eaLnBrk="1" latinLnBrk="0" hangingPunct="1">
+                  <a:lnSpc>
+                    <a:spcPct val="90000"/>
+                  </a:lnSpc>
+                  <a:spcBef>
+                    <a:spcPts val="500"/>
+                  </a:spcBef>
+                  <a:buFont typeface="Arial" panose="020B0604020202020204" pitchFamily="34" charset="0"/>
+                  <a:buNone/>
+                  <a:defRPr sz="1600" kern="1200">
+                    <a:solidFill>
+                      <a:schemeClr val="tx1"/>
+                    </a:solidFill>
+                    <a:latin typeface="+mn-lt"/>
+                    <a:ea typeface="+mn-ea"/>
+                    <a:cs typeface="+mn-cs"/>
+                  </a:defRPr>
+                </a:lvl8pPr>
+                <a:lvl9pPr marL="3657600" indent="0" algn="ctr" defTabSz="914400" rtl="0" eaLnBrk="1" latinLnBrk="0" hangingPunct="1">
+                  <a:lnSpc>
+                    <a:spcPct val="90000"/>
+                  </a:lnSpc>
+                  <a:spcBef>
+                    <a:spcPts val="500"/>
+                  </a:spcBef>
+                  <a:buFont typeface="Arial" panose="020B0604020202020204" pitchFamily="34" charset="0"/>
+                  <a:buNone/>
+                  <a:defRPr sz="1600" kern="1200">
+                    <a:solidFill>
+                      <a:schemeClr val="tx1"/>
+                    </a:solidFill>
+                    <a:latin typeface="+mn-lt"/>
+                    <a:ea typeface="+mn-ea"/>
+                    <a:cs typeface="+mn-cs"/>
+                  </a:defRPr>
+                </a:lvl9pPr>
+              </a:lstStyle>
+              <a:p>
+                <a:pPr/>
+                <a14:m>
+                  <m:oMathPara xmlns:m="http://schemas.openxmlformats.org/officeDocument/2006/math">
+                    <m:oMathParaPr>
+                      <m:jc m:val="centerGroup"/>
+                    </m:oMathParaPr>
+                    <m:oMath xmlns:m="http://schemas.openxmlformats.org/officeDocument/2006/math">
+                      <m:sSup>
+                        <m:sSupPr>
+                          <m:ctrlPr>
+                            <a:rPr lang="en-PH" i="1" smtClean="0">
+                              <a:latin typeface="Cambria Math" panose="02040503050406030204" pitchFamily="18" charset="0"/>
+                            </a:rPr>
+                          </m:ctrlPr>
+                        </m:sSupPr>
+                        <m:e>
+                          <m:r>
+                            <a:rPr lang="en-PH" b="0" i="1" smtClean="0">
+                              <a:latin typeface="Cambria Math" panose="02040503050406030204" pitchFamily="18" charset="0"/>
+                            </a:rPr>
+                            <m:t>𝑒</m:t>
+                          </m:r>
+                        </m:e>
+                        <m:sup>
+                          <m:r>
+                            <a:rPr lang="en-PH" i="1" smtClean="0">
+                              <a:latin typeface="Cambria Math" panose="02040503050406030204" pitchFamily="18" charset="0"/>
+                            </a:rPr>
+                            <m:t>−</m:t>
+                          </m:r>
+                        </m:sup>
+                      </m:sSup>
+                    </m:oMath>
+                  </m:oMathPara>
+                </a14:m>
+                <a:endParaRPr lang="en-PH" dirty="0"/>
+              </a:p>
+            </p:txBody>
+          </p:sp>
+        </mc:Choice>
+        <mc:Fallback xmlns="">
+          <p:sp>
+            <p:nvSpPr>
+              <p:cNvPr id="8" name="Subtitle 2">
+                <a:extLst>
+                  <a:ext uri="{FF2B5EF4-FFF2-40B4-BE49-F238E27FC236}">
+                    <a16:creationId xmlns:a16="http://schemas.microsoft.com/office/drawing/2014/main" id="{B967AC0D-C9AC-4D83-8D1F-26CC70E3221D}"/>
+                  </a:ext>
+                </a:extLst>
+              </p:cNvPr>
+              <p:cNvSpPr txBox="1">
+                <a:spLocks noRot="1" noChangeAspect="1" noMove="1" noResize="1" noEditPoints="1" noAdjustHandles="1" noChangeArrowheads="1" noChangeShapeType="1" noTextEdit="1"/>
+              </p:cNvSpPr>
+              <p:nvPr/>
+            </p:nvSpPr>
+            <p:spPr>
+              <a:xfrm>
+                <a:off x="7843274" y="842675"/>
+                <a:ext cx="1227589" cy="483401"/>
+              </a:xfrm>
+              <a:prstGeom prst="rect">
+                <a:avLst/>
+              </a:prstGeom>
+              <a:blipFill>
+                <a:blip r:embed="rId5"/>
+                <a:stretch>
+                  <a:fillRect/>
+                </a:stretch>
+              </a:blipFill>
+            </p:spPr>
+            <p:txBody>
+              <a:bodyPr/>
+              <a:lstStyle/>
+              <a:p>
+                <a:r>
+                  <a:rPr lang="en-PH">
+                    <a:noFill/>
+                  </a:rPr>
+                  <a:t> </a:t>
+                </a:r>
+              </a:p>
+            </p:txBody>
+          </p:sp>
+        </mc:Fallback>
+      </mc:AlternateContent>
+      <p:sp>
+        <p:nvSpPr>
+          <p:cNvPr id="9" name="Freeform: Shape 8">
+            <a:extLst>
+              <a:ext uri="{FF2B5EF4-FFF2-40B4-BE49-F238E27FC236}">
+                <a16:creationId xmlns:a16="http://schemas.microsoft.com/office/drawing/2014/main" id="{8CBC1092-53CC-40A6-BA1F-432CF2CBF719}"/>
+              </a:ext>
+            </a:extLst>
+          </p:cNvPr>
+          <p:cNvSpPr/>
+          <p:nvPr/>
+        </p:nvSpPr>
+        <p:spPr>
+          <a:xfrm>
+            <a:off x="6400800" y="2281805"/>
+            <a:ext cx="295400" cy="1904301"/>
+          </a:xfrm>
+          <a:custGeom>
+            <a:avLst/>
+            <a:gdLst>
+              <a:gd name="connsiteX0" fmla="*/ 176169 w 295400"/>
+              <a:gd name="connsiteY0" fmla="*/ 0 h 1904301"/>
+              <a:gd name="connsiteX1" fmla="*/ 58723 w 295400"/>
+              <a:gd name="connsiteY1" fmla="*/ 41945 h 1904301"/>
+              <a:gd name="connsiteX2" fmla="*/ 0 w 295400"/>
+              <a:gd name="connsiteY2" fmla="*/ 209725 h 1904301"/>
+              <a:gd name="connsiteX3" fmla="*/ 16778 w 295400"/>
+              <a:gd name="connsiteY3" fmla="*/ 327171 h 1904301"/>
+              <a:gd name="connsiteX4" fmla="*/ 83890 w 295400"/>
+              <a:gd name="connsiteY4" fmla="*/ 411061 h 1904301"/>
+              <a:gd name="connsiteX5" fmla="*/ 209725 w 295400"/>
+              <a:gd name="connsiteY5" fmla="*/ 637564 h 1904301"/>
+              <a:gd name="connsiteX6" fmla="*/ 209725 w 295400"/>
+              <a:gd name="connsiteY6" fmla="*/ 796954 h 1904301"/>
+              <a:gd name="connsiteX7" fmla="*/ 167780 w 295400"/>
+              <a:gd name="connsiteY7" fmla="*/ 847288 h 1904301"/>
+              <a:gd name="connsiteX8" fmla="*/ 58723 w 295400"/>
+              <a:gd name="connsiteY8" fmla="*/ 956345 h 1904301"/>
+              <a:gd name="connsiteX9" fmla="*/ 50334 w 295400"/>
+              <a:gd name="connsiteY9" fmla="*/ 1006679 h 1904301"/>
+              <a:gd name="connsiteX10" fmla="*/ 67112 w 295400"/>
+              <a:gd name="connsiteY10" fmla="*/ 1082180 h 1904301"/>
+              <a:gd name="connsiteX11" fmla="*/ 243281 w 295400"/>
+              <a:gd name="connsiteY11" fmla="*/ 1333850 h 1904301"/>
+              <a:gd name="connsiteX12" fmla="*/ 276837 w 295400"/>
+              <a:gd name="connsiteY12" fmla="*/ 1417740 h 1904301"/>
+              <a:gd name="connsiteX13" fmla="*/ 293615 w 295400"/>
+              <a:gd name="connsiteY13" fmla="*/ 1468074 h 1904301"/>
+              <a:gd name="connsiteX14" fmla="*/ 151002 w 295400"/>
+              <a:gd name="connsiteY14" fmla="*/ 1593909 h 1904301"/>
+              <a:gd name="connsiteX15" fmla="*/ 109057 w 295400"/>
+              <a:gd name="connsiteY15" fmla="*/ 1694577 h 1904301"/>
+              <a:gd name="connsiteX16" fmla="*/ 125835 w 295400"/>
+              <a:gd name="connsiteY16" fmla="*/ 1795244 h 1904301"/>
+              <a:gd name="connsiteX17" fmla="*/ 184558 w 295400"/>
+              <a:gd name="connsiteY17" fmla="*/ 1904301 h 1904301"/>
+            </a:gdLst>
+            <a:ahLst/>
+            <a:cxnLst>
+              <a:cxn ang="0">
+                <a:pos x="connsiteX0" y="connsiteY0"/>
+              </a:cxn>
+              <a:cxn ang="0">
+                <a:pos x="connsiteX1" y="connsiteY1"/>
+              </a:cxn>
+              <a:cxn ang="0">
+                <a:pos x="connsiteX2" y="connsiteY2"/>
+              </a:cxn>
+              <a:cxn ang="0">
+                <a:pos x="connsiteX3" y="connsiteY3"/>
+              </a:cxn>
+              <a:cxn ang="0">
+                <a:pos x="connsiteX4" y="connsiteY4"/>
+              </a:cxn>
+              <a:cxn ang="0">
+                <a:pos x="connsiteX5" y="connsiteY5"/>
+              </a:cxn>
+              <a:cxn ang="0">
+                <a:pos x="connsiteX6" y="connsiteY6"/>
+              </a:cxn>
+              <a:cxn ang="0">
+                <a:pos x="connsiteX7" y="connsiteY7"/>
+              </a:cxn>
+              <a:cxn ang="0">
+                <a:pos x="connsiteX8" y="connsiteY8"/>
+              </a:cxn>
+              <a:cxn ang="0">
+                <a:pos x="connsiteX9" y="connsiteY9"/>
+              </a:cxn>
+              <a:cxn ang="0">
+                <a:pos x="connsiteX10" y="connsiteY10"/>
+              </a:cxn>
+              <a:cxn ang="0">
+                <a:pos x="connsiteX11" y="connsiteY11"/>
+              </a:cxn>
+              <a:cxn ang="0">
+                <a:pos x="connsiteX12" y="connsiteY12"/>
+              </a:cxn>
+              <a:cxn ang="0">
+                <a:pos x="connsiteX13" y="connsiteY13"/>
+              </a:cxn>
+              <a:cxn ang="0">
+                <a:pos x="connsiteX14" y="connsiteY14"/>
+              </a:cxn>
+              <a:cxn ang="0">
+                <a:pos x="connsiteX15" y="connsiteY15"/>
+              </a:cxn>
+              <a:cxn ang="0">
+                <a:pos x="connsiteX16" y="connsiteY16"/>
+              </a:cxn>
+              <a:cxn ang="0">
+                <a:pos x="connsiteX17" y="connsiteY17"/>
+              </a:cxn>
+            </a:cxnLst>
+            <a:rect l="l" t="t" r="r" b="b"/>
+            <a:pathLst>
+              <a:path w="295400" h="1904301">
+                <a:moveTo>
+                  <a:pt x="176169" y="0"/>
+                </a:moveTo>
+                <a:cubicBezTo>
+                  <a:pt x="137020" y="13982"/>
+                  <a:pt x="92190" y="17285"/>
+                  <a:pt x="58723" y="41945"/>
+                </a:cubicBezTo>
+                <a:cubicBezTo>
+                  <a:pt x="14346" y="74644"/>
+                  <a:pt x="8081" y="165279"/>
+                  <a:pt x="0" y="209725"/>
+                </a:cubicBezTo>
+                <a:cubicBezTo>
+                  <a:pt x="5593" y="248874"/>
+                  <a:pt x="1568" y="290667"/>
+                  <a:pt x="16778" y="327171"/>
+                </a:cubicBezTo>
+                <a:cubicBezTo>
+                  <a:pt x="30551" y="360227"/>
+                  <a:pt x="62605" y="382263"/>
+                  <a:pt x="83890" y="411061"/>
+                </a:cubicBezTo>
+                <a:cubicBezTo>
+                  <a:pt x="174326" y="533415"/>
+                  <a:pt x="150942" y="500405"/>
+                  <a:pt x="209725" y="637564"/>
+                </a:cubicBezTo>
+                <a:cubicBezTo>
+                  <a:pt x="213040" y="674028"/>
+                  <a:pt x="227138" y="756323"/>
+                  <a:pt x="209725" y="796954"/>
+                </a:cubicBezTo>
+                <a:cubicBezTo>
+                  <a:pt x="201122" y="817028"/>
+                  <a:pt x="182800" y="831433"/>
+                  <a:pt x="167780" y="847288"/>
+                </a:cubicBezTo>
+                <a:cubicBezTo>
+                  <a:pt x="132423" y="884609"/>
+                  <a:pt x="58723" y="956345"/>
+                  <a:pt x="58723" y="956345"/>
+                </a:cubicBezTo>
+                <a:cubicBezTo>
+                  <a:pt x="55927" y="973123"/>
+                  <a:pt x="49203" y="989707"/>
+                  <a:pt x="50334" y="1006679"/>
+                </a:cubicBezTo>
+                <a:cubicBezTo>
+                  <a:pt x="52049" y="1032403"/>
+                  <a:pt x="55582" y="1059121"/>
+                  <a:pt x="67112" y="1082180"/>
+                </a:cubicBezTo>
+                <a:cubicBezTo>
+                  <a:pt x="138165" y="1224286"/>
+                  <a:pt x="157455" y="1237296"/>
+                  <a:pt x="243281" y="1333850"/>
+                </a:cubicBezTo>
+                <a:cubicBezTo>
+                  <a:pt x="254466" y="1361813"/>
+                  <a:pt x="266262" y="1389540"/>
+                  <a:pt x="276837" y="1417740"/>
+                </a:cubicBezTo>
+                <a:cubicBezTo>
+                  <a:pt x="283047" y="1434300"/>
+                  <a:pt x="301094" y="1452048"/>
+                  <a:pt x="293615" y="1468074"/>
+                </a:cubicBezTo>
+                <a:cubicBezTo>
+                  <a:pt x="276515" y="1504718"/>
+                  <a:pt x="185168" y="1568284"/>
+                  <a:pt x="151002" y="1593909"/>
+                </a:cubicBezTo>
+                <a:cubicBezTo>
+                  <a:pt x="142013" y="1611886"/>
+                  <a:pt x="109057" y="1671867"/>
+                  <a:pt x="109057" y="1694577"/>
+                </a:cubicBezTo>
+                <a:cubicBezTo>
+                  <a:pt x="109057" y="1728596"/>
+                  <a:pt x="116060" y="1762660"/>
+                  <a:pt x="125835" y="1795244"/>
+                </a:cubicBezTo>
+                <a:cubicBezTo>
+                  <a:pt x="134005" y="1822476"/>
+                  <a:pt x="167826" y="1876415"/>
+                  <a:pt x="184558" y="1904301"/>
+                </a:cubicBezTo>
+              </a:path>
+            </a:pathLst>
+          </a:custGeom>
+          <a:ln w="76200"/>
+        </p:spPr>
+        <p:style>
+          <a:lnRef idx="1">
+            <a:schemeClr val="dk1"/>
+          </a:lnRef>
+          <a:fillRef idx="0">
+            <a:schemeClr val="dk1"/>
+          </a:fillRef>
+          <a:effectRef idx="0">
+            <a:schemeClr val="dk1"/>
+          </a:effectRef>
+          <a:fontRef idx="minor">
+            <a:schemeClr val="tx1"/>
+          </a:fontRef>
+        </p:style>
+        <p:txBody>
+          <a:bodyPr rtlCol="0" anchor="ctr"/>
+          <a:lstStyle/>
+          <a:p>
+            <a:pPr algn="ctr"/>
+            <a:endParaRPr lang="en-PH"/>
+          </a:p>
+        </p:txBody>
+      </p:sp>
+      <p:cxnSp>
+        <p:nvCxnSpPr>
+          <p:cNvPr id="11" name="Straight Connector 10">
+            <a:extLst>
+              <a:ext uri="{FF2B5EF4-FFF2-40B4-BE49-F238E27FC236}">
+                <a16:creationId xmlns:a16="http://schemas.microsoft.com/office/drawing/2014/main" id="{89EFF960-F506-4199-A5E7-0B854F708863}"/>
+              </a:ext>
+            </a:extLst>
+          </p:cNvPr>
+          <p:cNvCxnSpPr>
+            <a:cxnSpLocks/>
+          </p:cNvCxnSpPr>
+          <p:nvPr/>
+        </p:nvCxnSpPr>
+        <p:spPr>
+          <a:xfrm>
+            <a:off x="4999839" y="1352552"/>
+            <a:ext cx="1534680" cy="929252"/>
+          </a:xfrm>
+          <a:prstGeom prst="line">
+            <a:avLst/>
+          </a:prstGeom>
+          <a:ln w="76200"/>
+        </p:spPr>
+        <p:style>
+          <a:lnRef idx="1">
+            <a:schemeClr val="dk1"/>
+          </a:lnRef>
+          <a:fillRef idx="0">
+            <a:schemeClr val="dk1"/>
+          </a:fillRef>
+          <a:effectRef idx="0">
+            <a:schemeClr val="dk1"/>
+          </a:effectRef>
+          <a:fontRef idx="minor">
+            <a:schemeClr val="tx1"/>
+          </a:fontRef>
+        </p:style>
+      </p:cxnSp>
+      <p:cxnSp>
+        <p:nvCxnSpPr>
+          <p:cNvPr id="13" name="Straight Connector 12">
+            <a:extLst>
+              <a:ext uri="{FF2B5EF4-FFF2-40B4-BE49-F238E27FC236}">
+                <a16:creationId xmlns:a16="http://schemas.microsoft.com/office/drawing/2014/main" id="{FE8E197C-2DB6-47F7-B65D-F7A9937232F0}"/>
+              </a:ext>
+            </a:extLst>
+          </p:cNvPr>
+          <p:cNvCxnSpPr>
+            <a:cxnSpLocks/>
+          </p:cNvCxnSpPr>
+          <p:nvPr/>
+        </p:nvCxnSpPr>
+        <p:spPr>
+          <a:xfrm flipV="1">
+            <a:off x="6534519" y="1201549"/>
+            <a:ext cx="1503671" cy="1080256"/>
+          </a:xfrm>
+          <a:prstGeom prst="line">
+            <a:avLst/>
+          </a:prstGeom>
+          <a:ln w="76200"/>
+        </p:spPr>
+        <p:style>
+          <a:lnRef idx="1">
+            <a:schemeClr val="dk1"/>
+          </a:lnRef>
+          <a:fillRef idx="0">
+            <a:schemeClr val="dk1"/>
+          </a:fillRef>
+          <a:effectRef idx="0">
+            <a:schemeClr val="dk1"/>
+          </a:effectRef>
+          <a:fontRef idx="minor">
+            <a:schemeClr val="tx1"/>
+          </a:fontRef>
+        </p:style>
+      </p:cxnSp>
+      <p:cxnSp>
+        <p:nvCxnSpPr>
+          <p:cNvPr id="15" name="Straight Connector 14">
+            <a:extLst>
+              <a:ext uri="{FF2B5EF4-FFF2-40B4-BE49-F238E27FC236}">
+                <a16:creationId xmlns:a16="http://schemas.microsoft.com/office/drawing/2014/main" id="{D66917D6-BAE4-4594-BE7E-821358643BAC}"/>
+              </a:ext>
+            </a:extLst>
+          </p:cNvPr>
+          <p:cNvCxnSpPr>
+            <a:cxnSpLocks/>
+          </p:cNvCxnSpPr>
+          <p:nvPr/>
+        </p:nvCxnSpPr>
+        <p:spPr>
+          <a:xfrm flipV="1">
+            <a:off x="5066501" y="4182945"/>
+            <a:ext cx="1548859" cy="1112718"/>
+          </a:xfrm>
+          <a:prstGeom prst="line">
+            <a:avLst/>
+          </a:prstGeom>
+          <a:ln w="76200"/>
+        </p:spPr>
+        <p:style>
+          <a:lnRef idx="1">
+            <a:schemeClr val="dk1"/>
+          </a:lnRef>
+          <a:fillRef idx="0">
+            <a:schemeClr val="dk1"/>
+          </a:fillRef>
+          <a:effectRef idx="0">
+            <a:schemeClr val="dk1"/>
+          </a:effectRef>
+          <a:fontRef idx="minor">
+            <a:schemeClr val="tx1"/>
+          </a:fontRef>
+        </p:style>
+      </p:cxnSp>
+      <p:cxnSp>
+        <p:nvCxnSpPr>
+          <p:cNvPr id="16" name="Straight Connector 15">
+            <a:extLst>
+              <a:ext uri="{FF2B5EF4-FFF2-40B4-BE49-F238E27FC236}">
+                <a16:creationId xmlns:a16="http://schemas.microsoft.com/office/drawing/2014/main" id="{324EE58C-3DA2-46B0-8CD0-8C048B860E91}"/>
+              </a:ext>
+            </a:extLst>
+          </p:cNvPr>
+          <p:cNvCxnSpPr>
+            <a:cxnSpLocks/>
+          </p:cNvCxnSpPr>
+          <p:nvPr/>
+        </p:nvCxnSpPr>
+        <p:spPr>
+          <a:xfrm>
+            <a:off x="6562481" y="4190304"/>
+            <a:ext cx="1858602" cy="1125387"/>
+          </a:xfrm>
+          <a:prstGeom prst="line">
+            <a:avLst/>
+          </a:prstGeom>
+          <a:ln w="76200"/>
+        </p:spPr>
+        <p:style>
+          <a:lnRef idx="1">
+            <a:schemeClr val="dk1"/>
+          </a:lnRef>
+          <a:fillRef idx="0">
+            <a:schemeClr val="dk1"/>
+          </a:fillRef>
+          <a:effectRef idx="0">
+            <a:schemeClr val="dk1"/>
+          </a:effectRef>
+          <a:fontRef idx="minor">
+            <a:schemeClr val="tx1"/>
+          </a:fontRef>
+        </p:style>
+      </p:cxnSp>
+      <p:sp>
+        <p:nvSpPr>
+          <p:cNvPr id="17" name="Oval 16">
+            <a:extLst>
+              <a:ext uri="{FF2B5EF4-FFF2-40B4-BE49-F238E27FC236}">
+                <a16:creationId xmlns:a16="http://schemas.microsoft.com/office/drawing/2014/main" id="{510EADB2-EBFC-4CAA-BFA9-F9802675CFD3}"/>
+              </a:ext>
+            </a:extLst>
+          </p:cNvPr>
+          <p:cNvSpPr/>
+          <p:nvPr/>
+        </p:nvSpPr>
+        <p:spPr>
+          <a:xfrm>
+            <a:off x="6342854" y="2155971"/>
+            <a:ext cx="276836" cy="276836"/>
+          </a:xfrm>
+          <a:prstGeom prst="ellipse">
+            <a:avLst/>
+          </a:prstGeom>
+        </p:spPr>
+        <p:style>
+          <a:lnRef idx="2">
+            <a:schemeClr val="dk1">
+              <a:shade val="50000"/>
+            </a:schemeClr>
+          </a:lnRef>
+          <a:fillRef idx="1">
+            <a:schemeClr val="dk1"/>
+          </a:fillRef>
+          <a:effectRef idx="0">
+            <a:schemeClr val="dk1"/>
+          </a:effectRef>
+          <a:fontRef idx="minor">
+            <a:schemeClr val="lt1"/>
+          </a:fontRef>
+        </p:style>
+        <p:txBody>
+          <a:bodyPr rtlCol="0" anchor="ctr"/>
+          <a:lstStyle/>
+          <a:p>
+            <a:pPr algn="ctr"/>
+            <a:endParaRPr lang="en-PH"/>
+          </a:p>
+        </p:txBody>
+      </p:sp>
+      <p:sp>
+        <p:nvSpPr>
+          <p:cNvPr id="18" name="Oval 17">
+            <a:extLst>
+              <a:ext uri="{FF2B5EF4-FFF2-40B4-BE49-F238E27FC236}">
+                <a16:creationId xmlns:a16="http://schemas.microsoft.com/office/drawing/2014/main" id="{A9FFC33E-EB89-4276-AAD3-A14E4AA19ECA}"/>
+              </a:ext>
+            </a:extLst>
+          </p:cNvPr>
+          <p:cNvSpPr/>
+          <p:nvPr/>
+        </p:nvSpPr>
+        <p:spPr>
+          <a:xfrm>
+            <a:off x="6424063" y="4129995"/>
+            <a:ext cx="276836" cy="276836"/>
+          </a:xfrm>
+          <a:prstGeom prst="ellipse">
+            <a:avLst/>
+          </a:prstGeom>
+        </p:spPr>
+        <p:style>
+          <a:lnRef idx="2">
+            <a:schemeClr val="dk1">
+              <a:shade val="50000"/>
+            </a:schemeClr>
+          </a:lnRef>
+          <a:fillRef idx="1">
+            <a:schemeClr val="dk1"/>
+          </a:fillRef>
+          <a:effectRef idx="0">
+            <a:schemeClr val="dk1"/>
+          </a:effectRef>
+          <a:fontRef idx="minor">
+            <a:schemeClr val="lt1"/>
+          </a:fontRef>
+        </p:style>
+        <p:txBody>
+          <a:bodyPr rtlCol="0" anchor="ctr"/>
+          <a:lstStyle/>
+          <a:p>
+            <a:pPr algn="ctr"/>
+            <a:endParaRPr lang="en-PH"/>
+          </a:p>
+        </p:txBody>
+      </p:sp>
+      <p:sp>
+        <p:nvSpPr>
+          <p:cNvPr id="19" name="Isosceles Triangle 18">
+            <a:extLst>
+              <a:ext uri="{FF2B5EF4-FFF2-40B4-BE49-F238E27FC236}">
+                <a16:creationId xmlns:a16="http://schemas.microsoft.com/office/drawing/2014/main" id="{782255AA-9C76-4AC4-BFFC-F9C480A3DC75}"/>
+              </a:ext>
+            </a:extLst>
+          </p:cNvPr>
+          <p:cNvSpPr/>
+          <p:nvPr/>
+        </p:nvSpPr>
+        <p:spPr>
+          <a:xfrm rot="2877748">
+            <a:off x="7110030" y="1550591"/>
+            <a:ext cx="360726" cy="478174"/>
+          </a:xfrm>
+          <a:prstGeom prst="triangle">
+            <a:avLst/>
+          </a:prstGeom>
+        </p:spPr>
+        <p:style>
+          <a:lnRef idx="2">
+            <a:schemeClr val="dk1">
+              <a:shade val="50000"/>
+            </a:schemeClr>
+          </a:lnRef>
+          <a:fillRef idx="1">
+            <a:schemeClr val="dk1"/>
+          </a:fillRef>
+          <a:effectRef idx="0">
+            <a:schemeClr val="dk1"/>
+          </a:effectRef>
+          <a:fontRef idx="minor">
+            <a:schemeClr val="lt1"/>
+          </a:fontRef>
+        </p:style>
+        <p:txBody>
+          <a:bodyPr rtlCol="0" anchor="ctr"/>
+          <a:lstStyle/>
+          <a:p>
+            <a:pPr algn="ctr"/>
+            <a:endParaRPr lang="en-PH"/>
+          </a:p>
+        </p:txBody>
+      </p:sp>
+      <p:sp>
+        <p:nvSpPr>
+          <p:cNvPr id="20" name="Isosceles Triangle 19">
+            <a:extLst>
+              <a:ext uri="{FF2B5EF4-FFF2-40B4-BE49-F238E27FC236}">
+                <a16:creationId xmlns:a16="http://schemas.microsoft.com/office/drawing/2014/main" id="{9AD8BFE2-25C6-45D8-8B60-11B70592F15F}"/>
+              </a:ext>
+            </a:extLst>
+          </p:cNvPr>
+          <p:cNvSpPr/>
+          <p:nvPr/>
+        </p:nvSpPr>
+        <p:spPr>
+          <a:xfrm rot="2877748">
+            <a:off x="5846014" y="4427960"/>
+            <a:ext cx="360726" cy="478174"/>
+          </a:xfrm>
+          <a:prstGeom prst="triangle">
+            <a:avLst/>
+          </a:prstGeom>
+        </p:spPr>
+        <p:style>
+          <a:lnRef idx="2">
+            <a:schemeClr val="dk1">
+              <a:shade val="50000"/>
+            </a:schemeClr>
+          </a:lnRef>
+          <a:fillRef idx="1">
+            <a:schemeClr val="dk1"/>
+          </a:fillRef>
+          <a:effectRef idx="0">
+            <a:schemeClr val="dk1"/>
+          </a:effectRef>
+          <a:fontRef idx="minor">
+            <a:schemeClr val="lt1"/>
+          </a:fontRef>
+        </p:style>
+        <p:txBody>
+          <a:bodyPr rtlCol="0" anchor="ctr"/>
+          <a:lstStyle/>
+          <a:p>
+            <a:pPr algn="ctr"/>
+            <a:endParaRPr lang="en-PH"/>
+          </a:p>
+        </p:txBody>
+      </p:sp>
+      <p:sp>
+        <p:nvSpPr>
+          <p:cNvPr id="21" name="Isosceles Triangle 20">
+            <a:extLst>
+              <a:ext uri="{FF2B5EF4-FFF2-40B4-BE49-F238E27FC236}">
+                <a16:creationId xmlns:a16="http://schemas.microsoft.com/office/drawing/2014/main" id="{207C825B-6DA2-46B0-AC2F-5D52DFC2DDDC}"/>
+              </a:ext>
+            </a:extLst>
+          </p:cNvPr>
+          <p:cNvSpPr/>
+          <p:nvPr/>
+        </p:nvSpPr>
+        <p:spPr>
+          <a:xfrm rot="7650055">
+            <a:off x="5635798" y="1628244"/>
+            <a:ext cx="360726" cy="478174"/>
+          </a:xfrm>
+          <a:prstGeom prst="triangle">
+            <a:avLst/>
+          </a:prstGeom>
+        </p:spPr>
+        <p:style>
+          <a:lnRef idx="2">
+            <a:schemeClr val="dk1">
+              <a:shade val="50000"/>
+            </a:schemeClr>
+          </a:lnRef>
+          <a:fillRef idx="1">
+            <a:schemeClr val="dk1"/>
+          </a:fillRef>
+          <a:effectRef idx="0">
+            <a:schemeClr val="dk1"/>
+          </a:effectRef>
+          <a:fontRef idx="minor">
+            <a:schemeClr val="lt1"/>
+          </a:fontRef>
+        </p:style>
+        <p:txBody>
+          <a:bodyPr rtlCol="0" anchor="ctr"/>
+          <a:lstStyle/>
+          <a:p>
+            <a:pPr algn="ctr"/>
+            <a:endParaRPr lang="en-PH"/>
+          </a:p>
+        </p:txBody>
+      </p:sp>
+      <p:sp>
+        <p:nvSpPr>
+          <p:cNvPr id="23" name="Isosceles Triangle 22">
+            <a:extLst>
+              <a:ext uri="{FF2B5EF4-FFF2-40B4-BE49-F238E27FC236}">
+                <a16:creationId xmlns:a16="http://schemas.microsoft.com/office/drawing/2014/main" id="{1237730E-1F54-4AA1-98FB-FC7C3D63D7CA}"/>
+              </a:ext>
+            </a:extLst>
+          </p:cNvPr>
+          <p:cNvSpPr/>
+          <p:nvPr/>
+        </p:nvSpPr>
+        <p:spPr>
+          <a:xfrm rot="7650055">
+            <a:off x="7209345" y="4448756"/>
+            <a:ext cx="360726" cy="478174"/>
+          </a:xfrm>
+          <a:prstGeom prst="triangle">
+            <a:avLst/>
+          </a:prstGeom>
+        </p:spPr>
+        <p:style>
+          <a:lnRef idx="2">
+            <a:schemeClr val="dk1">
+              <a:shade val="50000"/>
+            </a:schemeClr>
+          </a:lnRef>
+          <a:fillRef idx="1">
+            <a:schemeClr val="dk1"/>
+          </a:fillRef>
+          <a:effectRef idx="0">
+            <a:schemeClr val="dk1"/>
+          </a:effectRef>
+          <a:fontRef idx="minor">
+            <a:schemeClr val="lt1"/>
+          </a:fontRef>
+        </p:style>
+        <p:txBody>
+          <a:bodyPr rtlCol="0" anchor="ctr"/>
+          <a:lstStyle/>
+          <a:p>
+            <a:pPr algn="ctr"/>
+            <a:endParaRPr lang="en-PH"/>
+          </a:p>
+        </p:txBody>
+      </p:sp>
+      <mc:AlternateContent xmlns:mc="http://schemas.openxmlformats.org/markup-compatibility/2006" xmlns:a14="http://schemas.microsoft.com/office/drawing/2010/main">
+        <mc:Choice Requires="a14">
+          <p:sp>
+            <p:nvSpPr>
+              <p:cNvPr id="2" name="TextBox 1">
+                <a:extLst>
+                  <a:ext uri="{FF2B5EF4-FFF2-40B4-BE49-F238E27FC236}">
+                    <a16:creationId xmlns:a16="http://schemas.microsoft.com/office/drawing/2014/main" id="{42617DA8-C274-4923-9987-5792ABE96507}"/>
+                  </a:ext>
+                </a:extLst>
+              </p:cNvPr>
+              <p:cNvSpPr txBox="1"/>
+              <p:nvPr/>
+            </p:nvSpPr>
+            <p:spPr>
+              <a:xfrm>
+                <a:off x="4857699" y="1786476"/>
+                <a:ext cx="606320" cy="646331"/>
+              </a:xfrm>
+              <a:prstGeom prst="rect">
+                <a:avLst/>
+              </a:prstGeom>
+              <a:noFill/>
+            </p:spPr>
+            <p:txBody>
+              <a:bodyPr wrap="none" rtlCol="0">
+                <a:spAutoFit/>
+              </a:bodyPr>
+              <a:lstStyle/>
+              <a:p>
+                <a:pPr/>
+                <a14:m>
+                  <m:oMathPara xmlns:m="http://schemas.openxmlformats.org/officeDocument/2006/math">
+                    <m:oMathParaPr>
+                      <m:jc m:val="centerGroup"/>
+                    </m:oMathParaPr>
+                    <m:oMath xmlns:m="http://schemas.openxmlformats.org/officeDocument/2006/math">
+                      <m:sSub>
+                        <m:sSubPr>
+                          <m:ctrlPr>
+                            <a:rPr lang="en-PH" b="0" i="1" smtClean="0">
+                              <a:latin typeface="Cambria Math" panose="02040503050406030204" pitchFamily="18" charset="0"/>
+                            </a:rPr>
+                          </m:ctrlPr>
+                        </m:sSubPr>
+                        <m:e>
+                          <m:r>
+                            <a:rPr lang="en-PH" b="0" i="1" smtClean="0">
+                              <a:latin typeface="Cambria Math" panose="02040503050406030204" pitchFamily="18" charset="0"/>
+                            </a:rPr>
+                            <m:t>𝑝</m:t>
+                          </m:r>
+                        </m:e>
+                        <m:sub>
+                          <m:r>
+                            <a:rPr lang="en-PH" b="0" i="1" smtClean="0">
+                              <a:latin typeface="Cambria Math" panose="02040503050406030204" pitchFamily="18" charset="0"/>
+                            </a:rPr>
+                            <m:t>1</m:t>
+                          </m:r>
+                        </m:sub>
+                      </m:sSub>
+                    </m:oMath>
+                  </m:oMathPara>
+                </a14:m>
+                <a:endParaRPr lang="en-PH" b="0" dirty="0"/>
+              </a:p>
+              <a:p>
+                <a:endParaRPr lang="en-PH" dirty="0"/>
+              </a:p>
+            </p:txBody>
+          </p:sp>
+        </mc:Choice>
+        <mc:Fallback xmlns="">
+          <p:sp>
+            <p:nvSpPr>
+              <p:cNvPr id="2" name="TextBox 1">
+                <a:extLst>
+                  <a:ext uri="{FF2B5EF4-FFF2-40B4-BE49-F238E27FC236}">
+                    <a16:creationId xmlns:a16="http://schemas.microsoft.com/office/drawing/2014/main" id="{42617DA8-C274-4923-9987-5792ABE96507}"/>
+                  </a:ext>
+                </a:extLst>
+              </p:cNvPr>
+              <p:cNvSpPr txBox="1">
+                <a:spLocks noRot="1" noChangeAspect="1" noMove="1" noResize="1" noEditPoints="1" noAdjustHandles="1" noChangeArrowheads="1" noChangeShapeType="1" noTextEdit="1"/>
+              </p:cNvSpPr>
+              <p:nvPr/>
+            </p:nvSpPr>
+            <p:spPr>
+              <a:xfrm>
+                <a:off x="4857699" y="1786476"/>
+                <a:ext cx="606320" cy="646331"/>
+              </a:xfrm>
+              <a:prstGeom prst="rect">
+                <a:avLst/>
+              </a:prstGeom>
+              <a:blipFill>
+                <a:blip r:embed="rId6"/>
+                <a:stretch>
+                  <a:fillRect/>
+                </a:stretch>
+              </a:blipFill>
+            </p:spPr>
+            <p:txBody>
+              <a:bodyPr/>
+              <a:lstStyle/>
+              <a:p>
+                <a:r>
+                  <a:rPr lang="en-PH">
+                    <a:noFill/>
+                  </a:rPr>
+                  <a:t> </a:t>
+                </a:r>
+              </a:p>
+            </p:txBody>
+          </p:sp>
+        </mc:Fallback>
+      </mc:AlternateContent>
+      <mc:AlternateContent xmlns:mc="http://schemas.openxmlformats.org/markup-compatibility/2006" xmlns:a14="http://schemas.microsoft.com/office/drawing/2010/main">
+        <mc:Choice Requires="a14">
+          <p:sp>
+            <p:nvSpPr>
+              <p:cNvPr id="22" name="TextBox 21">
+                <a:extLst>
+                  <a:ext uri="{FF2B5EF4-FFF2-40B4-BE49-F238E27FC236}">
+                    <a16:creationId xmlns:a16="http://schemas.microsoft.com/office/drawing/2014/main" id="{1D11856D-B928-4A4A-AF5C-BB632CECE99A}"/>
+                  </a:ext>
+                </a:extLst>
+              </p:cNvPr>
+              <p:cNvSpPr txBox="1"/>
+              <p:nvPr/>
+            </p:nvSpPr>
+            <p:spPr>
+              <a:xfrm>
+                <a:off x="7492198" y="1817178"/>
+                <a:ext cx="564898" cy="646331"/>
+              </a:xfrm>
+              <a:prstGeom prst="rect">
+                <a:avLst/>
+              </a:prstGeom>
+              <a:noFill/>
+            </p:spPr>
+            <p:txBody>
+              <a:bodyPr wrap="none" rtlCol="0">
+                <a:spAutoFit/>
+              </a:bodyPr>
+              <a:lstStyle/>
+              <a:p>
+                <a:pPr/>
+                <a14:m>
+                  <m:oMathPara xmlns:m="http://schemas.openxmlformats.org/officeDocument/2006/math">
+                    <m:oMathParaPr>
+                      <m:jc m:val="centerGroup"/>
+                    </m:oMathParaPr>
+                    <m:oMath xmlns:m="http://schemas.openxmlformats.org/officeDocument/2006/math">
+                      <m:sSub>
+                        <m:sSubPr>
+                          <m:ctrlPr>
+                            <a:rPr lang="en-PH" b="0" i="1" smtClean="0">
+                              <a:latin typeface="Cambria Math" panose="02040503050406030204" pitchFamily="18" charset="0"/>
+                            </a:rPr>
+                          </m:ctrlPr>
+                        </m:sSubPr>
+                        <m:e>
+                          <m:r>
+                            <a:rPr lang="en-PH" b="0" i="1" smtClean="0">
+                              <a:latin typeface="Cambria Math" panose="02040503050406030204" pitchFamily="18" charset="0"/>
+                            </a:rPr>
+                            <m:t>𝑝</m:t>
+                          </m:r>
+                        </m:e>
+                        <m:sub>
+                          <m:r>
+                            <a:rPr lang="en-PH" b="0" i="1" smtClean="0">
+                              <a:latin typeface="Cambria Math" panose="02040503050406030204" pitchFamily="18" charset="0"/>
+                            </a:rPr>
+                            <m:t>3</m:t>
+                          </m:r>
+                        </m:sub>
+                      </m:sSub>
+                    </m:oMath>
+                  </m:oMathPara>
+                </a14:m>
+                <a:endParaRPr lang="en-PH" b="0" dirty="0"/>
+              </a:p>
+              <a:p>
+                <a:endParaRPr lang="en-PH" dirty="0"/>
+              </a:p>
+            </p:txBody>
+          </p:sp>
+        </mc:Choice>
+        <mc:Fallback xmlns="">
+          <p:sp>
+            <p:nvSpPr>
+              <p:cNvPr id="22" name="TextBox 21">
+                <a:extLst>
+                  <a:ext uri="{FF2B5EF4-FFF2-40B4-BE49-F238E27FC236}">
+                    <a16:creationId xmlns:a16="http://schemas.microsoft.com/office/drawing/2014/main" id="{1D11856D-B928-4A4A-AF5C-BB632CECE99A}"/>
+                  </a:ext>
+                </a:extLst>
+              </p:cNvPr>
+              <p:cNvSpPr txBox="1">
+                <a:spLocks noRot="1" noChangeAspect="1" noMove="1" noResize="1" noEditPoints="1" noAdjustHandles="1" noChangeArrowheads="1" noChangeShapeType="1" noTextEdit="1"/>
+              </p:cNvSpPr>
+              <p:nvPr/>
+            </p:nvSpPr>
+            <p:spPr>
+              <a:xfrm>
+                <a:off x="7492198" y="1817178"/>
+                <a:ext cx="564898" cy="646331"/>
+              </a:xfrm>
+              <a:prstGeom prst="rect">
+                <a:avLst/>
+              </a:prstGeom>
+              <a:blipFill>
+                <a:blip r:embed="rId7"/>
+                <a:stretch>
+                  <a:fillRect/>
+                </a:stretch>
+              </a:blipFill>
+            </p:spPr>
+            <p:txBody>
+              <a:bodyPr/>
+              <a:lstStyle/>
+              <a:p>
+                <a:r>
+                  <a:rPr lang="en-PH">
+                    <a:noFill/>
+                  </a:rPr>
+                  <a:t> </a:t>
+                </a:r>
+              </a:p>
+            </p:txBody>
+          </p:sp>
+        </mc:Fallback>
+      </mc:AlternateContent>
+      <mc:AlternateContent xmlns:mc="http://schemas.openxmlformats.org/markup-compatibility/2006" xmlns:a14="http://schemas.microsoft.com/office/drawing/2010/main">
+        <mc:Choice Requires="a14">
+          <p:sp>
+            <p:nvSpPr>
+              <p:cNvPr id="24" name="TextBox 23">
+                <a:extLst>
+                  <a:ext uri="{FF2B5EF4-FFF2-40B4-BE49-F238E27FC236}">
+                    <a16:creationId xmlns:a16="http://schemas.microsoft.com/office/drawing/2014/main" id="{04DD67E0-0435-46E2-A0A4-709237C39944}"/>
+                  </a:ext>
+                </a:extLst>
+              </p:cNvPr>
+              <p:cNvSpPr txBox="1"/>
+              <p:nvPr/>
+            </p:nvSpPr>
+            <p:spPr>
+              <a:xfrm>
+                <a:off x="4835802" y="4312467"/>
+                <a:ext cx="564898" cy="646331"/>
+              </a:xfrm>
+              <a:prstGeom prst="rect">
+                <a:avLst/>
+              </a:prstGeom>
+              <a:noFill/>
+            </p:spPr>
+            <p:txBody>
+              <a:bodyPr wrap="none" rtlCol="0">
+                <a:spAutoFit/>
+              </a:bodyPr>
+              <a:lstStyle/>
+              <a:p>
+                <a:pPr/>
+                <a14:m>
+                  <m:oMathPara xmlns:m="http://schemas.openxmlformats.org/officeDocument/2006/math">
+                    <m:oMathParaPr>
+                      <m:jc m:val="centerGroup"/>
+                    </m:oMathParaPr>
+                    <m:oMath xmlns:m="http://schemas.openxmlformats.org/officeDocument/2006/math">
+                      <m:sSub>
+                        <m:sSubPr>
+                          <m:ctrlPr>
+                            <a:rPr lang="en-PH" b="0" i="1" smtClean="0">
+                              <a:latin typeface="Cambria Math" panose="02040503050406030204" pitchFamily="18" charset="0"/>
+                            </a:rPr>
+                          </m:ctrlPr>
+                        </m:sSubPr>
+                        <m:e>
+                          <m:r>
+                            <a:rPr lang="en-PH" b="0" i="1" smtClean="0">
+                              <a:latin typeface="Cambria Math" panose="02040503050406030204" pitchFamily="18" charset="0"/>
+                            </a:rPr>
+                            <m:t>𝑝</m:t>
+                          </m:r>
+                        </m:e>
+                        <m:sub>
+                          <m:r>
+                            <a:rPr lang="en-PH" b="0" i="1" smtClean="0">
+                              <a:latin typeface="Cambria Math" panose="02040503050406030204" pitchFamily="18" charset="0"/>
+                            </a:rPr>
+                            <m:t>2</m:t>
+                          </m:r>
+                        </m:sub>
+                      </m:sSub>
+                    </m:oMath>
+                  </m:oMathPara>
+                </a14:m>
+                <a:endParaRPr lang="en-PH" b="0" dirty="0"/>
+              </a:p>
+              <a:p>
+                <a:endParaRPr lang="en-PH" dirty="0"/>
+              </a:p>
+            </p:txBody>
+          </p:sp>
+        </mc:Choice>
+        <mc:Fallback xmlns="">
+          <p:sp>
+            <p:nvSpPr>
+              <p:cNvPr id="24" name="TextBox 23">
+                <a:extLst>
+                  <a:ext uri="{FF2B5EF4-FFF2-40B4-BE49-F238E27FC236}">
+                    <a16:creationId xmlns:a16="http://schemas.microsoft.com/office/drawing/2014/main" id="{04DD67E0-0435-46E2-A0A4-709237C39944}"/>
+                  </a:ext>
+                </a:extLst>
+              </p:cNvPr>
+              <p:cNvSpPr txBox="1">
+                <a:spLocks noRot="1" noChangeAspect="1" noMove="1" noResize="1" noEditPoints="1" noAdjustHandles="1" noChangeArrowheads="1" noChangeShapeType="1" noTextEdit="1"/>
+              </p:cNvSpPr>
+              <p:nvPr/>
+            </p:nvSpPr>
+            <p:spPr>
+              <a:xfrm>
+                <a:off x="4835802" y="4312467"/>
+                <a:ext cx="564898" cy="646331"/>
+              </a:xfrm>
+              <a:prstGeom prst="rect">
+                <a:avLst/>
+              </a:prstGeom>
+              <a:blipFill>
+                <a:blip r:embed="rId8"/>
+                <a:stretch>
+                  <a:fillRect/>
+                </a:stretch>
+              </a:blipFill>
+            </p:spPr>
+            <p:txBody>
+              <a:bodyPr/>
+              <a:lstStyle/>
+              <a:p>
+                <a:r>
+                  <a:rPr lang="en-PH">
+                    <a:noFill/>
+                  </a:rPr>
+                  <a:t> </a:t>
+                </a:r>
+              </a:p>
+            </p:txBody>
+          </p:sp>
+        </mc:Fallback>
+      </mc:AlternateContent>
+      <mc:AlternateContent xmlns:mc="http://schemas.openxmlformats.org/markup-compatibility/2006" xmlns:a14="http://schemas.microsoft.com/office/drawing/2010/main">
+        <mc:Choice Requires="a14">
+          <p:sp>
+            <p:nvSpPr>
+              <p:cNvPr id="25" name="TextBox 24">
+                <a:extLst>
+                  <a:ext uri="{FF2B5EF4-FFF2-40B4-BE49-F238E27FC236}">
+                    <a16:creationId xmlns:a16="http://schemas.microsoft.com/office/drawing/2014/main" id="{6E6D2518-EC3D-430E-9762-056166412C44}"/>
+                  </a:ext>
+                </a:extLst>
+              </p:cNvPr>
+              <p:cNvSpPr txBox="1"/>
+              <p:nvPr/>
+            </p:nvSpPr>
+            <p:spPr>
+              <a:xfrm>
+                <a:off x="7956996" y="4330152"/>
+                <a:ext cx="564001" cy="646331"/>
+              </a:xfrm>
+              <a:prstGeom prst="rect">
+                <a:avLst/>
+              </a:prstGeom>
+              <a:noFill/>
+            </p:spPr>
+            <p:txBody>
+              <a:bodyPr wrap="none" rtlCol="0">
+                <a:spAutoFit/>
+              </a:bodyPr>
+              <a:lstStyle/>
+              <a:p>
+                <a:pPr/>
+                <a14:m>
+                  <m:oMathPara xmlns:m="http://schemas.openxmlformats.org/officeDocument/2006/math">
+                    <m:oMathParaPr>
+                      <m:jc m:val="centerGroup"/>
+                    </m:oMathParaPr>
+                    <m:oMath xmlns:m="http://schemas.openxmlformats.org/officeDocument/2006/math">
+                      <m:sSub>
+                        <m:sSubPr>
+                          <m:ctrlPr>
+                            <a:rPr lang="en-PH" b="0" i="1" smtClean="0">
+                              <a:latin typeface="Cambria Math" panose="02040503050406030204" pitchFamily="18" charset="0"/>
+                            </a:rPr>
+                          </m:ctrlPr>
+                        </m:sSubPr>
+                        <m:e>
+                          <m:r>
+                            <a:rPr lang="en-PH" b="0" i="1" smtClean="0">
+                              <a:latin typeface="Cambria Math" panose="02040503050406030204" pitchFamily="18" charset="0"/>
+                            </a:rPr>
+                            <m:t>𝑝</m:t>
+                          </m:r>
+                        </m:e>
+                        <m:sub>
+                          <m:r>
+                            <a:rPr lang="en-PH" b="0" i="1" smtClean="0">
+                              <a:latin typeface="Cambria Math" panose="02040503050406030204" pitchFamily="18" charset="0"/>
+                            </a:rPr>
+                            <m:t>4</m:t>
+                          </m:r>
+                        </m:sub>
+                      </m:sSub>
+                    </m:oMath>
+                  </m:oMathPara>
+                </a14:m>
+                <a:endParaRPr lang="en-PH" b="0" dirty="0"/>
+              </a:p>
+              <a:p>
+                <a:endParaRPr lang="en-PH" dirty="0"/>
+              </a:p>
+            </p:txBody>
+          </p:sp>
+        </mc:Choice>
+        <mc:Fallback xmlns="">
+          <p:sp>
+            <p:nvSpPr>
+              <p:cNvPr id="25" name="TextBox 24">
+                <a:extLst>
+                  <a:ext uri="{FF2B5EF4-FFF2-40B4-BE49-F238E27FC236}">
+                    <a16:creationId xmlns:a16="http://schemas.microsoft.com/office/drawing/2014/main" id="{6E6D2518-EC3D-430E-9762-056166412C44}"/>
+                  </a:ext>
+                </a:extLst>
+              </p:cNvPr>
+              <p:cNvSpPr txBox="1">
+                <a:spLocks noRot="1" noChangeAspect="1" noMove="1" noResize="1" noEditPoints="1" noAdjustHandles="1" noChangeArrowheads="1" noChangeShapeType="1" noTextEdit="1"/>
+              </p:cNvSpPr>
+              <p:nvPr/>
+            </p:nvSpPr>
+            <p:spPr>
+              <a:xfrm>
+                <a:off x="7956996" y="4330152"/>
+                <a:ext cx="564001" cy="646331"/>
+              </a:xfrm>
+              <a:prstGeom prst="rect">
+                <a:avLst/>
+              </a:prstGeom>
+              <a:blipFill>
+                <a:blip r:embed="rId9"/>
                 <a:stretch>
                   <a:fillRect/>
                 </a:stretch>
@@ -7973,8 +15608,8 @@
           </a:p>
         </p:txBody>
       </p:sp>
-      <mc:AlternateContent xmlns:mc="http://schemas.openxmlformats.org/markup-compatibility/2006">
-        <mc:Choice xmlns:a14="http://schemas.microsoft.com/office/drawing/2010/main" Requires="a14">
+      <mc:AlternateContent xmlns:mc="http://schemas.openxmlformats.org/markup-compatibility/2006" xmlns:a14="http://schemas.microsoft.com/office/drawing/2010/main">
+        <mc:Choice Requires="a14">
           <p:sp>
             <p:nvSpPr>
               <p:cNvPr id="28" name="Subtitle 2">
@@ -8188,7 +15823,7 @@
             </p:txBody>
           </p:sp>
         </mc:Choice>
-        <mc:Fallback>
+        <mc:Fallback xmlns="">
           <p:sp>
             <p:nvSpPr>
               <p:cNvPr id="28" name="Subtitle 2">
@@ -8233,6 +15868,198 @@
           </p:sp>
         </mc:Fallback>
       </mc:AlternateContent>
+      <mc:AlternateContent xmlns:mc="http://schemas.openxmlformats.org/markup-compatibility/2006">
+        <mc:Choice xmlns:a14="http://schemas.microsoft.com/office/drawing/2010/main" Requires="a14">
+          <p:sp>
+            <p:nvSpPr>
+              <p:cNvPr id="29" name="TextBox 28">
+                <a:extLst>
+                  <a:ext uri="{FF2B5EF4-FFF2-40B4-BE49-F238E27FC236}">
+                    <a16:creationId xmlns:a16="http://schemas.microsoft.com/office/drawing/2014/main" id="{FF5CCA36-0D58-4D55-ADFA-086CD1376A1A}"/>
+                  </a:ext>
+                </a:extLst>
+              </p:cNvPr>
+              <p:cNvSpPr txBox="1"/>
+              <p:nvPr/>
+            </p:nvSpPr>
+            <p:spPr>
+              <a:xfrm>
+                <a:off x="6306237" y="1654082"/>
+                <a:ext cx="370422" cy="369332"/>
+              </a:xfrm>
+              <a:prstGeom prst="rect">
+                <a:avLst/>
+              </a:prstGeom>
+              <a:noFill/>
+            </p:spPr>
+            <p:txBody>
+              <a:bodyPr wrap="none" rtlCol="0">
+                <a:spAutoFit/>
+              </a:bodyPr>
+              <a:lstStyle/>
+              <a:p>
+                <a:pPr/>
+                <a14:m>
+                  <m:oMathPara xmlns:m="http://schemas.openxmlformats.org/officeDocument/2006/math">
+                    <m:oMathParaPr>
+                      <m:jc m:val="centerGroup"/>
+                    </m:oMathParaPr>
+                    <m:oMath xmlns:m="http://schemas.openxmlformats.org/officeDocument/2006/math">
+                      <m:r>
+                        <a:rPr lang="en-PH" b="0" i="1" smtClean="0">
+                          <a:latin typeface="Cambria Math" panose="02040503050406030204" pitchFamily="18" charset="0"/>
+                        </a:rPr>
+                        <m:t>𝜇</m:t>
+                      </m:r>
+                    </m:oMath>
+                  </m:oMathPara>
+                </a14:m>
+                <a:endParaRPr lang="en-PH" dirty="0"/>
+              </a:p>
+            </p:txBody>
+          </p:sp>
+        </mc:Choice>
+        <mc:Fallback>
+          <p:sp>
+            <p:nvSpPr>
+              <p:cNvPr id="29" name="TextBox 28">
+                <a:extLst>
+                  <a:ext uri="{FF2B5EF4-FFF2-40B4-BE49-F238E27FC236}">
+                    <a16:creationId xmlns:a16="http://schemas.microsoft.com/office/drawing/2014/main" id="{FF5CCA36-0D58-4D55-ADFA-086CD1376A1A}"/>
+                  </a:ext>
+                </a:extLst>
+              </p:cNvPr>
+              <p:cNvSpPr txBox="1">
+                <a:spLocks noRot="1" noChangeAspect="1" noMove="1" noResize="1" noEditPoints="1" noAdjustHandles="1" noChangeArrowheads="1" noChangeShapeType="1" noTextEdit="1"/>
+              </p:cNvSpPr>
+              <p:nvPr/>
+            </p:nvSpPr>
+            <p:spPr>
+              <a:xfrm>
+                <a:off x="6306237" y="1654082"/>
+                <a:ext cx="370422" cy="369332"/>
+              </a:xfrm>
+              <a:prstGeom prst="rect">
+                <a:avLst/>
+              </a:prstGeom>
+              <a:blipFill>
+                <a:blip r:embed="rId13"/>
+                <a:stretch>
+                  <a:fillRect b="-3279"/>
+                </a:stretch>
+              </a:blipFill>
+            </p:spPr>
+            <p:txBody>
+              <a:bodyPr/>
+              <a:lstStyle/>
+              <a:p>
+                <a:r>
+                  <a:rPr lang="en-PH">
+                    <a:noFill/>
+                  </a:rPr>
+                  <a:t> </a:t>
+                </a:r>
+              </a:p>
+            </p:txBody>
+          </p:sp>
+        </mc:Fallback>
+      </mc:AlternateContent>
+      <mc:AlternateContent xmlns:mc="http://schemas.openxmlformats.org/markup-compatibility/2006">
+        <mc:Choice xmlns:a14="http://schemas.microsoft.com/office/drawing/2010/main" Requires="a14">
+          <p:sp>
+            <p:nvSpPr>
+              <p:cNvPr id="30" name="TextBox 29">
+                <a:extLst>
+                  <a:ext uri="{FF2B5EF4-FFF2-40B4-BE49-F238E27FC236}">
+                    <a16:creationId xmlns:a16="http://schemas.microsoft.com/office/drawing/2014/main" id="{58A57F7C-2648-4AA4-8389-B52704BFCEDF}"/>
+                  </a:ext>
+                </a:extLst>
+              </p:cNvPr>
+              <p:cNvSpPr txBox="1"/>
+              <p:nvPr/>
+            </p:nvSpPr>
+            <p:spPr>
+              <a:xfrm>
+                <a:off x="6429375" y="4518310"/>
+                <a:ext cx="361317" cy="369332"/>
+              </a:xfrm>
+              <a:prstGeom prst="rect">
+                <a:avLst/>
+              </a:prstGeom>
+              <a:noFill/>
+            </p:spPr>
+            <p:txBody>
+              <a:bodyPr wrap="none" rtlCol="0">
+                <a:spAutoFit/>
+              </a:bodyPr>
+              <a:lstStyle/>
+              <a:p>
+                <a:pPr/>
+                <a14:m>
+                  <m:oMathPara xmlns:m="http://schemas.openxmlformats.org/officeDocument/2006/math">
+                    <m:oMathParaPr>
+                      <m:jc m:val="centerGroup"/>
+                    </m:oMathParaPr>
+                    <m:oMath xmlns:m="http://schemas.openxmlformats.org/officeDocument/2006/math">
+                      <m:r>
+                        <a:rPr lang="en-PH" b="0" i="1" smtClean="0">
+                          <a:latin typeface="Cambria Math" panose="02040503050406030204" pitchFamily="18" charset="0"/>
+                        </a:rPr>
+                        <m:t>𝜈</m:t>
+                      </m:r>
+                    </m:oMath>
+                  </m:oMathPara>
+                </a14:m>
+                <a:endParaRPr lang="en-PH" dirty="0"/>
+              </a:p>
+            </p:txBody>
+          </p:sp>
+        </mc:Choice>
+        <mc:Fallback>
+          <p:sp>
+            <p:nvSpPr>
+              <p:cNvPr id="30" name="TextBox 29">
+                <a:extLst>
+                  <a:ext uri="{FF2B5EF4-FFF2-40B4-BE49-F238E27FC236}">
+                    <a16:creationId xmlns:a16="http://schemas.microsoft.com/office/drawing/2014/main" id="{58A57F7C-2648-4AA4-8389-B52704BFCEDF}"/>
+                  </a:ext>
+                </a:extLst>
+              </p:cNvPr>
+              <p:cNvSpPr txBox="1">
+                <a:spLocks noRot="1" noChangeAspect="1" noMove="1" noResize="1" noEditPoints="1" noAdjustHandles="1" noChangeArrowheads="1" noChangeShapeType="1" noTextEdit="1"/>
+              </p:cNvSpPr>
+              <p:nvPr/>
+            </p:nvSpPr>
+            <p:spPr>
+              <a:xfrm>
+                <a:off x="6429375" y="4518310"/>
+                <a:ext cx="361317" cy="369332"/>
+              </a:xfrm>
+              <a:prstGeom prst="rect">
+                <a:avLst/>
+              </a:prstGeom>
+              <a:blipFill>
+                <a:blip r:embed="rId14"/>
+                <a:stretch>
+                  <a:fillRect/>
+                </a:stretch>
+              </a:blipFill>
+            </p:spPr>
+            <p:txBody>
+              <a:bodyPr/>
+              <a:lstStyle/>
+              <a:p>
+                <a:r>
+                  <a:rPr lang="en-PH">
+                    <a:noFill/>
+                  </a:rPr>
+                  <a:t> </a:t>
+                </a:r>
+              </a:p>
+            </p:txBody>
+          </p:sp>
+        </mc:Fallback>
+      </mc:AlternateContent>
     </p:spTree>
     <p:extLst>
       <p:ext uri="{BB962C8B-B14F-4D97-AF65-F5344CB8AC3E}">
@@ -8246,7 +16073,7 @@
 </p:sld>
 </file>
 
-<file path=ppt/slides/slide3.xml><?xml version="1.0" encoding="utf-8"?>
+<file path=ppt/slides/slide8.xml><?xml version="1.0" encoding="utf-8"?>
 <p:sld xmlns:a="http://schemas.openxmlformats.org/drawingml/2006/main" xmlns:r="http://schemas.openxmlformats.org/officeDocument/2006/relationships" xmlns:p="http://schemas.openxmlformats.org/presentationml/2006/main">
   <p:cSld>
     <p:spTree>
@@ -8263,8 +16090,8 @@
           <a:chExt cx="0" cy="0"/>
         </a:xfrm>
       </p:grpSpPr>
-      <mc:AlternateContent xmlns:mc="http://schemas.openxmlformats.org/markup-compatibility/2006">
-        <mc:Choice xmlns:a14="http://schemas.microsoft.com/office/drawing/2010/main" Requires="a14">
+      <mc:AlternateContent xmlns:mc="http://schemas.openxmlformats.org/markup-compatibility/2006" xmlns:a14="http://schemas.microsoft.com/office/drawing/2010/main">
+        <mc:Choice Requires="a14">
           <p:sp>
             <p:nvSpPr>
               <p:cNvPr id="5" name="Subtitle 2">
@@ -8497,7 +16324,7 @@
             </p:txBody>
           </p:sp>
         </mc:Choice>
-        <mc:Fallback>
+        <mc:Fallback xmlns="">
           <p:sp>
             <p:nvSpPr>
               <p:cNvPr id="5" name="Subtitle 2">
@@ -8542,8 +16369,8 @@
           </p:sp>
         </mc:Fallback>
       </mc:AlternateContent>
-      <mc:AlternateContent xmlns:mc="http://schemas.openxmlformats.org/markup-compatibility/2006">
-        <mc:Choice xmlns:a14="http://schemas.microsoft.com/office/drawing/2010/main" Requires="a14">
+      <mc:AlternateContent xmlns:mc="http://schemas.openxmlformats.org/markup-compatibility/2006" xmlns:a14="http://schemas.microsoft.com/office/drawing/2010/main">
+        <mc:Choice Requires="a14">
           <p:sp>
             <p:nvSpPr>
               <p:cNvPr id="8" name="Subtitle 2">
@@ -8776,7 +16603,7 @@
             </p:txBody>
           </p:sp>
         </mc:Choice>
-        <mc:Fallback>
+        <mc:Fallback xmlns="">
           <p:sp>
             <p:nvSpPr>
               <p:cNvPr id="8" name="Subtitle 2">
@@ -9410,8 +17237,8 @@
           </a:p>
         </p:txBody>
       </p:sp>
-      <mc:AlternateContent xmlns:mc="http://schemas.openxmlformats.org/markup-compatibility/2006">
-        <mc:Choice xmlns:a14="http://schemas.microsoft.com/office/drawing/2010/main" Requires="a14">
+      <mc:AlternateContent xmlns:mc="http://schemas.openxmlformats.org/markup-compatibility/2006" xmlns:a14="http://schemas.microsoft.com/office/drawing/2010/main">
+        <mc:Choice Requires="a14">
           <p:sp>
             <p:nvSpPr>
               <p:cNvPr id="2" name="TextBox 1">
@@ -9483,7 +17310,7 @@
             </p:txBody>
           </p:sp>
         </mc:Choice>
-        <mc:Fallback>
+        <mc:Fallback xmlns="">
           <p:sp>
             <p:nvSpPr>
               <p:cNvPr id="2" name="TextBox 1">
@@ -9528,8 +17355,8 @@
           </p:sp>
         </mc:Fallback>
       </mc:AlternateContent>
-      <mc:AlternateContent xmlns:mc="http://schemas.openxmlformats.org/markup-compatibility/2006">
-        <mc:Choice xmlns:a14="http://schemas.microsoft.com/office/drawing/2010/main" Requires="a14">
+      <mc:AlternateContent xmlns:mc="http://schemas.openxmlformats.org/markup-compatibility/2006" xmlns:a14="http://schemas.microsoft.com/office/drawing/2010/main">
+        <mc:Choice Requires="a14">
           <p:sp>
             <p:nvSpPr>
               <p:cNvPr id="22" name="TextBox 21">
@@ -9601,7 +17428,7 @@
             </p:txBody>
           </p:sp>
         </mc:Choice>
-        <mc:Fallback>
+        <mc:Fallback xmlns="">
           <p:sp>
             <p:nvSpPr>
               <p:cNvPr id="22" name="TextBox 21">
@@ -9646,8 +17473,8 @@
           </p:sp>
         </mc:Fallback>
       </mc:AlternateContent>
-      <mc:AlternateContent xmlns:mc="http://schemas.openxmlformats.org/markup-compatibility/2006">
-        <mc:Choice xmlns:a14="http://schemas.microsoft.com/office/drawing/2010/main" Requires="a14">
+      <mc:AlternateContent xmlns:mc="http://schemas.openxmlformats.org/markup-compatibility/2006" xmlns:a14="http://schemas.microsoft.com/office/drawing/2010/main">
+        <mc:Choice Requires="a14">
           <p:sp>
             <p:nvSpPr>
               <p:cNvPr id="24" name="TextBox 23">
@@ -9719,7 +17546,7 @@
             </p:txBody>
           </p:sp>
         </mc:Choice>
-        <mc:Fallback>
+        <mc:Fallback xmlns="">
           <p:sp>
             <p:nvSpPr>
               <p:cNvPr id="24" name="TextBox 23">
@@ -9764,8 +17591,8 @@
           </p:sp>
         </mc:Fallback>
       </mc:AlternateContent>
-      <mc:AlternateContent xmlns:mc="http://schemas.openxmlformats.org/markup-compatibility/2006">
-        <mc:Choice xmlns:a14="http://schemas.microsoft.com/office/drawing/2010/main" Requires="a14">
+      <mc:AlternateContent xmlns:mc="http://schemas.openxmlformats.org/markup-compatibility/2006" xmlns:a14="http://schemas.microsoft.com/office/drawing/2010/main">
+        <mc:Choice Requires="a14">
           <p:sp>
             <p:nvSpPr>
               <p:cNvPr id="25" name="TextBox 24">
@@ -9837,7 +17664,7 @@
             </p:txBody>
           </p:sp>
         </mc:Choice>
-        <mc:Fallback>
+        <mc:Fallback xmlns="">
           <p:sp>
             <p:nvSpPr>
               <p:cNvPr id="25" name="TextBox 24">
@@ -9882,8 +17709,8 @@
           </p:sp>
         </mc:Fallback>
       </mc:AlternateContent>
-      <mc:AlternateContent xmlns:mc="http://schemas.openxmlformats.org/markup-compatibility/2006">
-        <mc:Choice xmlns:a14="http://schemas.microsoft.com/office/drawing/2010/main" Requires="a14">
+      <mc:AlternateContent xmlns:mc="http://schemas.openxmlformats.org/markup-compatibility/2006" xmlns:a14="http://schemas.microsoft.com/office/drawing/2010/main">
+        <mc:Choice Requires="a14">
           <p:sp>
             <p:nvSpPr>
               <p:cNvPr id="26" name="TextBox 25">
@@ -9933,7 +17760,7 @@
             </p:txBody>
           </p:sp>
         </mc:Choice>
-        <mc:Fallback>
+        <mc:Fallback xmlns="">
           <p:sp>
             <p:nvSpPr>
               <p:cNvPr id="26" name="TextBox 25">
@@ -9978,8 +17805,8 @@
           </p:sp>
         </mc:Fallback>
       </mc:AlternateContent>
-      <mc:AlternateContent xmlns:mc="http://schemas.openxmlformats.org/markup-compatibility/2006">
-        <mc:Choice xmlns:a14="http://schemas.microsoft.com/office/drawing/2010/main" Requires="a14">
+      <mc:AlternateContent xmlns:mc="http://schemas.openxmlformats.org/markup-compatibility/2006" xmlns:a14="http://schemas.microsoft.com/office/drawing/2010/main">
+        <mc:Choice Requires="a14">
           <p:sp>
             <p:nvSpPr>
               <p:cNvPr id="27" name="TextBox 26">
@@ -10029,7 +17856,7 @@
             </p:txBody>
           </p:sp>
         </mc:Choice>
-        <mc:Fallback>
+        <mc:Fallback xmlns="">
           <p:sp>
             <p:nvSpPr>
               <p:cNvPr id="27" name="TextBox 26">
@@ -10151,8 +17978,8 @@
           </a:fontRef>
         </p:style>
       </p:cxnSp>
-      <mc:AlternateContent xmlns:mc="http://schemas.openxmlformats.org/markup-compatibility/2006">
-        <mc:Choice xmlns:a14="http://schemas.microsoft.com/office/drawing/2010/main" Requires="a14">
+      <mc:AlternateContent xmlns:mc="http://schemas.openxmlformats.org/markup-compatibility/2006" xmlns:a14="http://schemas.microsoft.com/office/drawing/2010/main">
+        <mc:Choice Requires="a14">
           <p:sp>
             <p:nvSpPr>
               <p:cNvPr id="33" name="Subtitle 2">
@@ -10366,7 +18193,7 @@
             </p:txBody>
           </p:sp>
         </mc:Choice>
-        <mc:Fallback>
+        <mc:Fallback xmlns="">
           <p:sp>
             <p:nvSpPr>
               <p:cNvPr id="33" name="Subtitle 2">
@@ -10489,8 +18316,8 @@
           </a:fontRef>
         </p:style>
       </p:cxnSp>
-      <mc:AlternateContent xmlns:mc="http://schemas.openxmlformats.org/markup-compatibility/2006">
-        <mc:Choice xmlns:a14="http://schemas.microsoft.com/office/drawing/2010/main" Requires="a14">
+      <mc:AlternateContent xmlns:mc="http://schemas.openxmlformats.org/markup-compatibility/2006" xmlns:a14="http://schemas.microsoft.com/office/drawing/2010/main">
+        <mc:Choice Requires="a14">
           <p:sp>
             <p:nvSpPr>
               <p:cNvPr id="44" name="Subtitle 2">
@@ -10723,7 +18550,7 @@
             </p:txBody>
           </p:sp>
         </mc:Choice>
-        <mc:Fallback>
+        <mc:Fallback xmlns="">
           <p:sp>
             <p:nvSpPr>
               <p:cNvPr id="44" name="Subtitle 2">
@@ -10768,8 +18595,8 @@
           </p:sp>
         </mc:Fallback>
       </mc:AlternateContent>
-      <mc:AlternateContent xmlns:mc="http://schemas.openxmlformats.org/markup-compatibility/2006">
-        <mc:Choice xmlns:a14="http://schemas.microsoft.com/office/drawing/2010/main" Requires="a14">
+      <mc:AlternateContent xmlns:mc="http://schemas.openxmlformats.org/markup-compatibility/2006" xmlns:a14="http://schemas.microsoft.com/office/drawing/2010/main">
+        <mc:Choice Requires="a14">
           <p:sp>
             <p:nvSpPr>
               <p:cNvPr id="45" name="Subtitle 2">
@@ -11002,7 +18829,7 @@
             </p:txBody>
           </p:sp>
         </mc:Choice>
-        <mc:Fallback>
+        <mc:Fallback xmlns="">
           <p:sp>
             <p:nvSpPr>
               <p:cNvPr id="45" name="Subtitle 2">
@@ -11027,6 +18854,198 @@
               </a:prstGeom>
               <a:blipFill>
                 <a:blip r:embed="rId12"/>
+                <a:stretch>
+                  <a:fillRect/>
+                </a:stretch>
+              </a:blipFill>
+            </p:spPr>
+            <p:txBody>
+              <a:bodyPr/>
+              <a:lstStyle/>
+              <a:p>
+                <a:r>
+                  <a:rPr lang="en-PH">
+                    <a:noFill/>
+                  </a:rPr>
+                  <a:t> </a:t>
+                </a:r>
+              </a:p>
+            </p:txBody>
+          </p:sp>
+        </mc:Fallback>
+      </mc:AlternateContent>
+      <mc:AlternateContent xmlns:mc="http://schemas.openxmlformats.org/markup-compatibility/2006">
+        <mc:Choice xmlns:a14="http://schemas.microsoft.com/office/drawing/2010/main" Requires="a14">
+          <p:sp>
+            <p:nvSpPr>
+              <p:cNvPr id="30" name="TextBox 29">
+                <a:extLst>
+                  <a:ext uri="{FF2B5EF4-FFF2-40B4-BE49-F238E27FC236}">
+                    <a16:creationId xmlns:a16="http://schemas.microsoft.com/office/drawing/2014/main" id="{0B25D493-6B4F-430B-80A9-CD8E4AE24DF4}"/>
+                  </a:ext>
+                </a:extLst>
+              </p:cNvPr>
+              <p:cNvSpPr txBox="1"/>
+              <p:nvPr/>
+            </p:nvSpPr>
+            <p:spPr>
+              <a:xfrm>
+                <a:off x="4052790" y="1452576"/>
+                <a:ext cx="370422" cy="369332"/>
+              </a:xfrm>
+              <a:prstGeom prst="rect">
+                <a:avLst/>
+              </a:prstGeom>
+              <a:noFill/>
+            </p:spPr>
+            <p:txBody>
+              <a:bodyPr wrap="none" rtlCol="0">
+                <a:spAutoFit/>
+              </a:bodyPr>
+              <a:lstStyle/>
+              <a:p>
+                <a:pPr/>
+                <a14:m>
+                  <m:oMathPara xmlns:m="http://schemas.openxmlformats.org/officeDocument/2006/math">
+                    <m:oMathParaPr>
+                      <m:jc m:val="centerGroup"/>
+                    </m:oMathParaPr>
+                    <m:oMath xmlns:m="http://schemas.openxmlformats.org/officeDocument/2006/math">
+                      <m:r>
+                        <a:rPr lang="en-PH" b="0" i="1" smtClean="0">
+                          <a:latin typeface="Cambria Math" panose="02040503050406030204" pitchFamily="18" charset="0"/>
+                        </a:rPr>
+                        <m:t>𝜇</m:t>
+                      </m:r>
+                    </m:oMath>
+                  </m:oMathPara>
+                </a14:m>
+                <a:endParaRPr lang="en-PH" dirty="0"/>
+              </a:p>
+            </p:txBody>
+          </p:sp>
+        </mc:Choice>
+        <mc:Fallback>
+          <p:sp>
+            <p:nvSpPr>
+              <p:cNvPr id="30" name="TextBox 29">
+                <a:extLst>
+                  <a:ext uri="{FF2B5EF4-FFF2-40B4-BE49-F238E27FC236}">
+                    <a16:creationId xmlns:a16="http://schemas.microsoft.com/office/drawing/2014/main" id="{0B25D493-6B4F-430B-80A9-CD8E4AE24DF4}"/>
+                  </a:ext>
+                </a:extLst>
+              </p:cNvPr>
+              <p:cNvSpPr txBox="1">
+                <a:spLocks noRot="1" noChangeAspect="1" noMove="1" noResize="1" noEditPoints="1" noAdjustHandles="1" noChangeArrowheads="1" noChangeShapeType="1" noTextEdit="1"/>
+              </p:cNvSpPr>
+              <p:nvPr/>
+            </p:nvSpPr>
+            <p:spPr>
+              <a:xfrm>
+                <a:off x="4052790" y="1452576"/>
+                <a:ext cx="370422" cy="369332"/>
+              </a:xfrm>
+              <a:prstGeom prst="rect">
+                <a:avLst/>
+              </a:prstGeom>
+              <a:blipFill>
+                <a:blip r:embed="rId13"/>
+                <a:stretch>
+                  <a:fillRect b="-3279"/>
+                </a:stretch>
+              </a:blipFill>
+            </p:spPr>
+            <p:txBody>
+              <a:bodyPr/>
+              <a:lstStyle/>
+              <a:p>
+                <a:r>
+                  <a:rPr lang="en-PH">
+                    <a:noFill/>
+                  </a:rPr>
+                  <a:t> </a:t>
+                </a:r>
+              </a:p>
+            </p:txBody>
+          </p:sp>
+        </mc:Fallback>
+      </mc:AlternateContent>
+      <mc:AlternateContent xmlns:mc="http://schemas.openxmlformats.org/markup-compatibility/2006">
+        <mc:Choice xmlns:a14="http://schemas.microsoft.com/office/drawing/2010/main" Requires="a14">
+          <p:sp>
+            <p:nvSpPr>
+              <p:cNvPr id="31" name="TextBox 30">
+                <a:extLst>
+                  <a:ext uri="{FF2B5EF4-FFF2-40B4-BE49-F238E27FC236}">
+                    <a16:creationId xmlns:a16="http://schemas.microsoft.com/office/drawing/2014/main" id="{25309E96-65DE-4A96-8D64-5825B271947F}"/>
+                  </a:ext>
+                </a:extLst>
+              </p:cNvPr>
+              <p:cNvSpPr txBox="1"/>
+              <p:nvPr/>
+            </p:nvSpPr>
+            <p:spPr>
+              <a:xfrm>
+                <a:off x="4307181" y="4327622"/>
+                <a:ext cx="361317" cy="369332"/>
+              </a:xfrm>
+              <a:prstGeom prst="rect">
+                <a:avLst/>
+              </a:prstGeom>
+              <a:noFill/>
+            </p:spPr>
+            <p:txBody>
+              <a:bodyPr wrap="none" rtlCol="0">
+                <a:spAutoFit/>
+              </a:bodyPr>
+              <a:lstStyle/>
+              <a:p>
+                <a:pPr/>
+                <a14:m>
+                  <m:oMathPara xmlns:m="http://schemas.openxmlformats.org/officeDocument/2006/math">
+                    <m:oMathParaPr>
+                      <m:jc m:val="centerGroup"/>
+                    </m:oMathParaPr>
+                    <m:oMath xmlns:m="http://schemas.openxmlformats.org/officeDocument/2006/math">
+                      <m:r>
+                        <a:rPr lang="en-PH" b="0" i="1" smtClean="0">
+                          <a:latin typeface="Cambria Math" panose="02040503050406030204" pitchFamily="18" charset="0"/>
+                        </a:rPr>
+                        <m:t>𝜈</m:t>
+                      </m:r>
+                    </m:oMath>
+                  </m:oMathPara>
+                </a14:m>
+                <a:endParaRPr lang="en-PH" dirty="0"/>
+              </a:p>
+            </p:txBody>
+          </p:sp>
+        </mc:Choice>
+        <mc:Fallback>
+          <p:sp>
+            <p:nvSpPr>
+              <p:cNvPr id="31" name="TextBox 30">
+                <a:extLst>
+                  <a:ext uri="{FF2B5EF4-FFF2-40B4-BE49-F238E27FC236}">
+                    <a16:creationId xmlns:a16="http://schemas.microsoft.com/office/drawing/2014/main" id="{25309E96-65DE-4A96-8D64-5825B271947F}"/>
+                  </a:ext>
+                </a:extLst>
+              </p:cNvPr>
+              <p:cNvSpPr txBox="1">
+                <a:spLocks noRot="1" noChangeAspect="1" noMove="1" noResize="1" noEditPoints="1" noAdjustHandles="1" noChangeArrowheads="1" noChangeShapeType="1" noTextEdit="1"/>
+              </p:cNvSpPr>
+              <p:nvPr/>
+            </p:nvSpPr>
+            <p:spPr>
+              <a:xfrm>
+                <a:off x="4307181" y="4327622"/>
+                <a:ext cx="361317" cy="369332"/>
+              </a:xfrm>
+              <a:prstGeom prst="rect">
+                <a:avLst/>
+              </a:prstGeom>
+              <a:blipFill>
+                <a:blip r:embed="rId14"/>
                 <a:stretch>
                   <a:fillRect/>
                 </a:stretch>
